--- a/Directing Customers to Subscription Through App Behavior Analysis.pptx
+++ b/Directing Customers to Subscription Through App Behavior Analysis.pptx
@@ -2,10 +2,23 @@
 <file path=ppt/presentation.xml><?xml version="1.0" encoding="utf-8"?>
 <p:presentation xmlns:a="http://schemas.openxmlformats.org/drawingml/2006/main" xmlns:r="http://schemas.openxmlformats.org/officeDocument/2006/relationships" xmlns:p="http://schemas.openxmlformats.org/presentationml/2006/main" saveSubsetFonts="1">
   <p:sldMasterIdLst>
-    <p:sldMasterId id="2147483723" r:id="rId1"/>
+    <p:sldMasterId id="2147483648" r:id="rId1"/>
   </p:sldMasterIdLst>
   <p:sldIdLst>
-    <p:sldId id="256" r:id="rId2"/>
+    <p:sldId id="263" r:id="rId2"/>
+    <p:sldId id="257" r:id="rId3"/>
+    <p:sldId id="258" r:id="rId4"/>
+    <p:sldId id="268" r:id="rId5"/>
+    <p:sldId id="269" r:id="rId6"/>
+    <p:sldId id="270" r:id="rId7"/>
+    <p:sldId id="262" r:id="rId8"/>
+    <p:sldId id="259" r:id="rId9"/>
+    <p:sldId id="261" r:id="rId10"/>
+    <p:sldId id="260" r:id="rId11"/>
+    <p:sldId id="264" r:id="rId12"/>
+    <p:sldId id="256" r:id="rId13"/>
+    <p:sldId id="267" r:id="rId14"/>
+    <p:sldId id="271" r:id="rId15"/>
   </p:sldIdLst>
   <p:sldSz cx="12192000" cy="6858000"/>
   <p:notesSz cx="6858000" cy="9144000"/>
@@ -104,6 +117,11 @@
       </a:defRPr>
     </a:lvl9pPr>
   </p:defaultTextStyle>
+  <p:extLst>
+    <p:ext uri="{EFAFB233-063F-42B5-8137-9DF3F51BA10A}">
+      <p15:sldGuideLst xmlns:p15="http://schemas.microsoft.com/office/powerpoint/2012/main"/>
+    </p:ext>
+  </p:extLst>
 </p:presentation>
 </file>
 
@@ -129,7 +147,7 @@
           <p:cNvPr id="2" name="Title 1">
             <a:extLst>
               <a:ext uri="{FF2B5EF4-FFF2-40B4-BE49-F238E27FC236}">
-                <a16:creationId xmlns:a16="http://schemas.microsoft.com/office/drawing/2014/main" id="{D21058BF-C5E1-4B52-BD8A-FD1AD5779347}"/>
+                <a16:creationId xmlns:a16="http://schemas.microsoft.com/office/drawing/2014/main" id="{75A7F631-6FDF-A246-23BB-30964E8B35AE}"/>
               </a:ext>
             </a:extLst>
           </p:cNvPr>
@@ -150,7 +168,7 @@
           <a:bodyPr anchor="b"/>
           <a:lstStyle>
             <a:lvl1pPr algn="ctr">
-              <a:defRPr sz="5400"/>
+              <a:defRPr sz="6000"/>
             </a:lvl1pPr>
           </a:lstStyle>
           <a:p>
@@ -158,7 +176,7 @@
               <a:rPr lang="en-US"/>
               <a:t>Click to edit Master title style</a:t>
             </a:r>
-            <a:endParaRPr lang="en-US" dirty="0"/>
+            <a:endParaRPr lang="en-IN"/>
           </a:p>
         </p:txBody>
       </p:sp>
@@ -167,7 +185,7 @@
           <p:cNvPr id="3" name="Subtitle 2">
             <a:extLst>
               <a:ext uri="{FF2B5EF4-FFF2-40B4-BE49-F238E27FC236}">
-                <a16:creationId xmlns:a16="http://schemas.microsoft.com/office/drawing/2014/main" id="{DFCD51F7-3CC3-4BB7-8291-B1789482E863}"/>
+                <a16:creationId xmlns:a16="http://schemas.microsoft.com/office/drawing/2014/main" id="{390DC10C-BE49-E71A-69A5-CF9ED50B7D63}"/>
               </a:ext>
             </a:extLst>
           </p:cNvPr>
@@ -229,7 +247,7 @@
               <a:rPr lang="en-US"/>
               <a:t>Click to edit Master subtitle style</a:t>
             </a:r>
-            <a:endParaRPr lang="en-US" dirty="0"/>
+            <a:endParaRPr lang="en-IN"/>
           </a:p>
         </p:txBody>
       </p:sp>
@@ -238,7 +256,7 @@
           <p:cNvPr id="4" name="Date Placeholder 3">
             <a:extLst>
               <a:ext uri="{FF2B5EF4-FFF2-40B4-BE49-F238E27FC236}">
-                <a16:creationId xmlns:a16="http://schemas.microsoft.com/office/drawing/2014/main" id="{FD320447-D6C7-43E1-AE88-1FB66CC9C55E}"/>
+                <a16:creationId xmlns:a16="http://schemas.microsoft.com/office/drawing/2014/main" id="{2A32DDBA-BF1C-F5F3-4ED8-CCB608D24209}"/>
               </a:ext>
             </a:extLst>
           </p:cNvPr>
@@ -254,11 +272,11 @@
           <a:bodyPr/>
           <a:lstStyle/>
           <a:p>
-            <a:fld id="{C43A76A3-ADC8-4477-8FC1-B9DD55D84908}" type="datetime1">
-              <a:rPr lang="en-US" smtClean="0"/>
-              <a:t>3/9/2023</a:t>
+            <a:fld id="{35F22EC9-F25C-44F6-9C75-A7B9CB7E8773}" type="datetimeFigureOut">
+              <a:rPr lang="en-IN" smtClean="0"/>
+              <a:t>13-03-2023</a:t>
             </a:fld>
-            <a:endParaRPr lang="en-US" dirty="0"/>
+            <a:endParaRPr lang="en-IN"/>
           </a:p>
         </p:txBody>
       </p:sp>
@@ -267,7 +285,7 @@
           <p:cNvPr id="5" name="Footer Placeholder 4">
             <a:extLst>
               <a:ext uri="{FF2B5EF4-FFF2-40B4-BE49-F238E27FC236}">
-                <a16:creationId xmlns:a16="http://schemas.microsoft.com/office/drawing/2014/main" id="{6F5E17B6-E7FC-473A-8D5F-0E6B838EA754}"/>
+                <a16:creationId xmlns:a16="http://schemas.microsoft.com/office/drawing/2014/main" id="{2409C4C9-6ADF-15D3-41E0-B5874B9AB589}"/>
               </a:ext>
             </a:extLst>
           </p:cNvPr>
@@ -283,7 +301,7 @@
           <a:bodyPr/>
           <a:lstStyle/>
           <a:p>
-            <a:endParaRPr lang="en-US"/>
+            <a:endParaRPr lang="en-IN"/>
           </a:p>
         </p:txBody>
       </p:sp>
@@ -292,7 +310,7 @@
           <p:cNvPr id="6" name="Slide Number Placeholder 5">
             <a:extLst>
               <a:ext uri="{FF2B5EF4-FFF2-40B4-BE49-F238E27FC236}">
-                <a16:creationId xmlns:a16="http://schemas.microsoft.com/office/drawing/2014/main" id="{464AF4E0-FDDB-42B9-862C-7BBC501CDAC5}"/>
+                <a16:creationId xmlns:a16="http://schemas.microsoft.com/office/drawing/2014/main" id="{8C6804B6-BFB3-58C8-9B69-B967E264F4B2}"/>
               </a:ext>
             </a:extLst>
           </p:cNvPr>
@@ -308,18 +326,18 @@
           <a:bodyPr/>
           <a:lstStyle/>
           <a:p>
-            <a:fld id="{35747434-7036-48DB-A148-6B3D8EE75CDA}" type="slidenum">
-              <a:rPr lang="en-US" smtClean="0"/>
+            <a:fld id="{AFBCB6DB-75DA-4C7C-95EA-73FA1C42716C}" type="slidenum">
+              <a:rPr lang="en-IN" smtClean="0"/>
               <a:t>‹#›</a:t>
             </a:fld>
-            <a:endParaRPr lang="en-US" dirty="0"/>
+            <a:endParaRPr lang="en-IN"/>
           </a:p>
         </p:txBody>
       </p:sp>
     </p:spTree>
     <p:extLst>
       <p:ext uri="{BB962C8B-B14F-4D97-AF65-F5344CB8AC3E}">
-        <p14:creationId xmlns:p14="http://schemas.microsoft.com/office/powerpoint/2010/main" val="1889654358"/>
+        <p14:creationId xmlns:p14="http://schemas.microsoft.com/office/powerpoint/2010/main" val="1008820436"/>
       </p:ext>
     </p:extLst>
   </p:cSld>
@@ -351,7 +369,7 @@
           <p:cNvPr id="2" name="Title 1">
             <a:extLst>
               <a:ext uri="{FF2B5EF4-FFF2-40B4-BE49-F238E27FC236}">
-                <a16:creationId xmlns:a16="http://schemas.microsoft.com/office/drawing/2014/main" id="{4D8E922F-6166-4009-A42D-027DC7180715}"/>
+                <a16:creationId xmlns:a16="http://schemas.microsoft.com/office/drawing/2014/main" id="{ADF4C42B-4A3C-77D0-903E-EB9BA8E90566}"/>
               </a:ext>
             </a:extLst>
           </p:cNvPr>
@@ -371,6 +389,7 @@
               <a:rPr lang="en-US"/>
               <a:t>Click to edit Master title style</a:t>
             </a:r>
+            <a:endParaRPr lang="en-IN"/>
           </a:p>
         </p:txBody>
       </p:sp>
@@ -379,7 +398,7 @@
           <p:cNvPr id="3" name="Vertical Text Placeholder 2">
             <a:extLst>
               <a:ext uri="{FF2B5EF4-FFF2-40B4-BE49-F238E27FC236}">
-                <a16:creationId xmlns:a16="http://schemas.microsoft.com/office/drawing/2014/main" id="{FF7791CF-167D-446D-9F99-6976C986E2FB}"/>
+                <a16:creationId xmlns:a16="http://schemas.microsoft.com/office/drawing/2014/main" id="{B939CB9B-040C-F059-88BD-ED00A20564A7}"/>
               </a:ext>
             </a:extLst>
           </p:cNvPr>
@@ -428,6 +447,7 @@
               <a:rPr lang="en-US"/>
               <a:t>Fifth level</a:t>
             </a:r>
+            <a:endParaRPr lang="en-IN"/>
           </a:p>
         </p:txBody>
       </p:sp>
@@ -436,7 +456,7 @@
           <p:cNvPr id="4" name="Date Placeholder 3">
             <a:extLst>
               <a:ext uri="{FF2B5EF4-FFF2-40B4-BE49-F238E27FC236}">
-                <a16:creationId xmlns:a16="http://schemas.microsoft.com/office/drawing/2014/main" id="{D83CA422-E040-4DE1-9DA5-C8D37C116A7B}"/>
+                <a16:creationId xmlns:a16="http://schemas.microsoft.com/office/drawing/2014/main" id="{3DBD0135-D36F-32A9-1AE0-0853807B6F38}"/>
               </a:ext>
             </a:extLst>
           </p:cNvPr>
@@ -452,11 +472,11 @@
           <a:bodyPr/>
           <a:lstStyle/>
           <a:p>
-            <a:fld id="{D6762538-DC4D-4667-96E5-B3278DDF8B12}" type="datetime1">
-              <a:rPr lang="en-US" smtClean="0"/>
-              <a:t>3/9/2023</a:t>
+            <a:fld id="{35F22EC9-F25C-44F6-9C75-A7B9CB7E8773}" type="datetimeFigureOut">
+              <a:rPr lang="en-IN" smtClean="0"/>
+              <a:t>13-03-2023</a:t>
             </a:fld>
-            <a:endParaRPr lang="en-US"/>
+            <a:endParaRPr lang="en-IN"/>
           </a:p>
         </p:txBody>
       </p:sp>
@@ -465,7 +485,7 @@
           <p:cNvPr id="5" name="Footer Placeholder 4">
             <a:extLst>
               <a:ext uri="{FF2B5EF4-FFF2-40B4-BE49-F238E27FC236}">
-                <a16:creationId xmlns:a16="http://schemas.microsoft.com/office/drawing/2014/main" id="{6C813B0B-60E7-494E-91CB-055BC26906BC}"/>
+                <a16:creationId xmlns:a16="http://schemas.microsoft.com/office/drawing/2014/main" id="{60AE5658-2ADB-AB5D-C5F0-E2FD98FB7DD7}"/>
               </a:ext>
             </a:extLst>
           </p:cNvPr>
@@ -481,7 +501,7 @@
           <a:bodyPr/>
           <a:lstStyle/>
           <a:p>
-            <a:endParaRPr lang="en-US"/>
+            <a:endParaRPr lang="en-IN"/>
           </a:p>
         </p:txBody>
       </p:sp>
@@ -490,7 +510,7 @@
           <p:cNvPr id="6" name="Slide Number Placeholder 5">
             <a:extLst>
               <a:ext uri="{FF2B5EF4-FFF2-40B4-BE49-F238E27FC236}">
-                <a16:creationId xmlns:a16="http://schemas.microsoft.com/office/drawing/2014/main" id="{7B48C554-7C1B-4D8F-9B6B-04492656904B}"/>
+                <a16:creationId xmlns:a16="http://schemas.microsoft.com/office/drawing/2014/main" id="{6763C927-9FC7-D7BC-A2CA-3527A56623B0}"/>
               </a:ext>
             </a:extLst>
           </p:cNvPr>
@@ -506,18 +526,18 @@
           <a:bodyPr/>
           <a:lstStyle/>
           <a:p>
-            <a:fld id="{35747434-7036-48DB-A148-6B3D8EE75CDA}" type="slidenum">
-              <a:rPr lang="en-US" smtClean="0"/>
+            <a:fld id="{AFBCB6DB-75DA-4C7C-95EA-73FA1C42716C}" type="slidenum">
+              <a:rPr lang="en-IN" smtClean="0"/>
               <a:t>‹#›</a:t>
             </a:fld>
-            <a:endParaRPr lang="en-US"/>
+            <a:endParaRPr lang="en-IN"/>
           </a:p>
         </p:txBody>
       </p:sp>
     </p:spTree>
     <p:extLst>
       <p:ext uri="{BB962C8B-B14F-4D97-AF65-F5344CB8AC3E}">
-        <p14:creationId xmlns:p14="http://schemas.microsoft.com/office/powerpoint/2010/main" val="2680960280"/>
+        <p14:creationId xmlns:p14="http://schemas.microsoft.com/office/powerpoint/2010/main" val="2296554580"/>
       </p:ext>
     </p:extLst>
   </p:cSld>
@@ -549,7 +569,7 @@
           <p:cNvPr id="2" name="Vertical Title 1">
             <a:extLst>
               <a:ext uri="{FF2B5EF4-FFF2-40B4-BE49-F238E27FC236}">
-                <a16:creationId xmlns:a16="http://schemas.microsoft.com/office/drawing/2014/main" id="{EEC66EF0-6ED8-49A7-BDAD-E20A143FAEAC}"/>
+                <a16:creationId xmlns:a16="http://schemas.microsoft.com/office/drawing/2014/main" id="{4DCC3B77-078D-8C70-17A3-FA262DC9138A}"/>
               </a:ext>
             </a:extLst>
           </p:cNvPr>
@@ -574,6 +594,7 @@
               <a:rPr lang="en-US"/>
               <a:t>Click to edit Master title style</a:t>
             </a:r>
+            <a:endParaRPr lang="en-IN"/>
           </a:p>
         </p:txBody>
       </p:sp>
@@ -582,7 +603,7 @@
           <p:cNvPr id="3" name="Vertical Text Placeholder 2">
             <a:extLst>
               <a:ext uri="{FF2B5EF4-FFF2-40B4-BE49-F238E27FC236}">
-                <a16:creationId xmlns:a16="http://schemas.microsoft.com/office/drawing/2014/main" id="{90FCE9CD-90A9-44BA-B293-0662E077DDE9}"/>
+                <a16:creationId xmlns:a16="http://schemas.microsoft.com/office/drawing/2014/main" id="{AD3B1DA2-80E7-9BBD-0A89-A559F0441BCD}"/>
               </a:ext>
             </a:extLst>
           </p:cNvPr>
@@ -636,6 +657,7 @@
               <a:rPr lang="en-US"/>
               <a:t>Fifth level</a:t>
             </a:r>
+            <a:endParaRPr lang="en-IN"/>
           </a:p>
         </p:txBody>
       </p:sp>
@@ -644,7 +666,7 @@
           <p:cNvPr id="4" name="Date Placeholder 3">
             <a:extLst>
               <a:ext uri="{FF2B5EF4-FFF2-40B4-BE49-F238E27FC236}">
-                <a16:creationId xmlns:a16="http://schemas.microsoft.com/office/drawing/2014/main" id="{0857DAE0-05C4-460B-B96D-BD183ED030C4}"/>
+                <a16:creationId xmlns:a16="http://schemas.microsoft.com/office/drawing/2014/main" id="{6D897930-70DE-321A-37BB-06DDFC31C5A0}"/>
               </a:ext>
             </a:extLst>
           </p:cNvPr>
@@ -660,11 +682,11 @@
           <a:bodyPr/>
           <a:lstStyle/>
           <a:p>
-            <a:fld id="{05880548-5C08-4BE3-B63E-F2BB63B0B00C}" type="datetime1">
-              <a:rPr lang="en-US" smtClean="0"/>
-              <a:t>3/9/2023</a:t>
+            <a:fld id="{35F22EC9-F25C-44F6-9C75-A7B9CB7E8773}" type="datetimeFigureOut">
+              <a:rPr lang="en-IN" smtClean="0"/>
+              <a:t>13-03-2023</a:t>
             </a:fld>
-            <a:endParaRPr lang="en-US"/>
+            <a:endParaRPr lang="en-IN"/>
           </a:p>
         </p:txBody>
       </p:sp>
@@ -673,7 +695,7 @@
           <p:cNvPr id="5" name="Footer Placeholder 4">
             <a:extLst>
               <a:ext uri="{FF2B5EF4-FFF2-40B4-BE49-F238E27FC236}">
-                <a16:creationId xmlns:a16="http://schemas.microsoft.com/office/drawing/2014/main" id="{33B3CA93-55C9-4AA3-89A0-55490F745B11}"/>
+                <a16:creationId xmlns:a16="http://schemas.microsoft.com/office/drawing/2014/main" id="{8F9FBD63-BA71-1272-FA24-7CF7175F64E9}"/>
               </a:ext>
             </a:extLst>
           </p:cNvPr>
@@ -689,7 +711,7 @@
           <a:bodyPr/>
           <a:lstStyle/>
           <a:p>
-            <a:endParaRPr lang="en-US"/>
+            <a:endParaRPr lang="en-IN"/>
           </a:p>
         </p:txBody>
       </p:sp>
@@ -698,7 +720,7 @@
           <p:cNvPr id="6" name="Slide Number Placeholder 5">
             <a:extLst>
               <a:ext uri="{FF2B5EF4-FFF2-40B4-BE49-F238E27FC236}">
-                <a16:creationId xmlns:a16="http://schemas.microsoft.com/office/drawing/2014/main" id="{46BFD820-FF26-4325-816F-310C30F80ACC}"/>
+                <a16:creationId xmlns:a16="http://schemas.microsoft.com/office/drawing/2014/main" id="{16B16A06-03B4-3F16-90B2-97DE96884558}"/>
               </a:ext>
             </a:extLst>
           </p:cNvPr>
@@ -714,18 +736,18 @@
           <a:bodyPr/>
           <a:lstStyle/>
           <a:p>
-            <a:fld id="{35747434-7036-48DB-A148-6B3D8EE75CDA}" type="slidenum">
-              <a:rPr lang="en-US" smtClean="0"/>
+            <a:fld id="{AFBCB6DB-75DA-4C7C-95EA-73FA1C42716C}" type="slidenum">
+              <a:rPr lang="en-IN" smtClean="0"/>
               <a:t>‹#›</a:t>
             </a:fld>
-            <a:endParaRPr lang="en-US"/>
+            <a:endParaRPr lang="en-IN"/>
           </a:p>
         </p:txBody>
       </p:sp>
     </p:spTree>
     <p:extLst>
       <p:ext uri="{BB962C8B-B14F-4D97-AF65-F5344CB8AC3E}">
-        <p14:creationId xmlns:p14="http://schemas.microsoft.com/office/powerpoint/2010/main" val="2692031131"/>
+        <p14:creationId xmlns:p14="http://schemas.microsoft.com/office/powerpoint/2010/main" val="219274388"/>
       </p:ext>
     </p:extLst>
   </p:cSld>
@@ -757,7 +779,7 @@
           <p:cNvPr id="2" name="Title 1">
             <a:extLst>
               <a:ext uri="{FF2B5EF4-FFF2-40B4-BE49-F238E27FC236}">
-                <a16:creationId xmlns:a16="http://schemas.microsoft.com/office/drawing/2014/main" id="{3B1736C8-0B4F-4655-A630-0B1D2540B7DD}"/>
+                <a16:creationId xmlns:a16="http://schemas.microsoft.com/office/drawing/2014/main" id="{BD5C491E-18F9-FD94-BC2B-2351B43F69E4}"/>
               </a:ext>
             </a:extLst>
           </p:cNvPr>
@@ -777,6 +799,7 @@
               <a:rPr lang="en-US"/>
               <a:t>Click to edit Master title style</a:t>
             </a:r>
+            <a:endParaRPr lang="en-IN"/>
           </a:p>
         </p:txBody>
       </p:sp>
@@ -785,7 +808,7 @@
           <p:cNvPr id="3" name="Content Placeholder 2">
             <a:extLst>
               <a:ext uri="{FF2B5EF4-FFF2-40B4-BE49-F238E27FC236}">
-                <a16:creationId xmlns:a16="http://schemas.microsoft.com/office/drawing/2014/main" id="{5378B888-85E0-4D92-903E-C3FE7E870DE7}"/>
+                <a16:creationId xmlns:a16="http://schemas.microsoft.com/office/drawing/2014/main" id="{E2A1E244-3185-C433-5AAD-2194CC7ECB8E}"/>
               </a:ext>
             </a:extLst>
           </p:cNvPr>
@@ -834,6 +857,7 @@
               <a:rPr lang="en-US"/>
               <a:t>Fifth level</a:t>
             </a:r>
+            <a:endParaRPr lang="en-IN"/>
           </a:p>
         </p:txBody>
       </p:sp>
@@ -842,7 +866,7 @@
           <p:cNvPr id="4" name="Date Placeholder 3">
             <a:extLst>
               <a:ext uri="{FF2B5EF4-FFF2-40B4-BE49-F238E27FC236}">
-                <a16:creationId xmlns:a16="http://schemas.microsoft.com/office/drawing/2014/main" id="{FC648916-250B-4232-BD7D-571FDE79F5E7}"/>
+                <a16:creationId xmlns:a16="http://schemas.microsoft.com/office/drawing/2014/main" id="{865BD757-4EB4-8E0D-EB16-16E8E9EFE9A9}"/>
               </a:ext>
             </a:extLst>
           </p:cNvPr>
@@ -858,11 +882,11 @@
           <a:bodyPr/>
           <a:lstStyle/>
           <a:p>
-            <a:fld id="{DE7F49BE-398D-479A-8A7E-5DDBCA61EDCB}" type="datetime1">
-              <a:rPr lang="en-US" smtClean="0"/>
-              <a:t>3/9/2023</a:t>
+            <a:fld id="{35F22EC9-F25C-44F6-9C75-A7B9CB7E8773}" type="datetimeFigureOut">
+              <a:rPr lang="en-IN" smtClean="0"/>
+              <a:t>13-03-2023</a:t>
             </a:fld>
-            <a:endParaRPr lang="en-US"/>
+            <a:endParaRPr lang="en-IN"/>
           </a:p>
         </p:txBody>
       </p:sp>
@@ -871,7 +895,7 @@
           <p:cNvPr id="5" name="Footer Placeholder 4">
             <a:extLst>
               <a:ext uri="{FF2B5EF4-FFF2-40B4-BE49-F238E27FC236}">
-                <a16:creationId xmlns:a16="http://schemas.microsoft.com/office/drawing/2014/main" id="{B6A8BFB4-647C-4104-B6D4-3346051C36D4}"/>
+                <a16:creationId xmlns:a16="http://schemas.microsoft.com/office/drawing/2014/main" id="{6C9927B1-F585-4067-3859-BE60C957E955}"/>
               </a:ext>
             </a:extLst>
           </p:cNvPr>
@@ -887,7 +911,7 @@
           <a:bodyPr/>
           <a:lstStyle/>
           <a:p>
-            <a:endParaRPr lang="en-US"/>
+            <a:endParaRPr lang="en-IN"/>
           </a:p>
         </p:txBody>
       </p:sp>
@@ -896,7 +920,7 @@
           <p:cNvPr id="6" name="Slide Number Placeholder 5">
             <a:extLst>
               <a:ext uri="{FF2B5EF4-FFF2-40B4-BE49-F238E27FC236}">
-                <a16:creationId xmlns:a16="http://schemas.microsoft.com/office/drawing/2014/main" id="{2E0FA73F-2BE8-4370-AE90-58F4CE51FC51}"/>
+                <a16:creationId xmlns:a16="http://schemas.microsoft.com/office/drawing/2014/main" id="{4D63030E-95E1-886A-8D91-F9476F7BF352}"/>
               </a:ext>
             </a:extLst>
           </p:cNvPr>
@@ -912,18 +936,18 @@
           <a:bodyPr/>
           <a:lstStyle/>
           <a:p>
-            <a:fld id="{35747434-7036-48DB-A148-6B3D8EE75CDA}" type="slidenum">
-              <a:rPr lang="en-US" smtClean="0"/>
+            <a:fld id="{AFBCB6DB-75DA-4C7C-95EA-73FA1C42716C}" type="slidenum">
+              <a:rPr lang="en-IN" smtClean="0"/>
               <a:t>‹#›</a:t>
             </a:fld>
-            <a:endParaRPr lang="en-US"/>
+            <a:endParaRPr lang="en-IN"/>
           </a:p>
         </p:txBody>
       </p:sp>
     </p:spTree>
     <p:extLst>
       <p:ext uri="{BB962C8B-B14F-4D97-AF65-F5344CB8AC3E}">
-        <p14:creationId xmlns:p14="http://schemas.microsoft.com/office/powerpoint/2010/main" val="3410658957"/>
+        <p14:creationId xmlns:p14="http://schemas.microsoft.com/office/powerpoint/2010/main" val="3702860376"/>
       </p:ext>
     </p:extLst>
   </p:cSld>
@@ -955,7 +979,7 @@
           <p:cNvPr id="2" name="Title 1">
             <a:extLst>
               <a:ext uri="{FF2B5EF4-FFF2-40B4-BE49-F238E27FC236}">
-                <a16:creationId xmlns:a16="http://schemas.microsoft.com/office/drawing/2014/main" id="{A9B1446D-9FAC-4157-A41A-51675C8BE929}"/>
+                <a16:creationId xmlns:a16="http://schemas.microsoft.com/office/drawing/2014/main" id="{1842ABBF-E4D4-C028-D8E2-2B71BE062A23}"/>
               </a:ext>
             </a:extLst>
           </p:cNvPr>
@@ -968,17 +992,15 @@
         </p:nvSpPr>
         <p:spPr>
           <a:xfrm>
-            <a:off x="777240" y="1709738"/>
-            <a:ext cx="10570210" cy="2758895"/>
+            <a:off x="831850" y="1709738"/>
+            <a:ext cx="10515600" cy="2852737"/>
           </a:xfrm>
         </p:spPr>
         <p:txBody>
-          <a:bodyPr anchor="b">
-            <a:normAutofit/>
-          </a:bodyPr>
+          <a:bodyPr anchor="b"/>
           <a:lstStyle>
             <a:lvl1pPr>
-              <a:defRPr sz="5400"/>
+              <a:defRPr sz="6000"/>
             </a:lvl1pPr>
           </a:lstStyle>
           <a:p>
@@ -986,7 +1008,7 @@
               <a:rPr lang="en-US"/>
               <a:t>Click to edit Master title style</a:t>
             </a:r>
-            <a:endParaRPr lang="en-US" dirty="0"/>
+            <a:endParaRPr lang="en-IN"/>
           </a:p>
         </p:txBody>
       </p:sp>
@@ -995,7 +1017,7 @@
           <p:cNvPr id="3" name="Text Placeholder 2">
             <a:extLst>
               <a:ext uri="{FF2B5EF4-FFF2-40B4-BE49-F238E27FC236}">
-                <a16:creationId xmlns:a16="http://schemas.microsoft.com/office/drawing/2014/main" id="{92AF8D4A-8F93-4399-9546-64F286400D24}"/>
+                <a16:creationId xmlns:a16="http://schemas.microsoft.com/office/drawing/2014/main" id="{4125FDFD-65D6-9D47-12B8-4F555192E133}"/>
               </a:ext>
             </a:extLst>
           </p:cNvPr>
@@ -1008,8 +1030,8 @@
         </p:nvSpPr>
         <p:spPr>
           <a:xfrm>
-            <a:off x="777240" y="4589463"/>
-            <a:ext cx="10570210" cy="1500187"/>
+            <a:off x="831850" y="4589463"/>
+            <a:ext cx="10515600" cy="1500187"/>
           </a:xfrm>
         </p:spPr>
         <p:txBody>
@@ -1019,7 +1041,9 @@
               <a:buNone/>
               <a:defRPr sz="2400">
                 <a:solidFill>
-                  <a:schemeClr val="tx2"/>
+                  <a:schemeClr val="tx1">
+                    <a:tint val="75000"/>
+                  </a:schemeClr>
                 </a:solidFill>
               </a:defRPr>
             </a:lvl1pPr>
@@ -1118,7 +1142,7 @@
           <p:cNvPr id="4" name="Date Placeholder 3">
             <a:extLst>
               <a:ext uri="{FF2B5EF4-FFF2-40B4-BE49-F238E27FC236}">
-                <a16:creationId xmlns:a16="http://schemas.microsoft.com/office/drawing/2014/main" id="{819C2FD4-BF96-470C-8247-20DFAE1CF870}"/>
+                <a16:creationId xmlns:a16="http://schemas.microsoft.com/office/drawing/2014/main" id="{E3A70B90-FC98-9DF8-E22E-13174983A7CA}"/>
               </a:ext>
             </a:extLst>
           </p:cNvPr>
@@ -1134,11 +1158,11 @@
           <a:bodyPr/>
           <a:lstStyle/>
           <a:p>
-            <a:fld id="{CCD0C193-4974-4A1F-9C63-07D595E30D66}" type="datetime1">
-              <a:rPr lang="en-US" smtClean="0"/>
-              <a:t>3/9/2023</a:t>
+            <a:fld id="{35F22EC9-F25C-44F6-9C75-A7B9CB7E8773}" type="datetimeFigureOut">
+              <a:rPr lang="en-IN" smtClean="0"/>
+              <a:t>13-03-2023</a:t>
             </a:fld>
-            <a:endParaRPr lang="en-US"/>
+            <a:endParaRPr lang="en-IN"/>
           </a:p>
         </p:txBody>
       </p:sp>
@@ -1147,7 +1171,7 @@
           <p:cNvPr id="5" name="Footer Placeholder 4">
             <a:extLst>
               <a:ext uri="{FF2B5EF4-FFF2-40B4-BE49-F238E27FC236}">
-                <a16:creationId xmlns:a16="http://schemas.microsoft.com/office/drawing/2014/main" id="{27175A2D-86C4-4467-BAB8-E9ED004D2C8B}"/>
+                <a16:creationId xmlns:a16="http://schemas.microsoft.com/office/drawing/2014/main" id="{6E111E93-60EF-8643-5E58-556E9DE3F3ED}"/>
               </a:ext>
             </a:extLst>
           </p:cNvPr>
@@ -1163,7 +1187,7 @@
           <a:bodyPr/>
           <a:lstStyle/>
           <a:p>
-            <a:endParaRPr lang="en-US"/>
+            <a:endParaRPr lang="en-IN"/>
           </a:p>
         </p:txBody>
       </p:sp>
@@ -1172,7 +1196,7 @@
           <p:cNvPr id="6" name="Slide Number Placeholder 5">
             <a:extLst>
               <a:ext uri="{FF2B5EF4-FFF2-40B4-BE49-F238E27FC236}">
-                <a16:creationId xmlns:a16="http://schemas.microsoft.com/office/drawing/2014/main" id="{DE442A4D-D9B2-4C82-95E4-B86F9F5F3802}"/>
+                <a16:creationId xmlns:a16="http://schemas.microsoft.com/office/drawing/2014/main" id="{C9CBAADC-8DA2-D200-8E86-51965D1D6F0C}"/>
               </a:ext>
             </a:extLst>
           </p:cNvPr>
@@ -1188,18 +1212,18 @@
           <a:bodyPr/>
           <a:lstStyle/>
           <a:p>
-            <a:fld id="{35747434-7036-48DB-A148-6B3D8EE75CDA}" type="slidenum">
-              <a:rPr lang="en-US" smtClean="0"/>
+            <a:fld id="{AFBCB6DB-75DA-4C7C-95EA-73FA1C42716C}" type="slidenum">
+              <a:rPr lang="en-IN" smtClean="0"/>
               <a:t>‹#›</a:t>
             </a:fld>
-            <a:endParaRPr lang="en-US"/>
+            <a:endParaRPr lang="en-IN"/>
           </a:p>
         </p:txBody>
       </p:sp>
     </p:spTree>
     <p:extLst>
       <p:ext uri="{BB962C8B-B14F-4D97-AF65-F5344CB8AC3E}">
-        <p14:creationId xmlns:p14="http://schemas.microsoft.com/office/powerpoint/2010/main" val="2728063924"/>
+        <p14:creationId xmlns:p14="http://schemas.microsoft.com/office/powerpoint/2010/main" val="1466350838"/>
       </p:ext>
     </p:extLst>
   </p:cSld>
@@ -1231,7 +1255,7 @@
           <p:cNvPr id="2" name="Title 1">
             <a:extLst>
               <a:ext uri="{FF2B5EF4-FFF2-40B4-BE49-F238E27FC236}">
-                <a16:creationId xmlns:a16="http://schemas.microsoft.com/office/drawing/2014/main" id="{B0E6B3AA-8C30-429E-B934-AF12204387B9}"/>
+                <a16:creationId xmlns:a16="http://schemas.microsoft.com/office/drawing/2014/main" id="{69D58186-E3A6-2E11-8E75-B29912E54C91}"/>
               </a:ext>
             </a:extLst>
           </p:cNvPr>
@@ -1251,7 +1275,7 @@
               <a:rPr lang="en-US"/>
               <a:t>Click to edit Master title style</a:t>
             </a:r>
-            <a:endParaRPr lang="en-US" dirty="0"/>
+            <a:endParaRPr lang="en-IN"/>
           </a:p>
         </p:txBody>
       </p:sp>
@@ -1260,7 +1284,7 @@
           <p:cNvPr id="3" name="Content Placeholder 2">
             <a:extLst>
               <a:ext uri="{FF2B5EF4-FFF2-40B4-BE49-F238E27FC236}">
-                <a16:creationId xmlns:a16="http://schemas.microsoft.com/office/drawing/2014/main" id="{E915834E-691F-4728-88F5-A0C4696695EB}"/>
+                <a16:creationId xmlns:a16="http://schemas.microsoft.com/office/drawing/2014/main" id="{33A16F74-5FED-7018-BC18-263016B99D0A}"/>
               </a:ext>
             </a:extLst>
           </p:cNvPr>
@@ -1273,8 +1297,8 @@
         </p:nvSpPr>
         <p:spPr>
           <a:xfrm>
-            <a:off x="777240" y="1825625"/>
-            <a:ext cx="5242560" cy="4351338"/>
+            <a:off x="838200" y="1825625"/>
+            <a:ext cx="5181600" cy="4351338"/>
           </a:xfrm>
         </p:spPr>
         <p:txBody>
@@ -1314,7 +1338,7 @@
               <a:rPr lang="en-US"/>
               <a:t>Fifth level</a:t>
             </a:r>
-            <a:endParaRPr lang="en-US" dirty="0"/>
+            <a:endParaRPr lang="en-IN"/>
           </a:p>
         </p:txBody>
       </p:sp>
@@ -1323,7 +1347,7 @@
           <p:cNvPr id="4" name="Content Placeholder 3">
             <a:extLst>
               <a:ext uri="{FF2B5EF4-FFF2-40B4-BE49-F238E27FC236}">
-                <a16:creationId xmlns:a16="http://schemas.microsoft.com/office/drawing/2014/main" id="{13876374-880F-4E25-9F88-79E3C1AB1F9D}"/>
+                <a16:creationId xmlns:a16="http://schemas.microsoft.com/office/drawing/2014/main" id="{7953A21F-4329-F599-3662-3B3851E3C3B0}"/>
               </a:ext>
             </a:extLst>
           </p:cNvPr>
@@ -1377,6 +1401,7 @@
               <a:rPr lang="en-US"/>
               <a:t>Fifth level</a:t>
             </a:r>
+            <a:endParaRPr lang="en-IN"/>
           </a:p>
         </p:txBody>
       </p:sp>
@@ -1385,7 +1410,7 @@
           <p:cNvPr id="5" name="Date Placeholder 4">
             <a:extLst>
               <a:ext uri="{FF2B5EF4-FFF2-40B4-BE49-F238E27FC236}">
-                <a16:creationId xmlns:a16="http://schemas.microsoft.com/office/drawing/2014/main" id="{6119BD69-B509-4FCE-95A8-ED03FFC8CC3C}"/>
+                <a16:creationId xmlns:a16="http://schemas.microsoft.com/office/drawing/2014/main" id="{AD47B75D-BB18-5ECC-33C3-F6A58D365593}"/>
               </a:ext>
             </a:extLst>
           </p:cNvPr>
@@ -1401,11 +1426,11 @@
           <a:bodyPr/>
           <a:lstStyle/>
           <a:p>
-            <a:fld id="{701AA87F-28D4-4BF0-B81F-877A89DFD5AC}" type="datetime1">
-              <a:rPr lang="en-US" smtClean="0"/>
-              <a:t>3/9/2023</a:t>
+            <a:fld id="{35F22EC9-F25C-44F6-9C75-A7B9CB7E8773}" type="datetimeFigureOut">
+              <a:rPr lang="en-IN" smtClean="0"/>
+              <a:t>13-03-2023</a:t>
             </a:fld>
-            <a:endParaRPr lang="en-US"/>
+            <a:endParaRPr lang="en-IN"/>
           </a:p>
         </p:txBody>
       </p:sp>
@@ -1414,7 +1439,7 @@
           <p:cNvPr id="6" name="Footer Placeholder 5">
             <a:extLst>
               <a:ext uri="{FF2B5EF4-FFF2-40B4-BE49-F238E27FC236}">
-                <a16:creationId xmlns:a16="http://schemas.microsoft.com/office/drawing/2014/main" id="{DB7C287B-AE5B-490B-BF81-A50D7A2E872A}"/>
+                <a16:creationId xmlns:a16="http://schemas.microsoft.com/office/drawing/2014/main" id="{2AA94613-6C73-8AAF-10A1-D21C41F46915}"/>
               </a:ext>
             </a:extLst>
           </p:cNvPr>
@@ -1430,7 +1455,7 @@
           <a:bodyPr/>
           <a:lstStyle/>
           <a:p>
-            <a:endParaRPr lang="en-US"/>
+            <a:endParaRPr lang="en-IN"/>
           </a:p>
         </p:txBody>
       </p:sp>
@@ -1439,7 +1464,7 @@
           <p:cNvPr id="7" name="Slide Number Placeholder 6">
             <a:extLst>
               <a:ext uri="{FF2B5EF4-FFF2-40B4-BE49-F238E27FC236}">
-                <a16:creationId xmlns:a16="http://schemas.microsoft.com/office/drawing/2014/main" id="{B43C2246-303C-4A29-B6EA-E62CEDE6C2A1}"/>
+                <a16:creationId xmlns:a16="http://schemas.microsoft.com/office/drawing/2014/main" id="{0199ED23-E615-9621-1DFD-EB76A1906CFA}"/>
               </a:ext>
             </a:extLst>
           </p:cNvPr>
@@ -1455,18 +1480,18 @@
           <a:bodyPr/>
           <a:lstStyle/>
           <a:p>
-            <a:fld id="{35747434-7036-48DB-A148-6B3D8EE75CDA}" type="slidenum">
-              <a:rPr lang="en-US" smtClean="0"/>
+            <a:fld id="{AFBCB6DB-75DA-4C7C-95EA-73FA1C42716C}" type="slidenum">
+              <a:rPr lang="en-IN" smtClean="0"/>
               <a:t>‹#›</a:t>
             </a:fld>
-            <a:endParaRPr lang="en-US"/>
+            <a:endParaRPr lang="en-IN"/>
           </a:p>
         </p:txBody>
       </p:sp>
     </p:spTree>
     <p:extLst>
       <p:ext uri="{BB962C8B-B14F-4D97-AF65-F5344CB8AC3E}">
-        <p14:creationId xmlns:p14="http://schemas.microsoft.com/office/powerpoint/2010/main" val="1460865283"/>
+        <p14:creationId xmlns:p14="http://schemas.microsoft.com/office/powerpoint/2010/main" val="3764454607"/>
       </p:ext>
     </p:extLst>
   </p:cSld>
@@ -1498,7 +1523,7 @@
           <p:cNvPr id="2" name="Title 1">
             <a:extLst>
               <a:ext uri="{FF2B5EF4-FFF2-40B4-BE49-F238E27FC236}">
-                <a16:creationId xmlns:a16="http://schemas.microsoft.com/office/drawing/2014/main" id="{2E42FE79-D5BE-43E8-B6C5-2675B7F4D818}"/>
+                <a16:creationId xmlns:a16="http://schemas.microsoft.com/office/drawing/2014/main" id="{4ED033E2-ABCB-7B0E-5FD8-CCD1DA418FDB}"/>
               </a:ext>
             </a:extLst>
           </p:cNvPr>
@@ -1511,8 +1536,8 @@
         </p:nvSpPr>
         <p:spPr>
           <a:xfrm>
-            <a:off x="777240" y="365125"/>
-            <a:ext cx="10578148" cy="1325563"/>
+            <a:off x="839788" y="365125"/>
+            <a:ext cx="10515600" cy="1325563"/>
           </a:xfrm>
         </p:spPr>
         <p:txBody>
@@ -1523,7 +1548,7 @@
               <a:rPr lang="en-US"/>
               <a:t>Click to edit Master title style</a:t>
             </a:r>
-            <a:endParaRPr lang="en-US" dirty="0"/>
+            <a:endParaRPr lang="en-IN"/>
           </a:p>
         </p:txBody>
       </p:sp>
@@ -1532,7 +1557,7 @@
           <p:cNvPr id="3" name="Text Placeholder 2">
             <a:extLst>
               <a:ext uri="{FF2B5EF4-FFF2-40B4-BE49-F238E27FC236}">
-                <a16:creationId xmlns:a16="http://schemas.microsoft.com/office/drawing/2014/main" id="{F69D3A07-BA51-4113-902E-830A887D2394}"/>
+                <a16:creationId xmlns:a16="http://schemas.microsoft.com/office/drawing/2014/main" id="{9C1D2AF2-4B71-5860-1173-46C10AF1B333}"/>
               </a:ext>
             </a:extLst>
           </p:cNvPr>
@@ -1545,8 +1570,8 @@
         </p:nvSpPr>
         <p:spPr>
           <a:xfrm>
-            <a:off x="777240" y="1801812"/>
-            <a:ext cx="5220335" cy="935037"/>
+            <a:off x="839788" y="1681163"/>
+            <a:ext cx="5157787" cy="823912"/>
           </a:xfrm>
         </p:spPr>
         <p:txBody>
@@ -1603,7 +1628,7 @@
           <p:cNvPr id="4" name="Content Placeholder 3">
             <a:extLst>
               <a:ext uri="{FF2B5EF4-FFF2-40B4-BE49-F238E27FC236}">
-                <a16:creationId xmlns:a16="http://schemas.microsoft.com/office/drawing/2014/main" id="{28E320A9-E274-4E1B-B02D-9A3F510A1F22}"/>
+                <a16:creationId xmlns:a16="http://schemas.microsoft.com/office/drawing/2014/main" id="{27E83C68-5C55-8F1F-3D29-BA3E3821DE02}"/>
               </a:ext>
             </a:extLst>
           </p:cNvPr>
@@ -1616,8 +1641,8 @@
         </p:nvSpPr>
         <p:spPr>
           <a:xfrm>
-            <a:off x="777240" y="2825749"/>
-            <a:ext cx="5220335" cy="3363913"/>
+            <a:off x="839788" y="2505075"/>
+            <a:ext cx="5157787" cy="3684588"/>
           </a:xfrm>
         </p:spPr>
         <p:txBody>
@@ -1657,7 +1682,7 @@
               <a:rPr lang="en-US"/>
               <a:t>Fifth level</a:t>
             </a:r>
-            <a:endParaRPr lang="en-US" dirty="0"/>
+            <a:endParaRPr lang="en-IN"/>
           </a:p>
         </p:txBody>
       </p:sp>
@@ -1666,7 +1691,7 @@
           <p:cNvPr id="5" name="Text Placeholder 4">
             <a:extLst>
               <a:ext uri="{FF2B5EF4-FFF2-40B4-BE49-F238E27FC236}">
-                <a16:creationId xmlns:a16="http://schemas.microsoft.com/office/drawing/2014/main" id="{DBE80D3A-C2A8-4B78-B7E2-4908C74B1C43}"/>
+                <a16:creationId xmlns:a16="http://schemas.microsoft.com/office/drawing/2014/main" id="{E5869EB7-DF86-9498-12F2-10116702ABF7}"/>
               </a:ext>
             </a:extLst>
           </p:cNvPr>
@@ -1679,8 +1704,8 @@
         </p:nvSpPr>
         <p:spPr>
           <a:xfrm>
-            <a:off x="6172200" y="1801812"/>
-            <a:ext cx="5183188" cy="935037"/>
+            <a:off x="6172200" y="1681163"/>
+            <a:ext cx="5183188" cy="823912"/>
           </a:xfrm>
         </p:spPr>
         <p:txBody>
@@ -1737,7 +1762,7 @@
           <p:cNvPr id="6" name="Content Placeholder 5">
             <a:extLst>
               <a:ext uri="{FF2B5EF4-FFF2-40B4-BE49-F238E27FC236}">
-                <a16:creationId xmlns:a16="http://schemas.microsoft.com/office/drawing/2014/main" id="{FC5D84DD-9460-4B08-86AD-27486A940047}"/>
+                <a16:creationId xmlns:a16="http://schemas.microsoft.com/office/drawing/2014/main" id="{8AE65F92-C91A-3BDC-F776-E14D6D942FB5}"/>
               </a:ext>
             </a:extLst>
           </p:cNvPr>
@@ -1750,8 +1775,8 @@
         </p:nvSpPr>
         <p:spPr>
           <a:xfrm>
-            <a:off x="6172200" y="2825749"/>
-            <a:ext cx="5183188" cy="3363913"/>
+            <a:off x="6172200" y="2505075"/>
+            <a:ext cx="5183188" cy="3684588"/>
           </a:xfrm>
         </p:spPr>
         <p:txBody>
@@ -1791,6 +1816,7 @@
               <a:rPr lang="en-US"/>
               <a:t>Fifth level</a:t>
             </a:r>
+            <a:endParaRPr lang="en-IN"/>
           </a:p>
         </p:txBody>
       </p:sp>
@@ -1799,7 +1825,7 @@
           <p:cNvPr id="7" name="Date Placeholder 6">
             <a:extLst>
               <a:ext uri="{FF2B5EF4-FFF2-40B4-BE49-F238E27FC236}">
-                <a16:creationId xmlns:a16="http://schemas.microsoft.com/office/drawing/2014/main" id="{E4B0B7F8-282C-4210-AE7D-F35228BAC803}"/>
+                <a16:creationId xmlns:a16="http://schemas.microsoft.com/office/drawing/2014/main" id="{53FE3EB2-1734-8CF2-CE63-F9EB7289430D}"/>
               </a:ext>
             </a:extLst>
           </p:cNvPr>
@@ -1815,11 +1841,11 @@
           <a:bodyPr/>
           <a:lstStyle/>
           <a:p>
-            <a:fld id="{A8A9F1F3-208B-49A3-B337-9C8ACEB3E0E1}" type="datetime1">
-              <a:rPr lang="en-US" smtClean="0"/>
-              <a:t>3/9/2023</a:t>
+            <a:fld id="{35F22EC9-F25C-44F6-9C75-A7B9CB7E8773}" type="datetimeFigureOut">
+              <a:rPr lang="en-IN" smtClean="0"/>
+              <a:t>13-03-2023</a:t>
             </a:fld>
-            <a:endParaRPr lang="en-US"/>
+            <a:endParaRPr lang="en-IN"/>
           </a:p>
         </p:txBody>
       </p:sp>
@@ -1828,7 +1854,7 @@
           <p:cNvPr id="8" name="Footer Placeholder 7">
             <a:extLst>
               <a:ext uri="{FF2B5EF4-FFF2-40B4-BE49-F238E27FC236}">
-                <a16:creationId xmlns:a16="http://schemas.microsoft.com/office/drawing/2014/main" id="{FAE343A9-1067-4DCF-BACC-1F7F38050226}"/>
+                <a16:creationId xmlns:a16="http://schemas.microsoft.com/office/drawing/2014/main" id="{89F0E7B1-4405-F5D8-7202-35A6883B0A6A}"/>
               </a:ext>
             </a:extLst>
           </p:cNvPr>
@@ -1844,7 +1870,7 @@
           <a:bodyPr/>
           <a:lstStyle/>
           <a:p>
-            <a:endParaRPr lang="en-US"/>
+            <a:endParaRPr lang="en-IN"/>
           </a:p>
         </p:txBody>
       </p:sp>
@@ -1853,7 +1879,7 @@
           <p:cNvPr id="9" name="Slide Number Placeholder 8">
             <a:extLst>
               <a:ext uri="{FF2B5EF4-FFF2-40B4-BE49-F238E27FC236}">
-                <a16:creationId xmlns:a16="http://schemas.microsoft.com/office/drawing/2014/main" id="{0F84E471-04DB-4DB5-8CC5-16B3FC88509D}"/>
+                <a16:creationId xmlns:a16="http://schemas.microsoft.com/office/drawing/2014/main" id="{129CE8A5-B143-DD9E-714C-B9FDFEB262B8}"/>
               </a:ext>
             </a:extLst>
           </p:cNvPr>
@@ -1869,18 +1895,18 @@
           <a:bodyPr/>
           <a:lstStyle/>
           <a:p>
-            <a:fld id="{35747434-7036-48DB-A148-6B3D8EE75CDA}" type="slidenum">
-              <a:rPr lang="en-US" smtClean="0"/>
+            <a:fld id="{AFBCB6DB-75DA-4C7C-95EA-73FA1C42716C}" type="slidenum">
+              <a:rPr lang="en-IN" smtClean="0"/>
               <a:t>‹#›</a:t>
             </a:fld>
-            <a:endParaRPr lang="en-US"/>
+            <a:endParaRPr lang="en-IN"/>
           </a:p>
         </p:txBody>
       </p:sp>
     </p:spTree>
     <p:extLst>
       <p:ext uri="{BB962C8B-B14F-4D97-AF65-F5344CB8AC3E}">
-        <p14:creationId xmlns:p14="http://schemas.microsoft.com/office/powerpoint/2010/main" val="2565293624"/>
+        <p14:creationId xmlns:p14="http://schemas.microsoft.com/office/powerpoint/2010/main" val="3935543241"/>
       </p:ext>
     </p:extLst>
   </p:cSld>
@@ -1912,7 +1938,7 @@
           <p:cNvPr id="2" name="Title 1">
             <a:extLst>
               <a:ext uri="{FF2B5EF4-FFF2-40B4-BE49-F238E27FC236}">
-                <a16:creationId xmlns:a16="http://schemas.microsoft.com/office/drawing/2014/main" id="{766D87C0-272E-4E50-A316-78079B2B923E}"/>
+                <a16:creationId xmlns:a16="http://schemas.microsoft.com/office/drawing/2014/main" id="{891BF780-ACE6-FBC7-2BD6-A2105E41B63A}"/>
               </a:ext>
             </a:extLst>
           </p:cNvPr>
@@ -1923,12 +1949,7 @@
             <p:ph type="title"/>
           </p:nvPr>
         </p:nvSpPr>
-        <p:spPr>
-          <a:xfrm>
-            <a:off x="777240" y="365125"/>
-            <a:ext cx="10659110" cy="1325563"/>
-          </a:xfrm>
-        </p:spPr>
+        <p:spPr/>
         <p:txBody>
           <a:bodyPr/>
           <a:lstStyle/>
@@ -1937,7 +1958,7 @@
               <a:rPr lang="en-US"/>
               <a:t>Click to edit Master title style</a:t>
             </a:r>
-            <a:endParaRPr lang="en-US" dirty="0"/>
+            <a:endParaRPr lang="en-IN"/>
           </a:p>
         </p:txBody>
       </p:sp>
@@ -1946,7 +1967,7 @@
           <p:cNvPr id="3" name="Date Placeholder 2">
             <a:extLst>
               <a:ext uri="{FF2B5EF4-FFF2-40B4-BE49-F238E27FC236}">
-                <a16:creationId xmlns:a16="http://schemas.microsoft.com/office/drawing/2014/main" id="{F906C1C9-1F69-432A-858C-D828B56E1659}"/>
+                <a16:creationId xmlns:a16="http://schemas.microsoft.com/office/drawing/2014/main" id="{3B8BB81A-AA38-3EF4-1BB8-3D6C702E7C09}"/>
               </a:ext>
             </a:extLst>
           </p:cNvPr>
@@ -1962,11 +1983,11 @@
           <a:bodyPr/>
           <a:lstStyle/>
           <a:p>
-            <a:fld id="{27AF6CA6-7293-4AA2-A0E0-A3BF4416E786}" type="datetime1">
-              <a:rPr lang="en-US" smtClean="0"/>
-              <a:t>3/9/2023</a:t>
+            <a:fld id="{35F22EC9-F25C-44F6-9C75-A7B9CB7E8773}" type="datetimeFigureOut">
+              <a:rPr lang="en-IN" smtClean="0"/>
+              <a:t>13-03-2023</a:t>
             </a:fld>
-            <a:endParaRPr lang="en-US"/>
+            <a:endParaRPr lang="en-IN"/>
           </a:p>
         </p:txBody>
       </p:sp>
@@ -1975,7 +1996,7 @@
           <p:cNvPr id="4" name="Footer Placeholder 3">
             <a:extLst>
               <a:ext uri="{FF2B5EF4-FFF2-40B4-BE49-F238E27FC236}">
-                <a16:creationId xmlns:a16="http://schemas.microsoft.com/office/drawing/2014/main" id="{BD6D9A1B-D149-4B97-B161-3D7C9ADBCF78}"/>
+                <a16:creationId xmlns:a16="http://schemas.microsoft.com/office/drawing/2014/main" id="{8DA2FABF-459E-7E5B-CD2F-0B4C27D0CBEC}"/>
               </a:ext>
             </a:extLst>
           </p:cNvPr>
@@ -1991,7 +2012,7 @@
           <a:bodyPr/>
           <a:lstStyle/>
           <a:p>
-            <a:endParaRPr lang="en-US"/>
+            <a:endParaRPr lang="en-IN"/>
           </a:p>
         </p:txBody>
       </p:sp>
@@ -2000,7 +2021,7 @@
           <p:cNvPr id="5" name="Slide Number Placeholder 4">
             <a:extLst>
               <a:ext uri="{FF2B5EF4-FFF2-40B4-BE49-F238E27FC236}">
-                <a16:creationId xmlns:a16="http://schemas.microsoft.com/office/drawing/2014/main" id="{7AB3722F-8C88-4E54-8CD6-12D31A05F813}"/>
+                <a16:creationId xmlns:a16="http://schemas.microsoft.com/office/drawing/2014/main" id="{D0E9511D-1D85-C4C7-DDCC-77992B4827A1}"/>
               </a:ext>
             </a:extLst>
           </p:cNvPr>
@@ -2016,18 +2037,18 @@
           <a:bodyPr/>
           <a:lstStyle/>
           <a:p>
-            <a:fld id="{35747434-7036-48DB-A148-6B3D8EE75CDA}" type="slidenum">
-              <a:rPr lang="en-US" smtClean="0"/>
+            <a:fld id="{AFBCB6DB-75DA-4C7C-95EA-73FA1C42716C}" type="slidenum">
+              <a:rPr lang="en-IN" smtClean="0"/>
               <a:t>‹#›</a:t>
             </a:fld>
-            <a:endParaRPr lang="en-US"/>
+            <a:endParaRPr lang="en-IN"/>
           </a:p>
         </p:txBody>
       </p:sp>
     </p:spTree>
     <p:extLst>
       <p:ext uri="{BB962C8B-B14F-4D97-AF65-F5344CB8AC3E}">
-        <p14:creationId xmlns:p14="http://schemas.microsoft.com/office/powerpoint/2010/main" val="332365471"/>
+        <p14:creationId xmlns:p14="http://schemas.microsoft.com/office/powerpoint/2010/main" val="3077327173"/>
       </p:ext>
     </p:extLst>
   </p:cSld>
@@ -2059,7 +2080,7 @@
           <p:cNvPr id="2" name="Date Placeholder 1">
             <a:extLst>
               <a:ext uri="{FF2B5EF4-FFF2-40B4-BE49-F238E27FC236}">
-                <a16:creationId xmlns:a16="http://schemas.microsoft.com/office/drawing/2014/main" id="{C0E1B4EE-6DFC-45F3-9174-D913EB57CB9D}"/>
+                <a16:creationId xmlns:a16="http://schemas.microsoft.com/office/drawing/2014/main" id="{FD758117-13F9-0B21-8119-25769CD65A27}"/>
               </a:ext>
             </a:extLst>
           </p:cNvPr>
@@ -2075,11 +2096,11 @@
           <a:bodyPr/>
           <a:lstStyle/>
           <a:p>
-            <a:fld id="{98D87016-7BCD-46FB-8EE3-AB6C369108B4}" type="datetime1">
-              <a:rPr lang="en-US" smtClean="0"/>
-              <a:t>3/9/2023</a:t>
+            <a:fld id="{35F22EC9-F25C-44F6-9C75-A7B9CB7E8773}" type="datetimeFigureOut">
+              <a:rPr lang="en-IN" smtClean="0"/>
+              <a:t>13-03-2023</a:t>
             </a:fld>
-            <a:endParaRPr lang="en-US"/>
+            <a:endParaRPr lang="en-IN"/>
           </a:p>
         </p:txBody>
       </p:sp>
@@ -2088,7 +2109,7 @@
           <p:cNvPr id="3" name="Footer Placeholder 2">
             <a:extLst>
               <a:ext uri="{FF2B5EF4-FFF2-40B4-BE49-F238E27FC236}">
-                <a16:creationId xmlns:a16="http://schemas.microsoft.com/office/drawing/2014/main" id="{0BF7F7DC-6DDE-4337-AD27-BBE7D5422483}"/>
+                <a16:creationId xmlns:a16="http://schemas.microsoft.com/office/drawing/2014/main" id="{F5C738BF-7B62-9B10-2FBD-CD8EA9DA7910}"/>
               </a:ext>
             </a:extLst>
           </p:cNvPr>
@@ -2104,7 +2125,7 @@
           <a:bodyPr/>
           <a:lstStyle/>
           <a:p>
-            <a:endParaRPr lang="en-US"/>
+            <a:endParaRPr lang="en-IN"/>
           </a:p>
         </p:txBody>
       </p:sp>
@@ -2113,7 +2134,7 @@
           <p:cNvPr id="4" name="Slide Number Placeholder 3">
             <a:extLst>
               <a:ext uri="{FF2B5EF4-FFF2-40B4-BE49-F238E27FC236}">
-                <a16:creationId xmlns:a16="http://schemas.microsoft.com/office/drawing/2014/main" id="{CCC58EA9-3AC4-421E-B133-1FA7757DF8BA}"/>
+                <a16:creationId xmlns:a16="http://schemas.microsoft.com/office/drawing/2014/main" id="{34BEB7B6-66F5-DD59-0D7F-3B18E26DB224}"/>
               </a:ext>
             </a:extLst>
           </p:cNvPr>
@@ -2129,18 +2150,18 @@
           <a:bodyPr/>
           <a:lstStyle/>
           <a:p>
-            <a:fld id="{35747434-7036-48DB-A148-6B3D8EE75CDA}" type="slidenum">
-              <a:rPr lang="en-US" smtClean="0"/>
+            <a:fld id="{AFBCB6DB-75DA-4C7C-95EA-73FA1C42716C}" type="slidenum">
+              <a:rPr lang="en-IN" smtClean="0"/>
               <a:t>‹#›</a:t>
             </a:fld>
-            <a:endParaRPr lang="en-US"/>
+            <a:endParaRPr lang="en-IN"/>
           </a:p>
         </p:txBody>
       </p:sp>
     </p:spTree>
     <p:extLst>
       <p:ext uri="{BB962C8B-B14F-4D97-AF65-F5344CB8AC3E}">
-        <p14:creationId xmlns:p14="http://schemas.microsoft.com/office/powerpoint/2010/main" val="1925655565"/>
+        <p14:creationId xmlns:p14="http://schemas.microsoft.com/office/powerpoint/2010/main" val="3159053963"/>
       </p:ext>
     </p:extLst>
   </p:cSld>
@@ -2172,7 +2193,7 @@
           <p:cNvPr id="2" name="Title 1">
             <a:extLst>
               <a:ext uri="{FF2B5EF4-FFF2-40B4-BE49-F238E27FC236}">
-                <a16:creationId xmlns:a16="http://schemas.microsoft.com/office/drawing/2014/main" id="{B9E035BB-74CC-43E9-B71F-A5C05D17EB78}"/>
+                <a16:creationId xmlns:a16="http://schemas.microsoft.com/office/drawing/2014/main" id="{243291E4-DB0F-5843-BEF1-866BEFF6BED0}"/>
               </a:ext>
             </a:extLst>
           </p:cNvPr>
@@ -2185,17 +2206,15 @@
         </p:nvSpPr>
         <p:spPr>
           <a:xfrm>
-            <a:off x="777240" y="457200"/>
-            <a:ext cx="3994785" cy="2501900"/>
+            <a:off x="839788" y="457200"/>
+            <a:ext cx="3932237" cy="1600200"/>
           </a:xfrm>
         </p:spPr>
         <p:txBody>
-          <a:bodyPr anchor="b">
-            <a:normAutofit/>
-          </a:bodyPr>
+          <a:bodyPr anchor="b"/>
           <a:lstStyle>
             <a:lvl1pPr>
-              <a:defRPr sz="4000"/>
+              <a:defRPr sz="3200"/>
             </a:lvl1pPr>
           </a:lstStyle>
           <a:p>
@@ -2203,7 +2222,7 @@
               <a:rPr lang="en-US"/>
               <a:t>Click to edit Master title style</a:t>
             </a:r>
-            <a:endParaRPr lang="en-US" dirty="0"/>
+            <a:endParaRPr lang="en-IN"/>
           </a:p>
         </p:txBody>
       </p:sp>
@@ -2212,7 +2231,7 @@
           <p:cNvPr id="3" name="Content Placeholder 2">
             <a:extLst>
               <a:ext uri="{FF2B5EF4-FFF2-40B4-BE49-F238E27FC236}">
-                <a16:creationId xmlns:a16="http://schemas.microsoft.com/office/drawing/2014/main" id="{DCAADC9E-7845-4DB1-87E3-6FBFB2B03B8A}"/>
+                <a16:creationId xmlns:a16="http://schemas.microsoft.com/office/drawing/2014/main" id="{78E9EC60-C5A7-7770-F4E9-10DADCD3CB63}"/>
               </a:ext>
             </a:extLst>
           </p:cNvPr>
@@ -2225,29 +2244,27 @@
         </p:nvSpPr>
         <p:spPr>
           <a:xfrm>
-            <a:off x="5183188" y="457201"/>
-            <a:ext cx="6172200" cy="5403850"/>
+            <a:off x="5183188" y="987425"/>
+            <a:ext cx="6172200" cy="4873625"/>
           </a:xfrm>
         </p:spPr>
         <p:txBody>
-          <a:bodyPr>
-            <a:normAutofit/>
-          </a:bodyPr>
+          <a:bodyPr/>
           <a:lstStyle>
             <a:lvl1pPr>
-              <a:defRPr sz="2000"/>
+              <a:defRPr sz="3200"/>
             </a:lvl1pPr>
             <a:lvl2pPr>
-              <a:defRPr sz="1800"/>
+              <a:defRPr sz="2800"/>
             </a:lvl2pPr>
             <a:lvl3pPr>
-              <a:defRPr sz="1600"/>
+              <a:defRPr sz="2400"/>
             </a:lvl3pPr>
             <a:lvl4pPr>
-              <a:defRPr sz="1400"/>
+              <a:defRPr sz="2000"/>
             </a:lvl4pPr>
             <a:lvl5pPr>
-              <a:defRPr sz="1400"/>
+              <a:defRPr sz="2000"/>
             </a:lvl5pPr>
             <a:lvl6pPr>
               <a:defRPr sz="2000"/>
@@ -2296,7 +2313,7 @@
               <a:rPr lang="en-US"/>
               <a:t>Fifth level</a:t>
             </a:r>
-            <a:endParaRPr lang="en-US" dirty="0"/>
+            <a:endParaRPr lang="en-IN"/>
           </a:p>
         </p:txBody>
       </p:sp>
@@ -2305,7 +2322,7 @@
           <p:cNvPr id="4" name="Text Placeholder 3">
             <a:extLst>
               <a:ext uri="{FF2B5EF4-FFF2-40B4-BE49-F238E27FC236}">
-                <a16:creationId xmlns:a16="http://schemas.microsoft.com/office/drawing/2014/main" id="{75C925A8-2A07-43B9-B549-061F3684986B}"/>
+                <a16:creationId xmlns:a16="http://schemas.microsoft.com/office/drawing/2014/main" id="{A77E0150-3ED9-418A-7130-F1D0BB1639D7}"/>
               </a:ext>
             </a:extLst>
           </p:cNvPr>
@@ -2318,18 +2335,16 @@
         </p:nvSpPr>
         <p:spPr>
           <a:xfrm>
-            <a:off x="777240" y="3092450"/>
-            <a:ext cx="3994785" cy="2776537"/>
+            <a:off x="839788" y="2057400"/>
+            <a:ext cx="3932237" cy="3811588"/>
           </a:xfrm>
         </p:spPr>
         <p:txBody>
-          <a:bodyPr>
-            <a:normAutofit/>
-          </a:bodyPr>
+          <a:bodyPr/>
           <a:lstStyle>
             <a:lvl1pPr marL="0" indent="0">
               <a:buNone/>
-              <a:defRPr sz="2000"/>
+              <a:defRPr sz="1600"/>
             </a:lvl1pPr>
             <a:lvl2pPr marL="457200" indent="0">
               <a:buNone/>
@@ -2378,7 +2393,7 @@
           <p:cNvPr id="5" name="Date Placeholder 4">
             <a:extLst>
               <a:ext uri="{FF2B5EF4-FFF2-40B4-BE49-F238E27FC236}">
-                <a16:creationId xmlns:a16="http://schemas.microsoft.com/office/drawing/2014/main" id="{F31A9037-0564-43A1-8156-1D9932E1F85F}"/>
+                <a16:creationId xmlns:a16="http://schemas.microsoft.com/office/drawing/2014/main" id="{8AB8BAA0-2A57-02B7-6E4A-B41C9834B873}"/>
               </a:ext>
             </a:extLst>
           </p:cNvPr>
@@ -2394,11 +2409,11 @@
           <a:bodyPr/>
           <a:lstStyle/>
           <a:p>
-            <a:fld id="{A1547011-1FFC-4EF8-9A2E-53B4AD2ADBD4}" type="datetime1">
-              <a:rPr lang="en-US" smtClean="0"/>
-              <a:t>3/9/2023</a:t>
+            <a:fld id="{35F22EC9-F25C-44F6-9C75-A7B9CB7E8773}" type="datetimeFigureOut">
+              <a:rPr lang="en-IN" smtClean="0"/>
+              <a:t>13-03-2023</a:t>
             </a:fld>
-            <a:endParaRPr lang="en-US"/>
+            <a:endParaRPr lang="en-IN"/>
           </a:p>
         </p:txBody>
       </p:sp>
@@ -2407,7 +2422,7 @@
           <p:cNvPr id="6" name="Footer Placeholder 5">
             <a:extLst>
               <a:ext uri="{FF2B5EF4-FFF2-40B4-BE49-F238E27FC236}">
-                <a16:creationId xmlns:a16="http://schemas.microsoft.com/office/drawing/2014/main" id="{CBFF0D40-D0E1-49C9-BE47-91BBC50AB2BE}"/>
+                <a16:creationId xmlns:a16="http://schemas.microsoft.com/office/drawing/2014/main" id="{BB509BAD-FA31-17E9-A698-962D8EE80255}"/>
               </a:ext>
             </a:extLst>
           </p:cNvPr>
@@ -2423,7 +2438,7 @@
           <a:bodyPr/>
           <a:lstStyle/>
           <a:p>
-            <a:endParaRPr lang="en-US"/>
+            <a:endParaRPr lang="en-IN"/>
           </a:p>
         </p:txBody>
       </p:sp>
@@ -2432,7 +2447,7 @@
           <p:cNvPr id="7" name="Slide Number Placeholder 6">
             <a:extLst>
               <a:ext uri="{FF2B5EF4-FFF2-40B4-BE49-F238E27FC236}">
-                <a16:creationId xmlns:a16="http://schemas.microsoft.com/office/drawing/2014/main" id="{C4D129BD-890D-412E-9805-D29F4A0D3622}"/>
+                <a16:creationId xmlns:a16="http://schemas.microsoft.com/office/drawing/2014/main" id="{DE6943BF-9485-B68C-CFFC-22861FE43611}"/>
               </a:ext>
             </a:extLst>
           </p:cNvPr>
@@ -2448,18 +2463,18 @@
           <a:bodyPr/>
           <a:lstStyle/>
           <a:p>
-            <a:fld id="{35747434-7036-48DB-A148-6B3D8EE75CDA}" type="slidenum">
-              <a:rPr lang="en-US" smtClean="0"/>
+            <a:fld id="{AFBCB6DB-75DA-4C7C-95EA-73FA1C42716C}" type="slidenum">
+              <a:rPr lang="en-IN" smtClean="0"/>
               <a:t>‹#›</a:t>
             </a:fld>
-            <a:endParaRPr lang="en-US"/>
+            <a:endParaRPr lang="en-IN"/>
           </a:p>
         </p:txBody>
       </p:sp>
     </p:spTree>
     <p:extLst>
       <p:ext uri="{BB962C8B-B14F-4D97-AF65-F5344CB8AC3E}">
-        <p14:creationId xmlns:p14="http://schemas.microsoft.com/office/powerpoint/2010/main" val="874983736"/>
+        <p14:creationId xmlns:p14="http://schemas.microsoft.com/office/powerpoint/2010/main" val="3655385534"/>
       </p:ext>
     </p:extLst>
   </p:cSld>
@@ -2491,7 +2506,7 @@
           <p:cNvPr id="2" name="Title 1">
             <a:extLst>
               <a:ext uri="{FF2B5EF4-FFF2-40B4-BE49-F238E27FC236}">
-                <a16:creationId xmlns:a16="http://schemas.microsoft.com/office/drawing/2014/main" id="{1D78ADB4-BA7B-42C2-9C6C-58B2763F8617}"/>
+                <a16:creationId xmlns:a16="http://schemas.microsoft.com/office/drawing/2014/main" id="{F4A38A32-0C09-5D31-5BA9-EB5353F60884}"/>
               </a:ext>
             </a:extLst>
           </p:cNvPr>
@@ -2504,15 +2519,15 @@
         </p:nvSpPr>
         <p:spPr>
           <a:xfrm>
-            <a:off x="777240" y="457200"/>
-            <a:ext cx="3994785" cy="2505456"/>
+            <a:off x="839788" y="457200"/>
+            <a:ext cx="3932237" cy="1600200"/>
           </a:xfrm>
         </p:spPr>
         <p:txBody>
           <a:bodyPr anchor="b"/>
           <a:lstStyle>
             <a:lvl1pPr>
-              <a:defRPr sz="4000"/>
+              <a:defRPr sz="3200"/>
             </a:lvl1pPr>
           </a:lstStyle>
           <a:p>
@@ -2520,7 +2535,7 @@
               <a:rPr lang="en-US"/>
               <a:t>Click to edit Master title style</a:t>
             </a:r>
-            <a:endParaRPr lang="en-US" dirty="0"/>
+            <a:endParaRPr lang="en-IN"/>
           </a:p>
         </p:txBody>
       </p:sp>
@@ -2529,7 +2544,7 @@
           <p:cNvPr id="3" name="Picture Placeholder 2">
             <a:extLst>
               <a:ext uri="{FF2B5EF4-FFF2-40B4-BE49-F238E27FC236}">
-                <a16:creationId xmlns:a16="http://schemas.microsoft.com/office/drawing/2014/main" id="{E9519B58-B546-4E6B-BE00-3D1D64DA8699}"/>
+                <a16:creationId xmlns:a16="http://schemas.microsoft.com/office/drawing/2014/main" id="{4377CC43-0408-BD9F-2855-0C78342307AD}"/>
               </a:ext>
             </a:extLst>
           </p:cNvPr>
@@ -2542,8 +2557,8 @@
         </p:nvSpPr>
         <p:spPr>
           <a:xfrm>
-            <a:off x="5183188" y="457201"/>
-            <a:ext cx="6172200" cy="5403850"/>
+            <a:off x="5183188" y="987425"/>
+            <a:ext cx="6172200" cy="4873625"/>
           </a:xfrm>
         </p:spPr>
         <p:txBody>
@@ -2587,11 +2602,7 @@
             </a:lvl9pPr>
           </a:lstStyle>
           <a:p>
-            <a:r>
-              <a:rPr lang="en-US"/>
-              <a:t>Click icon to add picture</a:t>
-            </a:r>
-            <a:endParaRPr lang="en-US" dirty="0"/>
+            <a:endParaRPr lang="en-IN"/>
           </a:p>
         </p:txBody>
       </p:sp>
@@ -2600,7 +2611,7 @@
           <p:cNvPr id="4" name="Text Placeholder 3">
             <a:extLst>
               <a:ext uri="{FF2B5EF4-FFF2-40B4-BE49-F238E27FC236}">
-                <a16:creationId xmlns:a16="http://schemas.microsoft.com/office/drawing/2014/main" id="{3FAA0AB8-41A9-4548-9B83-3EFF79A00793}"/>
+                <a16:creationId xmlns:a16="http://schemas.microsoft.com/office/drawing/2014/main" id="{BBE9725B-7CCE-9EC6-A45D-388B7919BD73}"/>
               </a:ext>
             </a:extLst>
           </p:cNvPr>
@@ -2613,18 +2624,16 @@
         </p:nvSpPr>
         <p:spPr>
           <a:xfrm>
-            <a:off x="777240" y="3081275"/>
-            <a:ext cx="3994785" cy="2779776"/>
+            <a:off x="839788" y="2057400"/>
+            <a:ext cx="3932237" cy="3811588"/>
           </a:xfrm>
         </p:spPr>
         <p:txBody>
-          <a:bodyPr>
-            <a:normAutofit/>
-          </a:bodyPr>
+          <a:bodyPr/>
           <a:lstStyle>
             <a:lvl1pPr marL="0" indent="0">
               <a:buNone/>
-              <a:defRPr sz="2000"/>
+              <a:defRPr sz="1600"/>
             </a:lvl1pPr>
             <a:lvl2pPr marL="457200" indent="0">
               <a:buNone/>
@@ -2673,7 +2682,7 @@
           <p:cNvPr id="5" name="Date Placeholder 4">
             <a:extLst>
               <a:ext uri="{FF2B5EF4-FFF2-40B4-BE49-F238E27FC236}">
-                <a16:creationId xmlns:a16="http://schemas.microsoft.com/office/drawing/2014/main" id="{63BB33ED-A015-4992-A004-33D41CFFADA1}"/>
+                <a16:creationId xmlns:a16="http://schemas.microsoft.com/office/drawing/2014/main" id="{B502BF97-614C-D37D-C594-6B2465CE9924}"/>
               </a:ext>
             </a:extLst>
           </p:cNvPr>
@@ -2689,11 +2698,11 @@
           <a:bodyPr/>
           <a:lstStyle/>
           <a:p>
-            <a:fld id="{9562EB47-45B4-4EF5-A743-B4885DD2F060}" type="datetime1">
-              <a:rPr lang="en-US" smtClean="0"/>
-              <a:t>3/9/2023</a:t>
+            <a:fld id="{35F22EC9-F25C-44F6-9C75-A7B9CB7E8773}" type="datetimeFigureOut">
+              <a:rPr lang="en-IN" smtClean="0"/>
+              <a:t>13-03-2023</a:t>
             </a:fld>
-            <a:endParaRPr lang="en-US"/>
+            <a:endParaRPr lang="en-IN"/>
           </a:p>
         </p:txBody>
       </p:sp>
@@ -2702,7 +2711,7 @@
           <p:cNvPr id="6" name="Footer Placeholder 5">
             <a:extLst>
               <a:ext uri="{FF2B5EF4-FFF2-40B4-BE49-F238E27FC236}">
-                <a16:creationId xmlns:a16="http://schemas.microsoft.com/office/drawing/2014/main" id="{D3C29CDA-E85F-47D1-83B7-02A50DEBFD3F}"/>
+                <a16:creationId xmlns:a16="http://schemas.microsoft.com/office/drawing/2014/main" id="{55411F37-8C6C-0B1B-48D7-BA4443DEB9B1}"/>
               </a:ext>
             </a:extLst>
           </p:cNvPr>
@@ -2718,7 +2727,7 @@
           <a:bodyPr/>
           <a:lstStyle/>
           <a:p>
-            <a:endParaRPr lang="en-US"/>
+            <a:endParaRPr lang="en-IN"/>
           </a:p>
         </p:txBody>
       </p:sp>
@@ -2727,7 +2736,7 @@
           <p:cNvPr id="7" name="Slide Number Placeholder 6">
             <a:extLst>
               <a:ext uri="{FF2B5EF4-FFF2-40B4-BE49-F238E27FC236}">
-                <a16:creationId xmlns:a16="http://schemas.microsoft.com/office/drawing/2014/main" id="{1749625F-5352-4136-8AC4-F8899D00A1A9}"/>
+                <a16:creationId xmlns:a16="http://schemas.microsoft.com/office/drawing/2014/main" id="{43C67B3B-AFE6-8313-7AA6-7C3A6C46F1C0}"/>
               </a:ext>
             </a:extLst>
           </p:cNvPr>
@@ -2743,18 +2752,18 @@
           <a:bodyPr/>
           <a:lstStyle/>
           <a:p>
-            <a:fld id="{35747434-7036-48DB-A148-6B3D8EE75CDA}" type="slidenum">
-              <a:rPr lang="en-US" smtClean="0"/>
+            <a:fld id="{AFBCB6DB-75DA-4C7C-95EA-73FA1C42716C}" type="slidenum">
+              <a:rPr lang="en-IN" smtClean="0"/>
               <a:t>‹#›</a:t>
             </a:fld>
-            <a:endParaRPr lang="en-US"/>
+            <a:endParaRPr lang="en-IN"/>
           </a:p>
         </p:txBody>
       </p:sp>
     </p:spTree>
     <p:extLst>
       <p:ext uri="{BB962C8B-B14F-4D97-AF65-F5344CB8AC3E}">
-        <p14:creationId xmlns:p14="http://schemas.microsoft.com/office/powerpoint/2010/main" val="209117520"/>
+        <p14:creationId xmlns:p14="http://schemas.microsoft.com/office/powerpoint/2010/main" val="1088839258"/>
       </p:ext>
     </p:extLst>
   </p:cSld>
@@ -2786,1285 +2795,143 @@
           <a:chExt cx="0" cy="0"/>
         </a:xfrm>
       </p:grpSpPr>
-      <p:sp useBgFill="1">
-        <p:nvSpPr>
-          <p:cNvPr id="39" name="Rectangle 38">
-            <a:extLst>
-              <a:ext uri="{FF2B5EF4-FFF2-40B4-BE49-F238E27FC236}">
-                <a16:creationId xmlns:a16="http://schemas.microsoft.com/office/drawing/2014/main" id="{99B5B3C5-A599-465B-B2B9-866E8B2087CE}"/>
-              </a:ext>
-            </a:extLst>
-          </p:cNvPr>
-          <p:cNvSpPr/>
-          <p:nvPr/>
+      <p:sp>
+        <p:nvSpPr>
+          <p:cNvPr id="2" name="Title Placeholder 1">
+            <a:extLst>
+              <a:ext uri="{FF2B5EF4-FFF2-40B4-BE49-F238E27FC236}">
+                <a16:creationId xmlns:a16="http://schemas.microsoft.com/office/drawing/2014/main" id="{D8D38221-9AED-60B7-661B-3D393DF4E08D}"/>
+              </a:ext>
+            </a:extLst>
+          </p:cNvPr>
+          <p:cNvSpPr>
+            <a:spLocks noGrp="1"/>
+          </p:cNvSpPr>
+          <p:nvPr>
+            <p:ph type="title"/>
+          </p:nvPr>
         </p:nvSpPr>
         <p:spPr>
           <a:xfrm>
-            <a:off x="-1" y="-1"/>
-            <a:ext cx="12192001" cy="6858001"/>
-          </a:xfrm>
-          <a:prstGeom prst="rect">
-            <a:avLst/>
-          </a:prstGeom>
-          <a:ln>
-            <a:noFill/>
-          </a:ln>
-        </p:spPr>
-        <p:style>
-          <a:lnRef idx="2">
-            <a:schemeClr val="accent1">
-              <a:shade val="50000"/>
-            </a:schemeClr>
-          </a:lnRef>
-          <a:fillRef idx="1">
-            <a:schemeClr val="accent1"/>
-          </a:fillRef>
-          <a:effectRef idx="0">
-            <a:schemeClr val="accent1"/>
-          </a:effectRef>
-          <a:fontRef idx="minor">
-            <a:schemeClr val="lt1"/>
-          </a:fontRef>
-        </p:style>
-        <p:txBody>
-          <a:bodyPr rtlCol="0" anchor="ctr"/>
-          <a:lstStyle/>
-          <a:p>
-            <a:pPr algn="ctr"/>
-            <a:endParaRPr lang="en-US" dirty="0"/>
-          </a:p>
-        </p:txBody>
-      </p:sp>
-      <p:sp>
-        <p:nvSpPr>
-          <p:cNvPr id="41" name="Rectangle 40">
-            <a:extLst>
-              <a:ext uri="{FF2B5EF4-FFF2-40B4-BE49-F238E27FC236}">
-                <a16:creationId xmlns:a16="http://schemas.microsoft.com/office/drawing/2014/main" id="{25C84982-7DD0-43B1-8A2D-BFA4DF1B4E60}"/>
-              </a:ext>
-            </a:extLst>
-          </p:cNvPr>
-          <p:cNvSpPr/>
-          <p:nvPr/>
-        </p:nvSpPr>
-        <p:spPr>
-          <a:xfrm>
-            <a:off x="-1" y="-1"/>
-            <a:ext cx="12192001" cy="6858001"/>
-          </a:xfrm>
-          <a:prstGeom prst="rect">
-            <a:avLst/>
-          </a:prstGeom>
-          <a:solidFill>
-            <a:schemeClr val="bg2"/>
-          </a:solidFill>
-          <a:ln>
-            <a:noFill/>
-          </a:ln>
-        </p:spPr>
-        <p:style>
-          <a:lnRef idx="2">
-            <a:schemeClr val="accent1">
-              <a:shade val="50000"/>
-            </a:schemeClr>
-          </a:lnRef>
-          <a:fillRef idx="1">
-            <a:schemeClr val="accent1"/>
-          </a:fillRef>
-          <a:effectRef idx="0">
-            <a:schemeClr val="accent1"/>
-          </a:effectRef>
-          <a:fontRef idx="minor">
-            <a:schemeClr val="lt1"/>
-          </a:fontRef>
-        </p:style>
-        <p:txBody>
-          <a:bodyPr rtlCol="0" anchor="ctr"/>
-          <a:lstStyle/>
-          <a:p>
-            <a:pPr algn="ctr"/>
-            <a:endParaRPr lang="en-US" sz="900" dirty="0">
-              <a:solidFill>
-                <a:schemeClr val="bg1"/>
-              </a:solidFill>
-              <a:latin typeface="+mj-lt"/>
-            </a:endParaRPr>
-          </a:p>
-        </p:txBody>
-      </p:sp>
-      <p:grpSp>
-        <p:nvGrpSpPr>
-          <p:cNvPr id="8" name="Decorative Circles">
-            <a:extLst>
-              <a:ext uri="{FF2B5EF4-FFF2-40B4-BE49-F238E27FC236}">
-                <a16:creationId xmlns:a16="http://schemas.microsoft.com/office/drawing/2014/main" id="{1D912E1C-3BBA-42F0-A3EE-FEC382E7230A}"/>
-              </a:ext>
-            </a:extLst>
-          </p:cNvPr>
-          <p:cNvGrpSpPr/>
-          <p:nvPr/>
-        </p:nvGrpSpPr>
-        <p:grpSpPr>
-          <a:xfrm>
-            <a:off x="-1" y="-1"/>
-            <a:ext cx="12192001" cy="6858001"/>
-            <a:chOff x="-1" y="-1"/>
-            <a:chExt cx="12192001" cy="6858001"/>
-          </a:xfrm>
-        </p:grpSpPr>
-        <p:sp>
-          <p:nvSpPr>
-            <p:cNvPr id="21" name="Oval 20">
-              <a:extLst>
-                <a:ext uri="{FF2B5EF4-FFF2-40B4-BE49-F238E27FC236}">
-                  <a16:creationId xmlns:a16="http://schemas.microsoft.com/office/drawing/2014/main" id="{2FEEAC76-E273-46A8-8F8E-CE59860FE70D}"/>
-                </a:ext>
-              </a:extLst>
-            </p:cNvPr>
-            <p:cNvSpPr/>
-            <p:nvPr/>
-          </p:nvSpPr>
-          <p:spPr>
-            <a:xfrm>
-              <a:off x="209098" y="727602"/>
-              <a:ext cx="172408" cy="172408"/>
-            </a:xfrm>
-            <a:prstGeom prst="ellipse">
-              <a:avLst/>
-            </a:prstGeom>
-            <a:solidFill>
-              <a:schemeClr val="accent2">
-                <a:lumMod val="40000"/>
-                <a:lumOff val="60000"/>
-                <a:alpha val="50000"/>
-              </a:schemeClr>
-            </a:solidFill>
-            <a:ln>
-              <a:noFill/>
-            </a:ln>
-          </p:spPr>
-          <p:style>
-            <a:lnRef idx="2">
-              <a:schemeClr val="accent1">
-                <a:shade val="50000"/>
-              </a:schemeClr>
-            </a:lnRef>
-            <a:fillRef idx="1">
-              <a:schemeClr val="accent1"/>
-            </a:fillRef>
-            <a:effectRef idx="0">
-              <a:schemeClr val="accent1"/>
-            </a:effectRef>
-            <a:fontRef idx="minor">
-              <a:schemeClr val="lt1"/>
-            </a:fontRef>
-          </p:style>
-          <p:txBody>
-            <a:bodyPr rtlCol="0" anchor="ctr"/>
-            <a:lstStyle/>
-            <a:p>
-              <a:pPr algn="ctr"/>
-              <a:endParaRPr lang="en-US"/>
-            </a:p>
-          </p:txBody>
-        </p:sp>
-        <p:sp>
-          <p:nvSpPr>
-            <p:cNvPr id="25" name="Oval 24">
-              <a:extLst>
-                <a:ext uri="{FF2B5EF4-FFF2-40B4-BE49-F238E27FC236}">
-                  <a16:creationId xmlns:a16="http://schemas.microsoft.com/office/drawing/2014/main" id="{76594A0E-9400-45AD-A431-1DA1C0B28966}"/>
-                </a:ext>
-              </a:extLst>
-            </p:cNvPr>
-            <p:cNvSpPr/>
-            <p:nvPr/>
-          </p:nvSpPr>
-          <p:spPr>
-            <a:xfrm>
-              <a:off x="949947" y="136523"/>
-              <a:ext cx="113367" cy="113367"/>
-            </a:xfrm>
-            <a:prstGeom prst="ellipse">
-              <a:avLst/>
-            </a:prstGeom>
-            <a:solidFill>
-              <a:srgbClr val="F39E29">
-                <a:alpha val="50000"/>
-              </a:srgbClr>
-            </a:solidFill>
-            <a:ln>
-              <a:noFill/>
-            </a:ln>
-          </p:spPr>
-          <p:style>
-            <a:lnRef idx="2">
-              <a:schemeClr val="accent1">
-                <a:shade val="50000"/>
-              </a:schemeClr>
-            </a:lnRef>
-            <a:fillRef idx="1">
-              <a:schemeClr val="accent1"/>
-            </a:fillRef>
-            <a:effectRef idx="0">
-              <a:schemeClr val="accent1"/>
-            </a:effectRef>
-            <a:fontRef idx="minor">
-              <a:schemeClr val="lt1"/>
-            </a:fontRef>
-          </p:style>
-          <p:txBody>
-            <a:bodyPr rtlCol="0" anchor="ctr"/>
-            <a:lstStyle/>
-            <a:p>
-              <a:pPr algn="ctr"/>
-              <a:endParaRPr lang="en-US"/>
-            </a:p>
-          </p:txBody>
-        </p:sp>
-        <p:sp>
-          <p:nvSpPr>
-            <p:cNvPr id="31" name="Oval 30">
-              <a:extLst>
-                <a:ext uri="{FF2B5EF4-FFF2-40B4-BE49-F238E27FC236}">
-                  <a16:creationId xmlns:a16="http://schemas.microsoft.com/office/drawing/2014/main" id="{20916D6C-D32F-42B6-8512-CD5EDB8F2B9B}"/>
-                </a:ext>
-              </a:extLst>
-            </p:cNvPr>
-            <p:cNvSpPr/>
-            <p:nvPr/>
-          </p:nvSpPr>
-          <p:spPr>
-            <a:xfrm>
-              <a:off x="11575290" y="5859047"/>
-              <a:ext cx="305780" cy="305780"/>
-            </a:xfrm>
-            <a:prstGeom prst="ellipse">
-              <a:avLst/>
-            </a:prstGeom>
-            <a:solidFill>
-              <a:schemeClr val="accent1">
-                <a:lumMod val="60000"/>
-                <a:lumOff val="40000"/>
-                <a:alpha val="50000"/>
-              </a:schemeClr>
-            </a:solidFill>
-            <a:ln>
-              <a:noFill/>
-            </a:ln>
-          </p:spPr>
-          <p:style>
-            <a:lnRef idx="2">
-              <a:schemeClr val="accent1">
-                <a:shade val="50000"/>
-              </a:schemeClr>
-            </a:lnRef>
-            <a:fillRef idx="1">
-              <a:schemeClr val="accent1"/>
-            </a:fillRef>
-            <a:effectRef idx="0">
-              <a:schemeClr val="accent1"/>
-            </a:effectRef>
-            <a:fontRef idx="minor">
-              <a:schemeClr val="lt1"/>
-            </a:fontRef>
-          </p:style>
-          <p:txBody>
-            <a:bodyPr rtlCol="0" anchor="ctr"/>
-            <a:lstStyle/>
-            <a:p>
-              <a:pPr algn="ctr"/>
-              <a:endParaRPr lang="en-US"/>
-            </a:p>
-          </p:txBody>
-        </p:sp>
-        <p:sp>
-          <p:nvSpPr>
-            <p:cNvPr id="7" name="Oval 6">
-              <a:extLst>
-                <a:ext uri="{FF2B5EF4-FFF2-40B4-BE49-F238E27FC236}">
-                  <a16:creationId xmlns:a16="http://schemas.microsoft.com/office/drawing/2014/main" id="{3834846D-59C6-40F4-907C-F1A4689B58F1}"/>
-                </a:ext>
-              </a:extLst>
-            </p:cNvPr>
-            <p:cNvSpPr/>
-            <p:nvPr/>
-          </p:nvSpPr>
-          <p:spPr>
-            <a:xfrm>
-              <a:off x="95730" y="1133938"/>
-              <a:ext cx="226735" cy="226735"/>
-            </a:xfrm>
-            <a:prstGeom prst="ellipse">
-              <a:avLst/>
-            </a:prstGeom>
-            <a:solidFill>
-              <a:schemeClr val="accent3">
-                <a:alpha val="50000"/>
-              </a:schemeClr>
-            </a:solidFill>
-            <a:ln>
-              <a:noFill/>
-            </a:ln>
-          </p:spPr>
-          <p:style>
-            <a:lnRef idx="2">
-              <a:schemeClr val="accent1">
-                <a:shade val="50000"/>
-              </a:schemeClr>
-            </a:lnRef>
-            <a:fillRef idx="1">
-              <a:schemeClr val="accent1"/>
-            </a:fillRef>
-            <a:effectRef idx="0">
-              <a:schemeClr val="accent1"/>
-            </a:effectRef>
-            <a:fontRef idx="minor">
-              <a:schemeClr val="lt1"/>
-            </a:fontRef>
-          </p:style>
-          <p:txBody>
-            <a:bodyPr rtlCol="0" anchor="ctr"/>
-            <a:lstStyle/>
-            <a:p>
-              <a:pPr algn="ctr"/>
-              <a:endParaRPr lang="en-US"/>
-            </a:p>
-          </p:txBody>
-        </p:sp>
-        <p:sp>
-          <p:nvSpPr>
-            <p:cNvPr id="47" name="Oval 46">
-              <a:extLst>
-                <a:ext uri="{FF2B5EF4-FFF2-40B4-BE49-F238E27FC236}">
-                  <a16:creationId xmlns:a16="http://schemas.microsoft.com/office/drawing/2014/main" id="{5A257CDF-2E36-4DC7-8EE4-5CD8F8ECAC87}"/>
-                </a:ext>
-              </a:extLst>
-            </p:cNvPr>
-            <p:cNvSpPr/>
-            <p:nvPr/>
-          </p:nvSpPr>
-          <p:spPr>
-            <a:xfrm>
-              <a:off x="11536830" y="554419"/>
-              <a:ext cx="382700" cy="382700"/>
-            </a:xfrm>
-            <a:prstGeom prst="ellipse">
-              <a:avLst/>
-            </a:prstGeom>
-            <a:solidFill>
-              <a:schemeClr val="accent2">
-                <a:lumMod val="60000"/>
-                <a:lumOff val="40000"/>
-                <a:alpha val="72000"/>
-              </a:schemeClr>
-            </a:solidFill>
-            <a:ln>
-              <a:noFill/>
-            </a:ln>
-          </p:spPr>
-          <p:style>
-            <a:lnRef idx="2">
-              <a:schemeClr val="accent1">
-                <a:shade val="50000"/>
-              </a:schemeClr>
-            </a:lnRef>
-            <a:fillRef idx="1">
-              <a:schemeClr val="accent1"/>
-            </a:fillRef>
-            <a:effectRef idx="0">
-              <a:schemeClr val="accent1"/>
-            </a:effectRef>
-            <a:fontRef idx="minor">
-              <a:schemeClr val="lt1"/>
-            </a:fontRef>
-          </p:style>
-          <p:txBody>
-            <a:bodyPr rtlCol="0" anchor="ctr"/>
-            <a:lstStyle/>
-            <a:p>
-              <a:pPr algn="ctr"/>
-              <a:endParaRPr lang="en-US" dirty="0"/>
-            </a:p>
-          </p:txBody>
-        </p:sp>
-        <p:sp>
-          <p:nvSpPr>
-            <p:cNvPr id="48" name="Oval 47">
-              <a:extLst>
-                <a:ext uri="{FF2B5EF4-FFF2-40B4-BE49-F238E27FC236}">
-                  <a16:creationId xmlns:a16="http://schemas.microsoft.com/office/drawing/2014/main" id="{D5B26E0E-A115-4AE2-82D8-76BB93CC494F}"/>
-                </a:ext>
-              </a:extLst>
-            </p:cNvPr>
-            <p:cNvSpPr/>
-            <p:nvPr/>
-          </p:nvSpPr>
-          <p:spPr>
-            <a:xfrm>
-              <a:off x="11224303" y="299808"/>
-              <a:ext cx="113367" cy="113367"/>
-            </a:xfrm>
-            <a:prstGeom prst="ellipse">
-              <a:avLst/>
-            </a:prstGeom>
-            <a:solidFill>
-              <a:srgbClr val="F39E29"/>
-            </a:solidFill>
-            <a:ln>
-              <a:noFill/>
-            </a:ln>
-          </p:spPr>
-          <p:style>
-            <a:lnRef idx="2">
-              <a:schemeClr val="accent1">
-                <a:shade val="50000"/>
-              </a:schemeClr>
-            </a:lnRef>
-            <a:fillRef idx="1">
-              <a:schemeClr val="accent1"/>
-            </a:fillRef>
-            <a:effectRef idx="0">
-              <a:schemeClr val="accent1"/>
-            </a:effectRef>
-            <a:fontRef idx="minor">
-              <a:schemeClr val="lt1"/>
-            </a:fontRef>
-          </p:style>
-          <p:txBody>
-            <a:bodyPr rtlCol="0" anchor="ctr"/>
-            <a:lstStyle/>
-            <a:p>
-              <a:pPr algn="ctr"/>
-              <a:endParaRPr lang="en-US"/>
-            </a:p>
-          </p:txBody>
-        </p:sp>
-        <p:sp>
-          <p:nvSpPr>
-            <p:cNvPr id="49" name="Oval 48">
-              <a:extLst>
-                <a:ext uri="{FF2B5EF4-FFF2-40B4-BE49-F238E27FC236}">
-                  <a16:creationId xmlns:a16="http://schemas.microsoft.com/office/drawing/2014/main" id="{755058DB-7E01-4E95-BF59-983AA1BBB38E}"/>
-                </a:ext>
-              </a:extLst>
-            </p:cNvPr>
-            <p:cNvSpPr/>
-            <p:nvPr/>
-          </p:nvSpPr>
-          <p:spPr>
-            <a:xfrm>
-              <a:off x="11629630" y="5482355"/>
-              <a:ext cx="94160" cy="94160"/>
-            </a:xfrm>
-            <a:prstGeom prst="ellipse">
-              <a:avLst/>
-            </a:prstGeom>
-            <a:solidFill>
-              <a:srgbClr val="E3BEBE">
-                <a:alpha val="28000"/>
-              </a:srgbClr>
-            </a:solidFill>
-            <a:ln>
-              <a:noFill/>
-            </a:ln>
-          </p:spPr>
-          <p:style>
-            <a:lnRef idx="2">
-              <a:schemeClr val="accent1">
-                <a:shade val="50000"/>
-              </a:schemeClr>
-            </a:lnRef>
-            <a:fillRef idx="1">
-              <a:schemeClr val="accent1"/>
-            </a:fillRef>
-            <a:effectRef idx="0">
-              <a:schemeClr val="accent1"/>
-            </a:effectRef>
-            <a:fontRef idx="minor">
-              <a:schemeClr val="lt1"/>
-            </a:fontRef>
-          </p:style>
-          <p:txBody>
-            <a:bodyPr rtlCol="0" anchor="ctr"/>
-            <a:lstStyle/>
-            <a:p>
-              <a:pPr algn="ctr"/>
-              <a:endParaRPr lang="en-US"/>
-            </a:p>
-          </p:txBody>
-        </p:sp>
-        <p:sp>
-          <p:nvSpPr>
-            <p:cNvPr id="51" name="Oval 50">
-              <a:extLst>
-                <a:ext uri="{FF2B5EF4-FFF2-40B4-BE49-F238E27FC236}">
-                  <a16:creationId xmlns:a16="http://schemas.microsoft.com/office/drawing/2014/main" id="{A810F7E2-23F3-44D6-B09E-71E556536052}"/>
-                </a:ext>
-              </a:extLst>
-            </p:cNvPr>
-            <p:cNvSpPr/>
-            <p:nvPr/>
-          </p:nvSpPr>
-          <p:spPr>
-            <a:xfrm>
-              <a:off x="10415328" y="6124958"/>
-              <a:ext cx="113367" cy="113367"/>
-            </a:xfrm>
-            <a:prstGeom prst="ellipse">
-              <a:avLst/>
-            </a:prstGeom>
-            <a:solidFill>
-              <a:schemeClr val="accent3"/>
-            </a:solidFill>
-            <a:ln>
-              <a:noFill/>
-            </a:ln>
-          </p:spPr>
-          <p:style>
-            <a:lnRef idx="2">
-              <a:schemeClr val="accent1">
-                <a:shade val="50000"/>
-              </a:schemeClr>
-            </a:lnRef>
-            <a:fillRef idx="1">
-              <a:schemeClr val="accent1"/>
-            </a:fillRef>
-            <a:effectRef idx="0">
-              <a:schemeClr val="accent1"/>
-            </a:effectRef>
-            <a:fontRef idx="minor">
-              <a:schemeClr val="lt1"/>
-            </a:fontRef>
-          </p:style>
-          <p:txBody>
-            <a:bodyPr rtlCol="0" anchor="ctr"/>
-            <a:lstStyle/>
-            <a:p>
-              <a:pPr algn="ctr"/>
-              <a:endParaRPr lang="en-US"/>
-            </a:p>
-          </p:txBody>
-        </p:sp>
-        <p:sp>
-          <p:nvSpPr>
-            <p:cNvPr id="52" name="Oval 51">
-              <a:extLst>
-                <a:ext uri="{FF2B5EF4-FFF2-40B4-BE49-F238E27FC236}">
-                  <a16:creationId xmlns:a16="http://schemas.microsoft.com/office/drawing/2014/main" id="{59D5C391-E1DB-410A-A78C-ED3BBDFF0758}"/>
-                </a:ext>
-              </a:extLst>
-            </p:cNvPr>
-            <p:cNvSpPr/>
-            <p:nvPr/>
-          </p:nvSpPr>
-          <p:spPr>
-            <a:xfrm>
-              <a:off x="10120382" y="6255986"/>
-              <a:ext cx="305780" cy="305780"/>
-            </a:xfrm>
-            <a:prstGeom prst="ellipse">
-              <a:avLst/>
-            </a:prstGeom>
-            <a:solidFill>
-              <a:schemeClr val="accent1">
-                <a:lumMod val="20000"/>
-                <a:lumOff val="80000"/>
-              </a:schemeClr>
-            </a:solidFill>
-            <a:ln>
-              <a:noFill/>
-            </a:ln>
-          </p:spPr>
-          <p:style>
-            <a:lnRef idx="2">
-              <a:schemeClr val="accent1">
-                <a:shade val="50000"/>
-              </a:schemeClr>
-            </a:lnRef>
-            <a:fillRef idx="1">
-              <a:schemeClr val="accent1"/>
-            </a:fillRef>
-            <a:effectRef idx="0">
-              <a:schemeClr val="accent1"/>
-            </a:effectRef>
-            <a:fontRef idx="minor">
-              <a:schemeClr val="lt1"/>
-            </a:fontRef>
-          </p:style>
-          <p:txBody>
-            <a:bodyPr rtlCol="0" anchor="ctr"/>
-            <a:lstStyle/>
-            <a:p>
-              <a:pPr algn="ctr"/>
-              <a:endParaRPr lang="en-US" dirty="0"/>
-            </a:p>
-          </p:txBody>
-        </p:sp>
-        <p:sp>
-          <p:nvSpPr>
-            <p:cNvPr id="53" name="Oval 52">
-              <a:extLst>
-                <a:ext uri="{FF2B5EF4-FFF2-40B4-BE49-F238E27FC236}">
-                  <a16:creationId xmlns:a16="http://schemas.microsoft.com/office/drawing/2014/main" id="{77C4944D-9373-4283-BCAA-927A0316659E}"/>
-                </a:ext>
-              </a:extLst>
-            </p:cNvPr>
-            <p:cNvSpPr/>
-            <p:nvPr/>
-          </p:nvSpPr>
-          <p:spPr>
-            <a:xfrm>
-              <a:off x="9934343" y="6204350"/>
-              <a:ext cx="113367" cy="113367"/>
-            </a:xfrm>
-            <a:prstGeom prst="ellipse">
-              <a:avLst/>
-            </a:prstGeom>
-            <a:solidFill>
-              <a:schemeClr val="accent6">
-                <a:lumMod val="40000"/>
-                <a:lumOff val="60000"/>
-              </a:schemeClr>
-            </a:solidFill>
-            <a:ln>
-              <a:noFill/>
-            </a:ln>
-          </p:spPr>
-          <p:style>
-            <a:lnRef idx="2">
-              <a:schemeClr val="accent1">
-                <a:shade val="50000"/>
-              </a:schemeClr>
-            </a:lnRef>
-            <a:fillRef idx="1">
-              <a:schemeClr val="accent1"/>
-            </a:fillRef>
-            <a:effectRef idx="0">
-              <a:schemeClr val="accent1"/>
-            </a:effectRef>
-            <a:fontRef idx="minor">
-              <a:schemeClr val="lt1"/>
-            </a:fontRef>
-          </p:style>
-          <p:txBody>
-            <a:bodyPr rtlCol="0" anchor="ctr"/>
-            <a:lstStyle/>
-            <a:p>
-              <a:pPr algn="ctr"/>
-              <a:endParaRPr lang="en-US"/>
-            </a:p>
-          </p:txBody>
-        </p:sp>
-        <p:sp>
-          <p:nvSpPr>
-            <p:cNvPr id="54" name="Freeform: Shape 53">
-              <a:extLst>
-                <a:ext uri="{FF2B5EF4-FFF2-40B4-BE49-F238E27FC236}">
-                  <a16:creationId xmlns:a16="http://schemas.microsoft.com/office/drawing/2014/main" id="{6804C521-2D9F-4CE4-AFD3-D4F1551FEC6A}"/>
-                </a:ext>
-              </a:extLst>
-            </p:cNvPr>
-            <p:cNvSpPr/>
-            <p:nvPr/>
-          </p:nvSpPr>
-          <p:spPr>
-            <a:xfrm>
-              <a:off x="11642244" y="6317718"/>
-              <a:ext cx="549756" cy="540282"/>
-            </a:xfrm>
-            <a:custGeom>
-              <a:avLst/>
-              <a:gdLst>
-                <a:gd name="connsiteX0" fmla="*/ 1224540 w 2115556"/>
-                <a:gd name="connsiteY0" fmla="*/ 0 h 2079100"/>
-                <a:gd name="connsiteX1" fmla="*/ 2090421 w 2115556"/>
-                <a:gd name="connsiteY1" fmla="*/ 358660 h 2079100"/>
-                <a:gd name="connsiteX2" fmla="*/ 2115556 w 2115556"/>
-                <a:gd name="connsiteY2" fmla="*/ 386315 h 2079100"/>
-                <a:gd name="connsiteX3" fmla="*/ 2115556 w 2115556"/>
-                <a:gd name="connsiteY3" fmla="*/ 2062765 h 2079100"/>
-                <a:gd name="connsiteX4" fmla="*/ 2100710 w 2115556"/>
-                <a:gd name="connsiteY4" fmla="*/ 2079100 h 2079100"/>
-                <a:gd name="connsiteX5" fmla="*/ 348370 w 2115556"/>
-                <a:gd name="connsiteY5" fmla="*/ 2079100 h 2079100"/>
-                <a:gd name="connsiteX6" fmla="*/ 279625 w 2115556"/>
-                <a:gd name="connsiteY6" fmla="*/ 2003461 h 2079100"/>
-                <a:gd name="connsiteX7" fmla="*/ 0 w 2115556"/>
-                <a:gd name="connsiteY7" fmla="*/ 1224540 h 2079100"/>
-                <a:gd name="connsiteX8" fmla="*/ 1224540 w 2115556"/>
-                <a:gd name="connsiteY8" fmla="*/ 0 h 2079100"/>
-              </a:gdLst>
-              <a:ahLst/>
-              <a:cxnLst>
-                <a:cxn ang="0">
-                  <a:pos x="connsiteX0" y="connsiteY0"/>
-                </a:cxn>
-                <a:cxn ang="0">
-                  <a:pos x="connsiteX1" y="connsiteY1"/>
-                </a:cxn>
-                <a:cxn ang="0">
-                  <a:pos x="connsiteX2" y="connsiteY2"/>
-                </a:cxn>
-                <a:cxn ang="0">
-                  <a:pos x="connsiteX3" y="connsiteY3"/>
-                </a:cxn>
-                <a:cxn ang="0">
-                  <a:pos x="connsiteX4" y="connsiteY4"/>
-                </a:cxn>
-                <a:cxn ang="0">
-                  <a:pos x="connsiteX5" y="connsiteY5"/>
-                </a:cxn>
-                <a:cxn ang="0">
-                  <a:pos x="connsiteX6" y="connsiteY6"/>
-                </a:cxn>
-                <a:cxn ang="0">
-                  <a:pos x="connsiteX7" y="connsiteY7"/>
-                </a:cxn>
-                <a:cxn ang="0">
-                  <a:pos x="connsiteX8" y="connsiteY8"/>
-                </a:cxn>
-              </a:cxnLst>
-              <a:rect l="l" t="t" r="r" b="b"/>
-              <a:pathLst>
-                <a:path w="2115556" h="2079100">
-                  <a:moveTo>
-                    <a:pt x="1224540" y="0"/>
-                  </a:moveTo>
-                  <a:cubicBezTo>
-                    <a:pt x="1562687" y="0"/>
-                    <a:pt x="1868823" y="137062"/>
-                    <a:pt x="2090421" y="358660"/>
-                  </a:cubicBezTo>
-                  <a:lnTo>
-                    <a:pt x="2115556" y="386315"/>
-                  </a:lnTo>
-                  <a:lnTo>
-                    <a:pt x="2115556" y="2062765"/>
-                  </a:lnTo>
-                  <a:lnTo>
-                    <a:pt x="2100710" y="2079100"/>
-                  </a:lnTo>
-                  <a:lnTo>
-                    <a:pt x="348370" y="2079100"/>
-                  </a:lnTo>
-                  <a:lnTo>
-                    <a:pt x="279625" y="2003461"/>
-                  </a:lnTo>
-                  <a:cubicBezTo>
-                    <a:pt x="104938" y="1791789"/>
-                    <a:pt x="0" y="1520419"/>
-                    <a:pt x="0" y="1224540"/>
-                  </a:cubicBezTo>
-                  <a:cubicBezTo>
-                    <a:pt x="0" y="548245"/>
-                    <a:pt x="548245" y="0"/>
-                    <a:pt x="1224540" y="0"/>
-                  </a:cubicBezTo>
-                  <a:close/>
-                </a:path>
-              </a:pathLst>
-            </a:custGeom>
-            <a:solidFill>
-              <a:schemeClr val="accent6">
-                <a:lumMod val="40000"/>
-                <a:lumOff val="60000"/>
-              </a:schemeClr>
-            </a:solidFill>
-            <a:ln>
-              <a:noFill/>
-            </a:ln>
-          </p:spPr>
-          <p:style>
-            <a:lnRef idx="2">
-              <a:schemeClr val="accent1">
-                <a:shade val="50000"/>
-              </a:schemeClr>
-            </a:lnRef>
-            <a:fillRef idx="1">
-              <a:schemeClr val="accent1"/>
-            </a:fillRef>
-            <a:effectRef idx="0">
-              <a:schemeClr val="accent1"/>
-            </a:effectRef>
-            <a:fontRef idx="minor">
-              <a:schemeClr val="lt1"/>
-            </a:fontRef>
-          </p:style>
-          <p:txBody>
-            <a:bodyPr wrap="square" rtlCol="0" anchor="ctr">
-              <a:noAutofit/>
-            </a:bodyPr>
-            <a:lstStyle/>
-            <a:p>
-              <a:pPr algn="ctr"/>
-              <a:endParaRPr lang="en-US" sz="900" dirty="0">
-                <a:solidFill>
-                  <a:schemeClr val="bg1"/>
-                </a:solidFill>
-                <a:latin typeface="+mj-lt"/>
-              </a:endParaRPr>
-            </a:p>
-          </p:txBody>
-        </p:sp>
-        <p:sp>
-          <p:nvSpPr>
-            <p:cNvPr id="56" name="Freeform: Shape 55">
-              <a:extLst>
-                <a:ext uri="{FF2B5EF4-FFF2-40B4-BE49-F238E27FC236}">
-                  <a16:creationId xmlns:a16="http://schemas.microsoft.com/office/drawing/2014/main" id="{755AC65C-13EF-4182-AA3C-62BE165CC033}"/>
-                </a:ext>
-              </a:extLst>
-            </p:cNvPr>
-            <p:cNvSpPr/>
-            <p:nvPr/>
-          </p:nvSpPr>
-          <p:spPr>
-            <a:xfrm>
-              <a:off x="-1" y="-1"/>
-              <a:ext cx="510196" cy="538336"/>
-            </a:xfrm>
-            <a:custGeom>
-              <a:avLst/>
-              <a:gdLst>
-                <a:gd name="connsiteX0" fmla="*/ 0 w 510196"/>
-                <a:gd name="connsiteY0" fmla="*/ 0 h 538336"/>
-                <a:gd name="connsiteX1" fmla="*/ 459276 w 510196"/>
-                <a:gd name="connsiteY1" fmla="*/ 0 h 538336"/>
-                <a:gd name="connsiteX2" fmla="*/ 482126 w 510196"/>
-                <a:gd name="connsiteY2" fmla="*/ 42098 h 538336"/>
-                <a:gd name="connsiteX3" fmla="*/ 510196 w 510196"/>
-                <a:gd name="connsiteY3" fmla="*/ 181136 h 538336"/>
-                <a:gd name="connsiteX4" fmla="*/ 152996 w 510196"/>
-                <a:gd name="connsiteY4" fmla="*/ 538336 h 538336"/>
-                <a:gd name="connsiteX5" fmla="*/ 13958 w 510196"/>
-                <a:gd name="connsiteY5" fmla="*/ 510266 h 538336"/>
-                <a:gd name="connsiteX6" fmla="*/ 0 w 510196"/>
-                <a:gd name="connsiteY6" fmla="*/ 502690 h 538336"/>
-              </a:gdLst>
-              <a:ahLst/>
-              <a:cxnLst>
-                <a:cxn ang="0">
-                  <a:pos x="connsiteX0" y="connsiteY0"/>
-                </a:cxn>
-                <a:cxn ang="0">
-                  <a:pos x="connsiteX1" y="connsiteY1"/>
-                </a:cxn>
-                <a:cxn ang="0">
-                  <a:pos x="connsiteX2" y="connsiteY2"/>
-                </a:cxn>
-                <a:cxn ang="0">
-                  <a:pos x="connsiteX3" y="connsiteY3"/>
-                </a:cxn>
-                <a:cxn ang="0">
-                  <a:pos x="connsiteX4" y="connsiteY4"/>
-                </a:cxn>
-                <a:cxn ang="0">
-                  <a:pos x="connsiteX5" y="connsiteY5"/>
-                </a:cxn>
-                <a:cxn ang="0">
-                  <a:pos x="connsiteX6" y="connsiteY6"/>
-                </a:cxn>
-              </a:cxnLst>
-              <a:rect l="l" t="t" r="r" b="b"/>
-              <a:pathLst>
-                <a:path w="510196" h="538336">
-                  <a:moveTo>
-                    <a:pt x="0" y="0"/>
-                  </a:moveTo>
-                  <a:lnTo>
-                    <a:pt x="459276" y="0"/>
-                  </a:lnTo>
-                  <a:lnTo>
-                    <a:pt x="482126" y="42098"/>
-                  </a:lnTo>
-                  <a:cubicBezTo>
-                    <a:pt x="500201" y="84833"/>
-                    <a:pt x="510196" y="131817"/>
-                    <a:pt x="510196" y="181136"/>
-                  </a:cubicBezTo>
-                  <a:cubicBezTo>
-                    <a:pt x="510196" y="378412"/>
-                    <a:pt x="350272" y="538336"/>
-                    <a:pt x="152996" y="538336"/>
-                  </a:cubicBezTo>
-                  <a:cubicBezTo>
-                    <a:pt x="103677" y="538336"/>
-                    <a:pt x="56693" y="528341"/>
-                    <a:pt x="13958" y="510266"/>
-                  </a:cubicBezTo>
-                  <a:lnTo>
-                    <a:pt x="0" y="502690"/>
-                  </a:lnTo>
-                  <a:close/>
-                </a:path>
-              </a:pathLst>
-            </a:custGeom>
-            <a:solidFill>
-              <a:schemeClr val="accent1">
-                <a:lumMod val="20000"/>
-                <a:lumOff val="80000"/>
-              </a:schemeClr>
-            </a:solidFill>
-            <a:ln>
-              <a:noFill/>
-            </a:ln>
-          </p:spPr>
-          <p:style>
-            <a:lnRef idx="2">
-              <a:schemeClr val="accent1">
-                <a:shade val="50000"/>
-              </a:schemeClr>
-            </a:lnRef>
-            <a:fillRef idx="1">
-              <a:schemeClr val="accent1"/>
-            </a:fillRef>
-            <a:effectRef idx="0">
-              <a:schemeClr val="accent1"/>
-            </a:effectRef>
-            <a:fontRef idx="minor">
-              <a:schemeClr val="lt1"/>
-            </a:fontRef>
-          </p:style>
-          <p:txBody>
-            <a:bodyPr wrap="square" rtlCol="0" anchor="ctr">
-              <a:noAutofit/>
-            </a:bodyPr>
-            <a:lstStyle/>
-            <a:p>
-              <a:pPr algn="ctr"/>
-              <a:endParaRPr lang="en-US" sz="900" dirty="0">
-                <a:solidFill>
-                  <a:schemeClr val="bg1"/>
-                </a:solidFill>
-                <a:latin typeface="+mj-lt"/>
-              </a:endParaRPr>
-            </a:p>
-          </p:txBody>
-        </p:sp>
-        <p:sp>
-          <p:nvSpPr>
-            <p:cNvPr id="58" name="Freeform: Shape 57">
-              <a:extLst>
-                <a:ext uri="{FF2B5EF4-FFF2-40B4-BE49-F238E27FC236}">
-                  <a16:creationId xmlns:a16="http://schemas.microsoft.com/office/drawing/2014/main" id="{E40DA8D2-FA4B-4282-9D44-48C27B63A153}"/>
-                </a:ext>
-              </a:extLst>
-            </p:cNvPr>
-            <p:cNvSpPr/>
-            <p:nvPr/>
-          </p:nvSpPr>
-          <p:spPr>
-            <a:xfrm>
-              <a:off x="10528695" y="1"/>
-              <a:ext cx="554074" cy="282754"/>
-            </a:xfrm>
-            <a:custGeom>
-              <a:avLst/>
-              <a:gdLst>
-                <a:gd name="connsiteX0" fmla="*/ 644 w 309162"/>
-                <a:gd name="connsiteY0" fmla="*/ 0 h 157771"/>
-                <a:gd name="connsiteX1" fmla="*/ 308518 w 309162"/>
-                <a:gd name="connsiteY1" fmla="*/ 0 h 157771"/>
-                <a:gd name="connsiteX2" fmla="*/ 309162 w 309162"/>
-                <a:gd name="connsiteY2" fmla="*/ 3190 h 157771"/>
-                <a:gd name="connsiteX3" fmla="*/ 154581 w 309162"/>
-                <a:gd name="connsiteY3" fmla="*/ 157771 h 157771"/>
-                <a:gd name="connsiteX4" fmla="*/ 0 w 309162"/>
-                <a:gd name="connsiteY4" fmla="*/ 3190 h 157771"/>
-              </a:gdLst>
-              <a:ahLst/>
-              <a:cxnLst>
-                <a:cxn ang="0">
-                  <a:pos x="connsiteX0" y="connsiteY0"/>
-                </a:cxn>
-                <a:cxn ang="0">
-                  <a:pos x="connsiteX1" y="connsiteY1"/>
-                </a:cxn>
-                <a:cxn ang="0">
-                  <a:pos x="connsiteX2" y="connsiteY2"/>
-                </a:cxn>
-                <a:cxn ang="0">
-                  <a:pos x="connsiteX3" y="connsiteY3"/>
-                </a:cxn>
-                <a:cxn ang="0">
-                  <a:pos x="connsiteX4" y="connsiteY4"/>
-                </a:cxn>
-              </a:cxnLst>
-              <a:rect l="l" t="t" r="r" b="b"/>
-              <a:pathLst>
-                <a:path w="309162" h="157771">
-                  <a:moveTo>
-                    <a:pt x="644" y="0"/>
-                  </a:moveTo>
-                  <a:lnTo>
-                    <a:pt x="308518" y="0"/>
-                  </a:lnTo>
-                  <a:lnTo>
-                    <a:pt x="309162" y="3190"/>
-                  </a:lnTo>
-                  <a:cubicBezTo>
-                    <a:pt x="309162" y="88563"/>
-                    <a:pt x="239954" y="157771"/>
-                    <a:pt x="154581" y="157771"/>
-                  </a:cubicBezTo>
-                  <a:cubicBezTo>
-                    <a:pt x="69208" y="157771"/>
-                    <a:pt x="0" y="88563"/>
-                    <a:pt x="0" y="3190"/>
-                  </a:cubicBezTo>
-                  <a:close/>
-                </a:path>
-              </a:pathLst>
-            </a:custGeom>
-            <a:solidFill>
-              <a:schemeClr val="accent4">
-                <a:lumMod val="60000"/>
-                <a:lumOff val="40000"/>
-              </a:schemeClr>
-            </a:solidFill>
-            <a:ln>
-              <a:noFill/>
-            </a:ln>
-          </p:spPr>
-          <p:style>
-            <a:lnRef idx="2">
-              <a:schemeClr val="accent1">
-                <a:shade val="50000"/>
-              </a:schemeClr>
-            </a:lnRef>
-            <a:fillRef idx="1">
-              <a:schemeClr val="accent1"/>
-            </a:fillRef>
-            <a:effectRef idx="0">
-              <a:schemeClr val="accent1"/>
-            </a:effectRef>
-            <a:fontRef idx="minor">
-              <a:schemeClr val="lt1"/>
-            </a:fontRef>
-          </p:style>
-          <p:txBody>
-            <a:bodyPr wrap="square" rtlCol="0" anchor="ctr">
-              <a:noAutofit/>
-            </a:bodyPr>
-            <a:lstStyle/>
-            <a:p>
-              <a:pPr algn="ctr"/>
-              <a:endParaRPr lang="en-US" sz="900" dirty="0">
-                <a:solidFill>
-                  <a:schemeClr val="bg1"/>
-                </a:solidFill>
-                <a:latin typeface="+mj-lt"/>
-              </a:endParaRPr>
-            </a:p>
-          </p:txBody>
-        </p:sp>
-        <p:sp>
-          <p:nvSpPr>
-            <p:cNvPr id="10" name="Oval 9">
-              <a:extLst>
-                <a:ext uri="{FF2B5EF4-FFF2-40B4-BE49-F238E27FC236}">
-                  <a16:creationId xmlns:a16="http://schemas.microsoft.com/office/drawing/2014/main" id="{99065014-CB18-414D-A527-31ECC45700AB}"/>
-                </a:ext>
-              </a:extLst>
-            </p:cNvPr>
-            <p:cNvSpPr/>
-            <p:nvPr/>
-          </p:nvSpPr>
-          <p:spPr>
-            <a:xfrm>
-              <a:off x="504140" y="1132500"/>
-              <a:ext cx="84680" cy="84680"/>
-            </a:xfrm>
-            <a:prstGeom prst="ellipse">
-              <a:avLst/>
-            </a:prstGeom>
-            <a:solidFill>
-              <a:schemeClr val="accent2"/>
-            </a:solidFill>
-            <a:ln>
-              <a:noFill/>
-            </a:ln>
-          </p:spPr>
-          <p:style>
-            <a:lnRef idx="0">
-              <a:scrgbClr r="0" g="0" b="0"/>
-            </a:lnRef>
-            <a:fillRef idx="0">
-              <a:scrgbClr r="0" g="0" b="0"/>
-            </a:fillRef>
-            <a:effectRef idx="0">
-              <a:scrgbClr r="0" g="0" b="0"/>
-            </a:effectRef>
-            <a:fontRef idx="minor">
-              <a:schemeClr val="lt1"/>
-            </a:fontRef>
-          </p:style>
-          <p:txBody>
-            <a:bodyPr rtlCol="0" anchor="ctr"/>
-            <a:lstStyle/>
-            <a:p>
-              <a:pPr algn="ctr"/>
-              <a:endParaRPr lang="en-US"/>
-            </a:p>
-          </p:txBody>
-        </p:sp>
-        <p:sp>
-          <p:nvSpPr>
-            <p:cNvPr id="61" name="Freeform: Shape 60">
-              <a:extLst>
-                <a:ext uri="{FF2B5EF4-FFF2-40B4-BE49-F238E27FC236}">
-                  <a16:creationId xmlns:a16="http://schemas.microsoft.com/office/drawing/2014/main" id="{8F39E27A-56C1-4328-8DF1-2DA147C78483}"/>
-                </a:ext>
-              </a:extLst>
-            </p:cNvPr>
-            <p:cNvSpPr/>
-            <p:nvPr/>
-          </p:nvSpPr>
-          <p:spPr>
-            <a:xfrm>
-              <a:off x="12051348" y="5576515"/>
-              <a:ext cx="137603" cy="210490"/>
-            </a:xfrm>
-            <a:custGeom>
-              <a:avLst/>
-              <a:gdLst>
-                <a:gd name="connsiteX0" fmla="*/ 105245 w 137603"/>
-                <a:gd name="connsiteY0" fmla="*/ 0 h 210490"/>
-                <a:gd name="connsiteX1" fmla="*/ 137603 w 137603"/>
-                <a:gd name="connsiteY1" fmla="*/ 6533 h 210490"/>
-                <a:gd name="connsiteX2" fmla="*/ 137603 w 137603"/>
-                <a:gd name="connsiteY2" fmla="*/ 203957 h 210490"/>
-                <a:gd name="connsiteX3" fmla="*/ 105245 w 137603"/>
-                <a:gd name="connsiteY3" fmla="*/ 210490 h 210490"/>
-                <a:gd name="connsiteX4" fmla="*/ 0 w 137603"/>
-                <a:gd name="connsiteY4" fmla="*/ 105245 h 210490"/>
-                <a:gd name="connsiteX5" fmla="*/ 105245 w 137603"/>
-                <a:gd name="connsiteY5" fmla="*/ 0 h 210490"/>
-              </a:gdLst>
-              <a:ahLst/>
-              <a:cxnLst>
-                <a:cxn ang="0">
-                  <a:pos x="connsiteX0" y="connsiteY0"/>
-                </a:cxn>
-                <a:cxn ang="0">
-                  <a:pos x="connsiteX1" y="connsiteY1"/>
-                </a:cxn>
-                <a:cxn ang="0">
-                  <a:pos x="connsiteX2" y="connsiteY2"/>
-                </a:cxn>
-                <a:cxn ang="0">
-                  <a:pos x="connsiteX3" y="connsiteY3"/>
-                </a:cxn>
-                <a:cxn ang="0">
-                  <a:pos x="connsiteX4" y="connsiteY4"/>
-                </a:cxn>
-                <a:cxn ang="0">
-                  <a:pos x="connsiteX5" y="connsiteY5"/>
-                </a:cxn>
-              </a:cxnLst>
-              <a:rect l="l" t="t" r="r" b="b"/>
-              <a:pathLst>
-                <a:path w="137603" h="210490">
-                  <a:moveTo>
-                    <a:pt x="105245" y="0"/>
-                  </a:moveTo>
-                  <a:lnTo>
-                    <a:pt x="137603" y="6533"/>
-                  </a:lnTo>
-                  <a:lnTo>
-                    <a:pt x="137603" y="203957"/>
-                  </a:lnTo>
-                  <a:lnTo>
-                    <a:pt x="105245" y="210490"/>
-                  </a:lnTo>
-                  <a:cubicBezTo>
-                    <a:pt x="47120" y="210490"/>
-                    <a:pt x="0" y="163370"/>
-                    <a:pt x="0" y="105245"/>
-                  </a:cubicBezTo>
-                  <a:cubicBezTo>
-                    <a:pt x="0" y="47120"/>
-                    <a:pt x="47120" y="0"/>
-                    <a:pt x="105245" y="0"/>
-                  </a:cubicBezTo>
-                  <a:close/>
-                </a:path>
-              </a:pathLst>
-            </a:custGeom>
-            <a:solidFill>
-              <a:schemeClr val="accent3">
-                <a:lumMod val="40000"/>
-                <a:lumOff val="60000"/>
-              </a:schemeClr>
-            </a:solidFill>
-            <a:ln>
-              <a:noFill/>
-            </a:ln>
-          </p:spPr>
-          <p:style>
-            <a:lnRef idx="2">
-              <a:schemeClr val="accent1">
-                <a:shade val="50000"/>
-              </a:schemeClr>
-            </a:lnRef>
-            <a:fillRef idx="1">
-              <a:schemeClr val="accent1"/>
-            </a:fillRef>
-            <a:effectRef idx="0">
-              <a:schemeClr val="accent1"/>
-            </a:effectRef>
-            <a:fontRef idx="minor">
-              <a:schemeClr val="lt1"/>
-            </a:fontRef>
-          </p:style>
-          <p:txBody>
-            <a:bodyPr wrap="square" rtlCol="0" anchor="ctr">
-              <a:noAutofit/>
-            </a:bodyPr>
-            <a:lstStyle/>
-            <a:p>
-              <a:pPr algn="ctr"/>
-              <a:endParaRPr lang="en-US" sz="900" dirty="0">
-                <a:solidFill>
-                  <a:schemeClr val="bg1"/>
-                </a:solidFill>
-                <a:latin typeface="+mj-lt"/>
-              </a:endParaRPr>
-            </a:p>
-          </p:txBody>
-        </p:sp>
-      </p:grpSp>
-      <p:sp>
-        <p:nvSpPr>
-          <p:cNvPr id="4" name="Date Placeholder 3">
-            <a:extLst>
-              <a:ext uri="{FF2B5EF4-FFF2-40B4-BE49-F238E27FC236}">
-                <a16:creationId xmlns:a16="http://schemas.microsoft.com/office/drawing/2014/main" id="{442C5EC6-E331-4312-AC12-56D55F7D2B15}"/>
-              </a:ext>
-            </a:extLst>
-          </p:cNvPr>
-          <p:cNvSpPr>
-            <a:spLocks noGrp="1"/>
-          </p:cNvSpPr>
-          <p:nvPr>
-            <p:ph type="dt" sz="half" idx="2"/>
-          </p:nvPr>
-        </p:nvSpPr>
-        <p:spPr>
-          <a:xfrm>
-            <a:off x="777240" y="6488268"/>
-            <a:ext cx="2743200" cy="233209"/>
+            <a:off x="838200" y="365125"/>
+            <a:ext cx="10515600" cy="1325563"/>
           </a:xfrm>
           <a:prstGeom prst="rect">
             <a:avLst/>
           </a:prstGeom>
         </p:spPr>
         <p:txBody>
+          <a:bodyPr vert="horz" lIns="91440" tIns="45720" rIns="91440" bIns="45720" rtlCol="0" anchor="ctr">
+            <a:normAutofit/>
+          </a:bodyPr>
+          <a:lstStyle/>
+          <a:p>
+            <a:r>
+              <a:rPr lang="en-US"/>
+              <a:t>Click to edit Master title style</a:t>
+            </a:r>
+            <a:endParaRPr lang="en-IN"/>
+          </a:p>
+        </p:txBody>
+      </p:sp>
+      <p:sp>
+        <p:nvSpPr>
+          <p:cNvPr id="3" name="Text Placeholder 2">
+            <a:extLst>
+              <a:ext uri="{FF2B5EF4-FFF2-40B4-BE49-F238E27FC236}">
+                <a16:creationId xmlns:a16="http://schemas.microsoft.com/office/drawing/2014/main" id="{7433C8C1-03B9-4E3F-50AD-56099A3AA62E}"/>
+              </a:ext>
+            </a:extLst>
+          </p:cNvPr>
+          <p:cNvSpPr>
+            <a:spLocks noGrp="1"/>
+          </p:cNvSpPr>
+          <p:nvPr>
+            <p:ph type="body" idx="1"/>
+          </p:nvPr>
+        </p:nvSpPr>
+        <p:spPr>
+          <a:xfrm>
+            <a:off x="838200" y="1825625"/>
+            <a:ext cx="10515600" cy="4351338"/>
+          </a:xfrm>
+          <a:prstGeom prst="rect">
+            <a:avLst/>
+          </a:prstGeom>
+        </p:spPr>
+        <p:txBody>
+          <a:bodyPr vert="horz" lIns="91440" tIns="45720" rIns="91440" bIns="45720" rtlCol="0">
+            <a:normAutofit/>
+          </a:bodyPr>
+          <a:lstStyle/>
+          <a:p>
+            <a:pPr lvl="0"/>
+            <a:r>
+              <a:rPr lang="en-US"/>
+              <a:t>Click to edit Master text styles</a:t>
+            </a:r>
+          </a:p>
+          <a:p>
+            <a:pPr lvl="1"/>
+            <a:r>
+              <a:rPr lang="en-US"/>
+              <a:t>Second level</a:t>
+            </a:r>
+          </a:p>
+          <a:p>
+            <a:pPr lvl="2"/>
+            <a:r>
+              <a:rPr lang="en-US"/>
+              <a:t>Third level</a:t>
+            </a:r>
+          </a:p>
+          <a:p>
+            <a:pPr lvl="3"/>
+            <a:r>
+              <a:rPr lang="en-US"/>
+              <a:t>Fourth level</a:t>
+            </a:r>
+          </a:p>
+          <a:p>
+            <a:pPr lvl="4"/>
+            <a:r>
+              <a:rPr lang="en-US"/>
+              <a:t>Fifth level</a:t>
+            </a:r>
+            <a:endParaRPr lang="en-IN"/>
+          </a:p>
+        </p:txBody>
+      </p:sp>
+      <p:sp>
+        <p:nvSpPr>
+          <p:cNvPr id="4" name="Date Placeholder 3">
+            <a:extLst>
+              <a:ext uri="{FF2B5EF4-FFF2-40B4-BE49-F238E27FC236}">
+                <a16:creationId xmlns:a16="http://schemas.microsoft.com/office/drawing/2014/main" id="{628F69A1-7875-DC1A-7342-690835DF1A28}"/>
+              </a:ext>
+            </a:extLst>
+          </p:cNvPr>
+          <p:cNvSpPr>
+            <a:spLocks noGrp="1"/>
+          </p:cNvSpPr>
+          <p:nvPr>
+            <p:ph type="dt" sz="half" idx="2"/>
+          </p:nvPr>
+        </p:nvSpPr>
+        <p:spPr>
+          <a:xfrm>
+            <a:off x="838200" y="6356350"/>
+            <a:ext cx="2743200" cy="365125"/>
+          </a:xfrm>
+          <a:prstGeom prst="rect">
+            <a:avLst/>
+          </a:prstGeom>
+        </p:spPr>
+        <p:txBody>
           <a:bodyPr vert="horz" lIns="91440" tIns="45720" rIns="91440" bIns="45720" rtlCol="0" anchor="ctr"/>
           <a:lstStyle>
             <a:lvl1pPr algn="l">
-              <a:defRPr sz="1000">
+              <a:defRPr sz="1200">
                 <a:solidFill>
                   <a:schemeClr val="tx1">
                     <a:tint val="75000"/>
@@ -4074,11 +2941,11 @@
             </a:lvl1pPr>
           </a:lstStyle>
           <a:p>
-            <a:fld id="{4A8D24A4-5FEC-4062-8995-EB21925B3B40}" type="datetime1">
-              <a:rPr lang="en-US" smtClean="0"/>
-              <a:t>3/9/2023</a:t>
+            <a:fld id="{35F22EC9-F25C-44F6-9C75-A7B9CB7E8773}" type="datetimeFigureOut">
+              <a:rPr lang="en-IN" smtClean="0"/>
+              <a:t>13-03-2023</a:t>
             </a:fld>
-            <a:endParaRPr lang="en-US" sz="1000" dirty="0"/>
+            <a:endParaRPr lang="en-IN"/>
           </a:p>
         </p:txBody>
       </p:sp>
@@ -4087,7 +2954,7 @@
           <p:cNvPr id="5" name="Footer Placeholder 4">
             <a:extLst>
               <a:ext uri="{FF2B5EF4-FFF2-40B4-BE49-F238E27FC236}">
-                <a16:creationId xmlns:a16="http://schemas.microsoft.com/office/drawing/2014/main" id="{3337FC5D-92B2-4B4D-8111-6EDEF280692A}"/>
+                <a16:creationId xmlns:a16="http://schemas.microsoft.com/office/drawing/2014/main" id="{216FE980-AF77-9F55-044F-78A5D95167C5}"/>
               </a:ext>
             </a:extLst>
           </p:cNvPr>
@@ -4100,8 +2967,8 @@
         </p:nvSpPr>
         <p:spPr>
           <a:xfrm>
-            <a:off x="4038600" y="6488268"/>
-            <a:ext cx="4114800" cy="233209"/>
+            <a:off x="4038600" y="6356350"/>
+            <a:ext cx="4114800" cy="365125"/>
           </a:xfrm>
           <a:prstGeom prst="rect">
             <a:avLst/>
@@ -4111,7 +2978,7 @@
           <a:bodyPr vert="horz" lIns="91440" tIns="45720" rIns="91440" bIns="45720" rtlCol="0" anchor="ctr"/>
           <a:lstStyle>
             <a:lvl1pPr algn="ctr">
-              <a:defRPr sz="1000">
+              <a:defRPr sz="1200">
                 <a:solidFill>
                   <a:schemeClr val="tx1">
                     <a:tint val="75000"/>
@@ -4121,7 +2988,7 @@
             </a:lvl1pPr>
           </a:lstStyle>
           <a:p>
-            <a:endParaRPr lang="en-US" sz="1000"/>
+            <a:endParaRPr lang="en-IN"/>
           </a:p>
         </p:txBody>
       </p:sp>
@@ -4130,7 +2997,7 @@
           <p:cNvPr id="6" name="Slide Number Placeholder 5">
             <a:extLst>
               <a:ext uri="{FF2B5EF4-FFF2-40B4-BE49-F238E27FC236}">
-                <a16:creationId xmlns:a16="http://schemas.microsoft.com/office/drawing/2014/main" id="{723A104D-C777-4A6E-8A43-F94028E5E311}"/>
+                <a16:creationId xmlns:a16="http://schemas.microsoft.com/office/drawing/2014/main" id="{6467B7EC-7F88-9079-4186-4708D614374B}"/>
               </a:ext>
             </a:extLst>
           </p:cNvPr>
@@ -4143,8 +3010,8 @@
         </p:nvSpPr>
         <p:spPr>
           <a:xfrm>
-            <a:off x="8693150" y="6488268"/>
-            <a:ext cx="2743200" cy="233209"/>
+            <a:off x="8610600" y="6356350"/>
+            <a:ext cx="2743200" cy="365125"/>
           </a:xfrm>
           <a:prstGeom prst="rect">
             <a:avLst/>
@@ -4154,7 +3021,7 @@
           <a:bodyPr vert="horz" lIns="91440" tIns="45720" rIns="91440" bIns="45720" rtlCol="0" anchor="ctr"/>
           <a:lstStyle>
             <a:lvl1pPr algn="r">
-              <a:defRPr sz="1000">
+              <a:defRPr sz="1200">
                 <a:solidFill>
                   <a:schemeClr val="tx1">
                     <a:tint val="75000"/>
@@ -4164,143 +3031,35 @@
             </a:lvl1pPr>
           </a:lstStyle>
           <a:p>
-            <a:fld id="{35747434-7036-48DB-A148-6B3D8EE75CDA}" type="slidenum">
-              <a:rPr lang="en-US" smtClean="0"/>
-              <a:pPr/>
+            <a:fld id="{AFBCB6DB-75DA-4C7C-95EA-73FA1C42716C}" type="slidenum">
+              <a:rPr lang="en-IN" smtClean="0"/>
               <a:t>‹#›</a:t>
             </a:fld>
-            <a:endParaRPr lang="en-US" sz="1000" dirty="0"/>
-          </a:p>
-        </p:txBody>
-      </p:sp>
-      <p:sp>
-        <p:nvSpPr>
-          <p:cNvPr id="2" name="Title Placeholder 1">
-            <a:extLst>
-              <a:ext uri="{FF2B5EF4-FFF2-40B4-BE49-F238E27FC236}">
-                <a16:creationId xmlns:a16="http://schemas.microsoft.com/office/drawing/2014/main" id="{12D3A74F-6169-4D30-A245-B46D738BEA81}"/>
-              </a:ext>
-            </a:extLst>
-          </p:cNvPr>
-          <p:cNvSpPr>
-            <a:spLocks noGrp="1"/>
-          </p:cNvSpPr>
-          <p:nvPr>
-            <p:ph type="title"/>
-          </p:nvPr>
-        </p:nvSpPr>
-        <p:spPr>
-          <a:xfrm>
-            <a:off x="777240" y="365125"/>
-            <a:ext cx="10659110" cy="1325563"/>
-          </a:xfrm>
-          <a:prstGeom prst="rect">
-            <a:avLst/>
-          </a:prstGeom>
-        </p:spPr>
-        <p:txBody>
-          <a:bodyPr vert="horz" lIns="91440" tIns="45720" rIns="91440" bIns="45720" rtlCol="0" anchor="ctr">
-            <a:normAutofit/>
-          </a:bodyPr>
-          <a:lstStyle/>
-          <a:p>
-            <a:r>
-              <a:rPr lang="en-US"/>
-              <a:t>Click to edit Master title style</a:t>
-            </a:r>
-            <a:endParaRPr lang="en-US" dirty="0"/>
-          </a:p>
-        </p:txBody>
-      </p:sp>
-      <p:sp>
-        <p:nvSpPr>
-          <p:cNvPr id="3" name="Text Placeholder 2">
-            <a:extLst>
-              <a:ext uri="{FF2B5EF4-FFF2-40B4-BE49-F238E27FC236}">
-                <a16:creationId xmlns:a16="http://schemas.microsoft.com/office/drawing/2014/main" id="{A3877E64-7A05-44DA-81FA-6EF4806BBF0E}"/>
-              </a:ext>
-            </a:extLst>
-          </p:cNvPr>
-          <p:cNvSpPr>
-            <a:spLocks noGrp="1"/>
-          </p:cNvSpPr>
-          <p:nvPr>
-            <p:ph type="body" idx="1"/>
-          </p:nvPr>
-        </p:nvSpPr>
-        <p:spPr>
-          <a:xfrm>
-            <a:off x="777240" y="1825625"/>
-            <a:ext cx="10659110" cy="4351338"/>
-          </a:xfrm>
-          <a:prstGeom prst="rect">
-            <a:avLst/>
-          </a:prstGeom>
-        </p:spPr>
-        <p:txBody>
-          <a:bodyPr vert="horz" lIns="91440" tIns="45720" rIns="91440" bIns="45720" rtlCol="0">
-            <a:normAutofit/>
-          </a:bodyPr>
-          <a:lstStyle/>
-          <a:p>
-            <a:pPr lvl="0"/>
-            <a:r>
-              <a:rPr lang="en-US" dirty="0"/>
-              <a:t>Click to edit Master text styles</a:t>
-            </a:r>
-          </a:p>
-          <a:p>
-            <a:pPr lvl="1"/>
-            <a:r>
-              <a:rPr lang="en-US" dirty="0"/>
-              <a:t>Second level</a:t>
-            </a:r>
-          </a:p>
-          <a:p>
-            <a:pPr lvl="2"/>
-            <a:r>
-              <a:rPr lang="en-US" dirty="0"/>
-              <a:t>Third level</a:t>
-            </a:r>
-          </a:p>
-          <a:p>
-            <a:pPr lvl="3"/>
-            <a:r>
-              <a:rPr lang="en-US" dirty="0"/>
-              <a:t>Fourth level</a:t>
-            </a:r>
-          </a:p>
-          <a:p>
-            <a:pPr lvl="4"/>
-            <a:r>
-              <a:rPr lang="en-US" dirty="0"/>
-              <a:t>Fifth level</a:t>
-            </a:r>
+            <a:endParaRPr lang="en-IN"/>
           </a:p>
         </p:txBody>
       </p:sp>
     </p:spTree>
     <p:extLst>
       <p:ext uri="{BB962C8B-B14F-4D97-AF65-F5344CB8AC3E}">
-        <p14:creationId xmlns:p14="http://schemas.microsoft.com/office/powerpoint/2010/main" val="28901723"/>
+        <p14:creationId xmlns:p14="http://schemas.microsoft.com/office/powerpoint/2010/main" val="913287069"/>
       </p:ext>
     </p:extLst>
   </p:cSld>
   <p:clrMap bg1="lt1" tx1="dk1" bg2="lt2" tx2="dk2" accent1="accent1" accent2="accent2" accent3="accent3" accent4="accent4" accent5="accent5" accent6="accent6" hlink="hlink" folHlink="folHlink"/>
   <p:sldLayoutIdLst>
-    <p:sldLayoutId id="2147483712" r:id="rId1"/>
-    <p:sldLayoutId id="2147483713" r:id="rId2"/>
-    <p:sldLayoutId id="2147483714" r:id="rId3"/>
-    <p:sldLayoutId id="2147483715" r:id="rId4"/>
-    <p:sldLayoutId id="2147483716" r:id="rId5"/>
-    <p:sldLayoutId id="2147483717" r:id="rId6"/>
-    <p:sldLayoutId id="2147483718" r:id="rId7"/>
-    <p:sldLayoutId id="2147483719" r:id="rId8"/>
-    <p:sldLayoutId id="2147483720" r:id="rId9"/>
-    <p:sldLayoutId id="2147483721" r:id="rId10"/>
-    <p:sldLayoutId id="2147483722" r:id="rId11"/>
+    <p:sldLayoutId id="2147483649" r:id="rId1"/>
+    <p:sldLayoutId id="2147483650" r:id="rId2"/>
+    <p:sldLayoutId id="2147483651" r:id="rId3"/>
+    <p:sldLayoutId id="2147483652" r:id="rId4"/>
+    <p:sldLayoutId id="2147483653" r:id="rId5"/>
+    <p:sldLayoutId id="2147483654" r:id="rId6"/>
+    <p:sldLayoutId id="2147483655" r:id="rId7"/>
+    <p:sldLayoutId id="2147483656" r:id="rId8"/>
+    <p:sldLayoutId id="2147483657" r:id="rId9"/>
+    <p:sldLayoutId id="2147483658" r:id="rId10"/>
+    <p:sldLayoutId id="2147483659" r:id="rId11"/>
   </p:sldLayoutIdLst>
-  <p:hf sldNum="0" hdr="0" ftr="0" dt="0"/>
   <p:txStyles>
     <p:titleStyle>
       <a:lvl1pPr algn="l" defTabSz="914400" rtl="0" eaLnBrk="1" latinLnBrk="0" hangingPunct="1">
@@ -4311,9 +3070,9 @@
           <a:spcPct val="0"/>
         </a:spcBef>
         <a:buNone/>
-        <a:defRPr sz="5400" kern="1200">
+        <a:defRPr sz="4400" kern="1200">
           <a:solidFill>
-            <a:schemeClr val="tx2"/>
+            <a:schemeClr val="tx1"/>
           </a:solidFill>
           <a:latin typeface="+mj-lt"/>
           <a:ea typeface="+mj-ea"/>
@@ -4329,17 +3088,11 @@
         <a:spcBef>
           <a:spcPts val="1000"/>
         </a:spcBef>
-        <a:buClr>
-          <a:schemeClr val="tx2">
-            <a:lumMod val="75000"/>
-            <a:lumOff val="25000"/>
-          </a:schemeClr>
-        </a:buClr>
         <a:buFont typeface="Arial" panose="020B0604020202020204" pitchFamily="34" charset="0"/>
         <a:buChar char="•"/>
-        <a:defRPr sz="2000" kern="1200">
+        <a:defRPr sz="2800" kern="1200">
           <a:solidFill>
-            <a:schemeClr val="tx2"/>
+            <a:schemeClr val="tx1"/>
           </a:solidFill>
           <a:latin typeface="+mn-lt"/>
           <a:ea typeface="+mn-ea"/>
@@ -4353,17 +3106,11 @@
         <a:spcBef>
           <a:spcPts val="500"/>
         </a:spcBef>
-        <a:buClr>
-          <a:schemeClr val="tx2">
-            <a:lumMod val="75000"/>
-            <a:lumOff val="25000"/>
-          </a:schemeClr>
-        </a:buClr>
         <a:buFont typeface="Arial" panose="020B0604020202020204" pitchFamily="34" charset="0"/>
         <a:buChar char="•"/>
-        <a:defRPr sz="1800" kern="1200">
+        <a:defRPr sz="2400" kern="1200">
           <a:solidFill>
-            <a:schemeClr val="tx2"/>
+            <a:schemeClr val="tx1"/>
           </a:solidFill>
           <a:latin typeface="+mn-lt"/>
           <a:ea typeface="+mn-ea"/>
@@ -4377,17 +3124,11 @@
         <a:spcBef>
           <a:spcPts val="500"/>
         </a:spcBef>
-        <a:buClr>
-          <a:schemeClr val="tx2">
-            <a:lumMod val="75000"/>
-            <a:lumOff val="25000"/>
-          </a:schemeClr>
-        </a:buClr>
         <a:buFont typeface="Arial" panose="020B0604020202020204" pitchFamily="34" charset="0"/>
         <a:buChar char="•"/>
-        <a:defRPr sz="1600" kern="1200">
+        <a:defRPr sz="2000" kern="1200">
           <a:solidFill>
-            <a:schemeClr val="tx2"/>
+            <a:schemeClr val="tx1"/>
           </a:solidFill>
           <a:latin typeface="+mn-lt"/>
           <a:ea typeface="+mn-ea"/>
@@ -4401,17 +3142,11 @@
         <a:spcBef>
           <a:spcPts val="500"/>
         </a:spcBef>
-        <a:buClr>
-          <a:schemeClr val="tx2">
-            <a:lumMod val="75000"/>
-            <a:lumOff val="25000"/>
-          </a:schemeClr>
-        </a:buClr>
         <a:buFont typeface="Arial" panose="020B0604020202020204" pitchFamily="34" charset="0"/>
         <a:buChar char="•"/>
-        <a:defRPr sz="1400" kern="1200">
+        <a:defRPr sz="1800" kern="1200">
           <a:solidFill>
-            <a:schemeClr val="tx2"/>
+            <a:schemeClr val="tx1"/>
           </a:solidFill>
           <a:latin typeface="+mn-lt"/>
           <a:ea typeface="+mn-ea"/>
@@ -4425,17 +3160,11 @@
         <a:spcBef>
           <a:spcPts val="500"/>
         </a:spcBef>
-        <a:buClr>
-          <a:schemeClr val="tx2">
-            <a:lumMod val="75000"/>
-            <a:lumOff val="25000"/>
-          </a:schemeClr>
-        </a:buClr>
         <a:buFont typeface="Arial" panose="020B0604020202020204" pitchFamily="34" charset="0"/>
         <a:buChar char="•"/>
-        <a:defRPr sz="1400" kern="1200">
+        <a:defRPr sz="1800" kern="1200">
           <a:solidFill>
-            <a:schemeClr val="tx2"/>
+            <a:schemeClr val="tx1"/>
           </a:solidFill>
           <a:latin typeface="+mn-lt"/>
           <a:ea typeface="+mn-ea"/>
@@ -4617,14 +3346,6 @@
 <file path=ppt/slides/slide1.xml><?xml version="1.0" encoding="utf-8"?>
 <p:sld xmlns:a="http://schemas.openxmlformats.org/drawingml/2006/main" xmlns:r="http://schemas.openxmlformats.org/officeDocument/2006/relationships" xmlns:p="http://schemas.openxmlformats.org/presentationml/2006/main">
   <p:cSld>
-    <p:bg>
-      <p:bgPr>
-        <a:solidFill>
-          <a:schemeClr val="bg1"/>
-        </a:solidFill>
-        <a:effectLst/>
-      </p:bgPr>
-    </p:bg>
     <p:spTree>
       <p:nvGrpSpPr>
         <p:cNvPr id="1" name=""/>
@@ -4639,137 +3360,6 @@
           <a:chExt cx="0" cy="0"/>
         </a:xfrm>
       </p:grpSpPr>
-      <p:sp useBgFill="1">
-        <p:nvSpPr>
-          <p:cNvPr id="61" name="Rectangle 48">
-            <a:extLst>
-              <a:ext uri="{FF2B5EF4-FFF2-40B4-BE49-F238E27FC236}">
-                <a16:creationId xmlns:a16="http://schemas.microsoft.com/office/drawing/2014/main" id="{5B9544DE-D5D2-419F-97F9-C3CB8C3179A1}"/>
-              </a:ext>
-              <a:ext uri="{C183D7F6-B498-43B3-948B-1728B52AA6E4}">
-                <adec:decorative xmlns:adec="http://schemas.microsoft.com/office/drawing/2017/decorative" val="1"/>
-              </a:ext>
-            </a:extLst>
-          </p:cNvPr>
-          <p:cNvSpPr>
-            <a:spLocks noGrp="1" noRot="1" noChangeAspect="1" noMove="1" noResize="1" noEditPoints="1" noAdjustHandles="1" noChangeArrowheads="1" noChangeShapeType="1" noTextEdit="1"/>
-          </p:cNvSpPr>
-          <p:nvPr>
-            <p:extLst>
-              <p:ext uri="{386F3935-93C4-4BCD-93E2-E3B085C9AB24}">
-                <p16:designElem xmlns:p16="http://schemas.microsoft.com/office/powerpoint/2015/main" val="1"/>
-              </p:ext>
-            </p:extLst>
-          </p:nvPr>
-        </p:nvSpPr>
-        <p:spPr>
-          <a:xfrm>
-            <a:off x="1524" y="0"/>
-            <a:ext cx="12188952" cy="6858000"/>
-          </a:xfrm>
-          <a:prstGeom prst="rect">
-            <a:avLst/>
-          </a:prstGeom>
-          <a:ln>
-            <a:noFill/>
-          </a:ln>
-        </p:spPr>
-        <p:style>
-          <a:lnRef idx="2">
-            <a:schemeClr val="accent1">
-              <a:shade val="50000"/>
-            </a:schemeClr>
-          </a:lnRef>
-          <a:fillRef idx="1">
-            <a:schemeClr val="accent1"/>
-          </a:fillRef>
-          <a:effectRef idx="0">
-            <a:schemeClr val="accent1"/>
-          </a:effectRef>
-          <a:fontRef idx="minor">
-            <a:schemeClr val="lt1"/>
-          </a:fontRef>
-        </p:style>
-        <p:txBody>
-          <a:bodyPr rtlCol="0" anchor="ctr"/>
-          <a:lstStyle/>
-          <a:p>
-            <a:pPr algn="ctr"/>
-            <a:endParaRPr lang="en-US"/>
-          </a:p>
-        </p:txBody>
-      </p:sp>
-      <p:sp>
-        <p:nvSpPr>
-          <p:cNvPr id="62" name="Rectangle 50">
-            <a:extLst>
-              <a:ext uri="{FF2B5EF4-FFF2-40B4-BE49-F238E27FC236}">
-                <a16:creationId xmlns:a16="http://schemas.microsoft.com/office/drawing/2014/main" id="{C6898C9B-7323-4559-9424-018A10D7988D}"/>
-              </a:ext>
-              <a:ext uri="{C183D7F6-B498-43B3-948B-1728B52AA6E4}">
-                <adec:decorative xmlns:adec="http://schemas.microsoft.com/office/drawing/2017/decorative" val="1"/>
-              </a:ext>
-            </a:extLst>
-          </p:cNvPr>
-          <p:cNvSpPr>
-            <a:spLocks noGrp="1" noRot="1" noChangeAspect="1" noMove="1" noResize="1" noEditPoints="1" noAdjustHandles="1" noChangeArrowheads="1" noChangeShapeType="1" noTextEdit="1"/>
-          </p:cNvSpPr>
-          <p:nvPr>
-            <p:extLst>
-              <p:ext uri="{386F3935-93C4-4BCD-93E2-E3B085C9AB24}">
-                <p16:designElem xmlns:p16="http://schemas.microsoft.com/office/powerpoint/2015/main" val="1"/>
-              </p:ext>
-            </p:extLst>
-          </p:nvPr>
-        </p:nvSpPr>
-        <p:spPr>
-          <a:xfrm>
-            <a:off x="1524" y="0"/>
-            <a:ext cx="12188952" cy="6858000"/>
-          </a:xfrm>
-          <a:prstGeom prst="rect">
-            <a:avLst/>
-          </a:prstGeom>
-          <a:solidFill>
-            <a:schemeClr val="bg2">
-              <a:lumMod val="90000"/>
-              <a:alpha val="30000"/>
-            </a:schemeClr>
-          </a:solidFill>
-          <a:ln>
-            <a:noFill/>
-          </a:ln>
-        </p:spPr>
-        <p:style>
-          <a:lnRef idx="2">
-            <a:schemeClr val="accent1">
-              <a:shade val="50000"/>
-            </a:schemeClr>
-          </a:lnRef>
-          <a:fillRef idx="1">
-            <a:schemeClr val="accent1"/>
-          </a:fillRef>
-          <a:effectRef idx="0">
-            <a:schemeClr val="accent1"/>
-          </a:effectRef>
-          <a:fontRef idx="minor">
-            <a:schemeClr val="lt1"/>
-          </a:fontRef>
-        </p:style>
-        <p:txBody>
-          <a:bodyPr rtlCol="0" anchor="ctr"/>
-          <a:lstStyle/>
-          <a:p>
-            <a:pPr algn="ctr"/>
-            <a:endParaRPr lang="en-US" sz="900">
-              <a:solidFill>
-                <a:schemeClr val="bg1"/>
-              </a:solidFill>
-              <a:latin typeface="+mj-lt"/>
-            </a:endParaRPr>
-          </a:p>
-        </p:txBody>
-      </p:sp>
       <p:sp>
         <p:nvSpPr>
           <p:cNvPr id="2" name="Title 1">
@@ -4835,33 +3425,28 @@
           </a:bodyPr>
           <a:lstStyle/>
           <a:p>
-            <a:pPr algn="r"/>
+            <a:pPr algn="l"/>
             <a:r>
               <a:rPr lang="en-US" b="1" u="sng" dirty="0"/>
-              <a:t>Presented BY</a:t>
-            </a:r>
-          </a:p>
-          <a:p>
-            <a:pPr algn="r"/>
+              <a:t>Presented By</a:t>
+            </a:r>
+          </a:p>
+          <a:p>
+            <a:pPr algn="l"/>
             <a:r>
               <a:rPr lang="en-US" dirty="0"/>
-              <a:t>Kaushal </a:t>
-            </a:r>
-            <a:r>
-              <a:rPr lang="en-US" dirty="0" err="1"/>
-              <a:t>Jeena</a:t>
-            </a:r>
-            <a:endParaRPr lang="en-US" dirty="0"/>
-          </a:p>
-          <a:p>
-            <a:pPr algn="r"/>
+              <a:t>Kaushal Jeena</a:t>
+            </a:r>
+          </a:p>
+          <a:p>
+            <a:pPr algn="l"/>
             <a:r>
               <a:rPr lang="en-US" dirty="0"/>
               <a:t>Vedant Choubey</a:t>
             </a:r>
           </a:p>
           <a:p>
-            <a:pPr algn="r"/>
+            <a:pPr algn="l"/>
             <a:r>
               <a:rPr lang="en-US" dirty="0"/>
               <a:t>Vijay Kumar</a:t>
@@ -4870,349 +3455,6 @@
           </a:p>
         </p:txBody>
       </p:sp>
-      <p:grpSp>
-        <p:nvGrpSpPr>
-          <p:cNvPr id="63" name="decorative circles">
-            <a:extLst>
-              <a:ext uri="{FF2B5EF4-FFF2-40B4-BE49-F238E27FC236}">
-                <a16:creationId xmlns:a16="http://schemas.microsoft.com/office/drawing/2014/main" id="{CD3F8757-46C7-43B2-B5EF-9B85B5C839AB}"/>
-              </a:ext>
-              <a:ext uri="{C183D7F6-B498-43B3-948B-1728B52AA6E4}">
-                <adec:decorative xmlns:adec="http://schemas.microsoft.com/office/drawing/2017/decorative" val="1"/>
-              </a:ext>
-            </a:extLst>
-          </p:cNvPr>
-          <p:cNvGrpSpPr>
-            <a:grpSpLocks noGrp="1" noUngrp="1" noRot="1" noChangeAspect="1" noMove="1" noResize="1"/>
-          </p:cNvGrpSpPr>
-          <p:nvPr>
-            <p:extLst>
-              <p:ext uri="{386F3935-93C4-4BCD-93E2-E3B085C9AB24}">
-                <p16:designElem xmlns:p16="http://schemas.microsoft.com/office/powerpoint/2015/main" val="1"/>
-              </p:ext>
-            </p:extLst>
-          </p:nvPr>
-        </p:nvGrpSpPr>
-        <p:grpSpPr>
-          <a:xfrm>
-            <a:off x="8437008" y="433142"/>
-            <a:ext cx="1122760" cy="6178301"/>
-            <a:chOff x="8437008" y="433142"/>
-            <a:chExt cx="1122760" cy="6178301"/>
-          </a:xfrm>
-        </p:grpSpPr>
-        <p:sp>
-          <p:nvSpPr>
-            <p:cNvPr id="54" name="Oval 53">
-              <a:extLst>
-                <a:ext uri="{FF2B5EF4-FFF2-40B4-BE49-F238E27FC236}">
-                  <a16:creationId xmlns:a16="http://schemas.microsoft.com/office/drawing/2014/main" id="{CC558EDF-DA7F-481C-8D08-2A7156D3F067}"/>
-                </a:ext>
-                <a:ext uri="{C183D7F6-B498-43B3-948B-1728B52AA6E4}">
-                  <adec:decorative xmlns:adec="http://schemas.microsoft.com/office/drawing/2017/decorative" val="1"/>
-                </a:ext>
-              </a:extLst>
-            </p:cNvPr>
-            <p:cNvSpPr/>
-            <p:nvPr>
-              <p:extLst>
-                <p:ext uri="{386F3935-93C4-4BCD-93E2-E3B085C9AB24}">
-                  <p16:designElem xmlns:p16="http://schemas.microsoft.com/office/powerpoint/2015/main" val="1"/>
-                </p:ext>
-              </p:extLst>
-            </p:nvPr>
-          </p:nvSpPr>
-          <p:spPr>
-            <a:xfrm>
-              <a:off x="8575160" y="825175"/>
-              <a:ext cx="466441" cy="466441"/>
-            </a:xfrm>
-            <a:prstGeom prst="ellipse">
-              <a:avLst/>
-            </a:prstGeom>
-            <a:solidFill>
-              <a:schemeClr val="accent2">
-                <a:lumMod val="40000"/>
-                <a:lumOff val="60000"/>
-              </a:schemeClr>
-            </a:solidFill>
-            <a:ln>
-              <a:noFill/>
-            </a:ln>
-          </p:spPr>
-          <p:style>
-            <a:lnRef idx="2">
-              <a:schemeClr val="accent1">
-                <a:shade val="50000"/>
-              </a:schemeClr>
-            </a:lnRef>
-            <a:fillRef idx="1">
-              <a:schemeClr val="accent1"/>
-            </a:fillRef>
-            <a:effectRef idx="0">
-              <a:schemeClr val="accent1"/>
-            </a:effectRef>
-            <a:fontRef idx="minor">
-              <a:schemeClr val="lt1"/>
-            </a:fontRef>
-          </p:style>
-          <p:txBody>
-            <a:bodyPr rtlCol="0" anchor="ctr"/>
-            <a:lstStyle/>
-            <a:p>
-              <a:pPr algn="ctr"/>
-              <a:endParaRPr lang="en-US"/>
-            </a:p>
-          </p:txBody>
-        </p:sp>
-        <p:sp>
-          <p:nvSpPr>
-            <p:cNvPr id="64" name="Oval 54">
-              <a:extLst>
-                <a:ext uri="{FF2B5EF4-FFF2-40B4-BE49-F238E27FC236}">
-                  <a16:creationId xmlns:a16="http://schemas.microsoft.com/office/drawing/2014/main" id="{3DCDAD58-A043-493E-A51B-5A32AB1C535F}"/>
-                </a:ext>
-                <a:ext uri="{C183D7F6-B498-43B3-948B-1728B52AA6E4}">
-                  <adec:decorative xmlns:adec="http://schemas.microsoft.com/office/drawing/2017/decorative" val="1"/>
-                </a:ext>
-              </a:extLst>
-            </p:cNvPr>
-            <p:cNvSpPr/>
-            <p:nvPr>
-              <p:extLst>
-                <p:ext uri="{386F3935-93C4-4BCD-93E2-E3B085C9AB24}">
-                  <p16:designElem xmlns:p16="http://schemas.microsoft.com/office/powerpoint/2015/main" val="1"/>
-                </p:ext>
-              </p:extLst>
-            </p:nvPr>
-          </p:nvSpPr>
-          <p:spPr>
-            <a:xfrm>
-              <a:off x="8628229" y="433142"/>
-              <a:ext cx="113367" cy="113367"/>
-            </a:xfrm>
-            <a:prstGeom prst="ellipse">
-              <a:avLst/>
-            </a:prstGeom>
-            <a:solidFill>
-              <a:srgbClr val="F39E29"/>
-            </a:solidFill>
-            <a:ln>
-              <a:noFill/>
-            </a:ln>
-          </p:spPr>
-          <p:style>
-            <a:lnRef idx="2">
-              <a:schemeClr val="accent1">
-                <a:shade val="50000"/>
-              </a:schemeClr>
-            </a:lnRef>
-            <a:fillRef idx="1">
-              <a:schemeClr val="accent1"/>
-            </a:fillRef>
-            <a:effectRef idx="0">
-              <a:schemeClr val="accent1"/>
-            </a:effectRef>
-            <a:fontRef idx="minor">
-              <a:schemeClr val="lt1"/>
-            </a:fontRef>
-          </p:style>
-          <p:txBody>
-            <a:bodyPr rtlCol="0" anchor="ctr"/>
-            <a:lstStyle/>
-            <a:p>
-              <a:pPr algn="ctr"/>
-              <a:endParaRPr lang="en-US"/>
-            </a:p>
-          </p:txBody>
-        </p:sp>
-        <p:sp>
-          <p:nvSpPr>
-            <p:cNvPr id="56" name="Oval 55">
-              <a:extLst>
-                <a:ext uri="{FF2B5EF4-FFF2-40B4-BE49-F238E27FC236}">
-                  <a16:creationId xmlns:a16="http://schemas.microsoft.com/office/drawing/2014/main" id="{D56CBC24-7B7A-405B-8EB6-1A5FD7BE49C0}"/>
-                </a:ext>
-                <a:ext uri="{C183D7F6-B498-43B3-948B-1728B52AA6E4}">
-                  <adec:decorative xmlns:adec="http://schemas.microsoft.com/office/drawing/2017/decorative" val="1"/>
-                </a:ext>
-              </a:extLst>
-            </p:cNvPr>
-            <p:cNvSpPr/>
-            <p:nvPr>
-              <p:extLst>
-                <p:ext uri="{386F3935-93C4-4BCD-93E2-E3B085C9AB24}">
-                  <p16:designElem xmlns:p16="http://schemas.microsoft.com/office/powerpoint/2015/main" val="1"/>
-                </p:ext>
-              </p:extLst>
-            </p:nvPr>
-          </p:nvSpPr>
-          <p:spPr>
-            <a:xfrm>
-              <a:off x="8437008" y="5719481"/>
-              <a:ext cx="226735" cy="226735"/>
-            </a:xfrm>
-            <a:prstGeom prst="ellipse">
-              <a:avLst/>
-            </a:prstGeom>
-            <a:solidFill>
-              <a:schemeClr val="accent2">
-                <a:lumMod val="60000"/>
-                <a:lumOff val="40000"/>
-              </a:schemeClr>
-            </a:solidFill>
-            <a:ln>
-              <a:noFill/>
-            </a:ln>
-          </p:spPr>
-          <p:style>
-            <a:lnRef idx="2">
-              <a:schemeClr val="accent1">
-                <a:shade val="50000"/>
-              </a:schemeClr>
-            </a:lnRef>
-            <a:fillRef idx="1">
-              <a:schemeClr val="accent1"/>
-            </a:fillRef>
-            <a:effectRef idx="0">
-              <a:schemeClr val="accent1"/>
-            </a:effectRef>
-            <a:fontRef idx="minor">
-              <a:schemeClr val="lt1"/>
-            </a:fontRef>
-          </p:style>
-          <p:txBody>
-            <a:bodyPr rtlCol="0" anchor="ctr"/>
-            <a:lstStyle/>
-            <a:p>
-              <a:pPr algn="ctr"/>
-              <a:endParaRPr lang="en-US"/>
-            </a:p>
-          </p:txBody>
-        </p:sp>
-        <p:sp>
-          <p:nvSpPr>
-            <p:cNvPr id="65" name="Oval 56">
-              <a:extLst>
-                <a:ext uri="{FF2B5EF4-FFF2-40B4-BE49-F238E27FC236}">
-                  <a16:creationId xmlns:a16="http://schemas.microsoft.com/office/drawing/2014/main" id="{F1EFB3FA-A08C-47F2-B71D-3556F253C137}"/>
-                </a:ext>
-                <a:ext uri="{C183D7F6-B498-43B3-948B-1728B52AA6E4}">
-                  <adec:decorative xmlns:adec="http://schemas.microsoft.com/office/drawing/2017/decorative" val="1"/>
-                </a:ext>
-              </a:extLst>
-            </p:cNvPr>
-            <p:cNvSpPr/>
-            <p:nvPr>
-              <p:extLst>
-                <p:ext uri="{386F3935-93C4-4BCD-93E2-E3B085C9AB24}">
-                  <p16:designElem xmlns:p16="http://schemas.microsoft.com/office/powerpoint/2015/main" val="1"/>
-                </p:ext>
-              </p:extLst>
-            </p:nvPr>
-          </p:nvSpPr>
-          <p:spPr>
-            <a:xfrm>
-              <a:off x="9093327" y="6145002"/>
-              <a:ext cx="466441" cy="466441"/>
-            </a:xfrm>
-            <a:prstGeom prst="ellipse">
-              <a:avLst/>
-            </a:prstGeom>
-            <a:solidFill>
-              <a:schemeClr val="accent1"/>
-            </a:solidFill>
-            <a:ln>
-              <a:noFill/>
-            </a:ln>
-          </p:spPr>
-          <p:style>
-            <a:lnRef idx="2">
-              <a:schemeClr val="accent1">
-                <a:shade val="50000"/>
-              </a:schemeClr>
-            </a:lnRef>
-            <a:fillRef idx="1">
-              <a:schemeClr val="accent1"/>
-            </a:fillRef>
-            <a:effectRef idx="0">
-              <a:schemeClr val="accent1"/>
-            </a:effectRef>
-            <a:fontRef idx="minor">
-              <a:schemeClr val="lt1"/>
-            </a:fontRef>
-          </p:style>
-          <p:txBody>
-            <a:bodyPr rtlCol="0" anchor="ctr"/>
-            <a:lstStyle/>
-            <a:p>
-              <a:pPr algn="ctr"/>
-              <a:endParaRPr lang="en-US"/>
-            </a:p>
-          </p:txBody>
-        </p:sp>
-        <p:sp>
-          <p:nvSpPr>
-            <p:cNvPr id="58" name="Oval 57">
-              <a:extLst>
-                <a:ext uri="{FF2B5EF4-FFF2-40B4-BE49-F238E27FC236}">
-                  <a16:creationId xmlns:a16="http://schemas.microsoft.com/office/drawing/2014/main" id="{D36554C6-9AC1-4C2E-AE7F-040BCB6CED86}"/>
-                </a:ext>
-                <a:ext uri="{C183D7F6-B498-43B3-948B-1728B52AA6E4}">
-                  <adec:decorative xmlns:adec="http://schemas.microsoft.com/office/drawing/2017/decorative" val="1"/>
-                </a:ext>
-              </a:extLst>
-            </p:cNvPr>
-            <p:cNvSpPr/>
-            <p:nvPr>
-              <p:extLst>
-                <p:ext uri="{386F3935-93C4-4BCD-93E2-E3B085C9AB24}">
-                  <p16:designElem xmlns:p16="http://schemas.microsoft.com/office/powerpoint/2015/main" val="1"/>
-                </p:ext>
-              </p:extLst>
-            </p:nvPr>
-          </p:nvSpPr>
-          <p:spPr>
-            <a:xfrm>
-              <a:off x="8896963" y="5817067"/>
-              <a:ext cx="113367" cy="113367"/>
-            </a:xfrm>
-            <a:prstGeom prst="ellipse">
-              <a:avLst/>
-            </a:prstGeom>
-            <a:solidFill>
-              <a:schemeClr val="accent3"/>
-            </a:solidFill>
-            <a:ln>
-              <a:noFill/>
-            </a:ln>
-          </p:spPr>
-          <p:style>
-            <a:lnRef idx="2">
-              <a:schemeClr val="accent1">
-                <a:shade val="50000"/>
-              </a:schemeClr>
-            </a:lnRef>
-            <a:fillRef idx="1">
-              <a:schemeClr val="accent1"/>
-            </a:fillRef>
-            <a:effectRef idx="0">
-              <a:schemeClr val="accent1"/>
-            </a:effectRef>
-            <a:fontRef idx="minor">
-              <a:schemeClr val="lt1"/>
-            </a:fontRef>
-          </p:style>
-          <p:txBody>
-            <a:bodyPr rtlCol="0" anchor="ctr"/>
-            <a:lstStyle/>
-            <a:p>
-              <a:pPr algn="ctr"/>
-              <a:endParaRPr lang="en-US"/>
-            </a:p>
-          </p:txBody>
-        </p:sp>
-      </p:grpSp>
       <p:pic>
         <p:nvPicPr>
           <p:cNvPr id="4" name="Picture 3" descr="Sphere of mesh and nodes">
@@ -5311,8 +3553,8 @@
         </p:blipFill>
         <p:spPr>
           <a:xfrm>
-            <a:off x="135059" y="140677"/>
-            <a:ext cx="6912855" cy="2206154"/>
+            <a:off x="1785251" y="140677"/>
+            <a:ext cx="4469363" cy="2206154"/>
           </a:xfrm>
           <a:prstGeom prst="rect">
             <a:avLst/>
@@ -5332,10 +3574,1857 @@
 </p:sld>
 </file>
 
+<file path=ppt/slides/slide10.xml><?xml version="1.0" encoding="utf-8"?>
+<p:sld xmlns:a="http://schemas.openxmlformats.org/drawingml/2006/main" xmlns:r="http://schemas.openxmlformats.org/officeDocument/2006/relationships" xmlns:p="http://schemas.openxmlformats.org/presentationml/2006/main">
+  <p:cSld>
+    <p:spTree>
+      <p:nvGrpSpPr>
+        <p:cNvPr id="1" name=""/>
+        <p:cNvGrpSpPr/>
+        <p:nvPr/>
+      </p:nvGrpSpPr>
+      <p:grpSpPr>
+        <a:xfrm>
+          <a:off x="0" y="0"/>
+          <a:ext cx="0" cy="0"/>
+          <a:chOff x="0" y="0"/>
+          <a:chExt cx="0" cy="0"/>
+        </a:xfrm>
+      </p:grpSpPr>
+      <p:sp>
+        <p:nvSpPr>
+          <p:cNvPr id="2" name="Title 1">
+            <a:extLst>
+              <a:ext uri="{FF2B5EF4-FFF2-40B4-BE49-F238E27FC236}">
+                <a16:creationId xmlns:a16="http://schemas.microsoft.com/office/drawing/2014/main" id="{A842F64F-AF79-F2FE-25BE-BA188D53ED00}"/>
+              </a:ext>
+            </a:extLst>
+          </p:cNvPr>
+          <p:cNvSpPr>
+            <a:spLocks noGrp="1"/>
+          </p:cNvSpPr>
+          <p:nvPr>
+            <p:ph type="title"/>
+          </p:nvPr>
+        </p:nvSpPr>
+        <p:spPr/>
+        <p:txBody>
+          <a:bodyPr>
+            <a:normAutofit fontScale="90000"/>
+          </a:bodyPr>
+          <a:lstStyle/>
+          <a:p>
+            <a:r>
+              <a:rPr lang="en-US" b="1" i="0" u="sng" dirty="0">
+                <a:solidFill>
+                  <a:srgbClr val="000000"/>
+                </a:solidFill>
+                <a:effectLst/>
+                <a:latin typeface="Helvetica Neue"/>
+              </a:rPr>
+              <a:t>Correlation barplot with 'enrolled' feature:</a:t>
+            </a:r>
+            <a:br>
+              <a:rPr lang="en-US" b="1" i="0" dirty="0">
+                <a:solidFill>
+                  <a:srgbClr val="000000"/>
+                </a:solidFill>
+                <a:effectLst/>
+                <a:latin typeface="Helvetica Neue"/>
+              </a:rPr>
+            </a:br>
+            <a:endParaRPr lang="en-IN" dirty="0"/>
+          </a:p>
+        </p:txBody>
+      </p:sp>
+      <p:pic>
+        <p:nvPicPr>
+          <p:cNvPr id="3074" name="Picture 2">
+            <a:extLst>
+              <a:ext uri="{FF2B5EF4-FFF2-40B4-BE49-F238E27FC236}">
+                <a16:creationId xmlns:a16="http://schemas.microsoft.com/office/drawing/2014/main" id="{503DA7CE-3D2F-9430-7BB9-D47A4E9F57A3}"/>
+              </a:ext>
+            </a:extLst>
+          </p:cNvPr>
+          <p:cNvPicPr>
+            <a:picLocks noGrp="1" noChangeAspect="1" noChangeArrowheads="1"/>
+          </p:cNvPicPr>
+          <p:nvPr>
+            <p:ph idx="1"/>
+          </p:nvPr>
+        </p:nvPicPr>
+        <p:blipFill>
+          <a:blip r:embed="rId2">
+            <a:extLst>
+              <a:ext uri="{28A0092B-C50C-407E-A947-70E740481C1C}">
+                <a14:useLocalDpi xmlns:a14="http://schemas.microsoft.com/office/drawing/2010/main" val="0"/>
+              </a:ext>
+            </a:extLst>
+          </a:blip>
+          <a:srcRect/>
+          <a:stretch>
+            <a:fillRect/>
+          </a:stretch>
+        </p:blipFill>
+        <p:spPr bwMode="auto">
+          <a:xfrm>
+            <a:off x="671804" y="1492898"/>
+            <a:ext cx="10515600" cy="4740049"/>
+          </a:xfrm>
+          <a:prstGeom prst="rect">
+            <a:avLst/>
+          </a:prstGeom>
+          <a:noFill/>
+          <a:extLst>
+            <a:ext uri="{909E8E84-426E-40DD-AFC4-6F175D3DCCD1}">
+              <a14:hiddenFill xmlns:a14="http://schemas.microsoft.com/office/drawing/2010/main">
+                <a:solidFill>
+                  <a:srgbClr val="FFFFFF"/>
+                </a:solidFill>
+              </a14:hiddenFill>
+            </a:ext>
+          </a:extLst>
+        </p:spPr>
+      </p:pic>
+    </p:spTree>
+    <p:extLst>
+      <p:ext uri="{BB962C8B-B14F-4D97-AF65-F5344CB8AC3E}">
+        <p14:creationId xmlns:p14="http://schemas.microsoft.com/office/powerpoint/2010/main" val="1203874676"/>
+      </p:ext>
+    </p:extLst>
+  </p:cSld>
+  <p:clrMapOvr>
+    <a:masterClrMapping/>
+  </p:clrMapOvr>
+</p:sld>
+</file>
+
+<file path=ppt/slides/slide11.xml><?xml version="1.0" encoding="utf-8"?>
+<p:sld xmlns:a="http://schemas.openxmlformats.org/drawingml/2006/main" xmlns:r="http://schemas.openxmlformats.org/officeDocument/2006/relationships" xmlns:p="http://schemas.openxmlformats.org/presentationml/2006/main">
+  <p:cSld>
+    <p:spTree>
+      <p:nvGrpSpPr>
+        <p:cNvPr id="1" name=""/>
+        <p:cNvGrpSpPr/>
+        <p:nvPr/>
+      </p:nvGrpSpPr>
+      <p:grpSpPr>
+        <a:xfrm>
+          <a:off x="0" y="0"/>
+          <a:ext cx="0" cy="0"/>
+          <a:chOff x="0" y="0"/>
+          <a:chExt cx="0" cy="0"/>
+        </a:xfrm>
+      </p:grpSpPr>
+      <p:sp>
+        <p:nvSpPr>
+          <p:cNvPr id="2" name="Title 1">
+            <a:extLst>
+              <a:ext uri="{FF2B5EF4-FFF2-40B4-BE49-F238E27FC236}">
+                <a16:creationId xmlns:a16="http://schemas.microsoft.com/office/drawing/2014/main" id="{C1789B48-9CD6-73B5-DD56-8199A654845D}"/>
+              </a:ext>
+            </a:extLst>
+          </p:cNvPr>
+          <p:cNvSpPr>
+            <a:spLocks noGrp="1"/>
+          </p:cNvSpPr>
+          <p:nvPr>
+            <p:ph type="title"/>
+          </p:nvPr>
+        </p:nvSpPr>
+        <p:spPr>
+          <a:xfrm>
+            <a:off x="838200" y="365125"/>
+            <a:ext cx="10515600" cy="1249071"/>
+          </a:xfrm>
+        </p:spPr>
+        <p:txBody>
+          <a:bodyPr/>
+          <a:lstStyle/>
+          <a:p>
+            <a:r>
+              <a:rPr lang="en-US" sz="4000" b="0" i="0" u="sng" dirty="0">
+                <a:effectLst/>
+                <a:latin typeface="Helvetica Neue"/>
+              </a:rPr>
+              <a:t>Observations:</a:t>
+            </a:r>
+            <a:br>
+              <a:rPr lang="en-US" b="0" i="0" dirty="0">
+                <a:effectLst/>
+                <a:latin typeface="-apple-system"/>
+              </a:rPr>
+            </a:br>
+            <a:endParaRPr lang="en-IN" dirty="0"/>
+          </a:p>
+        </p:txBody>
+      </p:sp>
+      <p:sp>
+        <p:nvSpPr>
+          <p:cNvPr id="3" name="Content Placeholder 2">
+            <a:extLst>
+              <a:ext uri="{FF2B5EF4-FFF2-40B4-BE49-F238E27FC236}">
+                <a16:creationId xmlns:a16="http://schemas.microsoft.com/office/drawing/2014/main" id="{2E41F6DD-BF7D-5D10-8697-10CA158CD00E}"/>
+              </a:ext>
+            </a:extLst>
+          </p:cNvPr>
+          <p:cNvSpPr>
+            <a:spLocks noGrp="1"/>
+          </p:cNvSpPr>
+          <p:nvPr>
+            <p:ph idx="1"/>
+          </p:nvPr>
+        </p:nvSpPr>
+        <p:spPr>
+          <a:xfrm>
+            <a:off x="838200" y="1054359"/>
+            <a:ext cx="10515600" cy="5122604"/>
+          </a:xfrm>
+        </p:spPr>
+        <p:txBody>
+          <a:bodyPr>
+            <a:normAutofit fontScale="77500" lnSpcReduction="20000"/>
+          </a:bodyPr>
+          <a:lstStyle/>
+          <a:p>
+            <a:pPr algn="l">
+              <a:buFont typeface="Arial" panose="020B0604020202020204" pitchFamily="34" charset="0"/>
+              <a:buChar char="•"/>
+            </a:pPr>
+            <a:r>
+              <a:rPr lang="en-US" sz="3300" b="0" i="0" dirty="0">
+                <a:effectLst/>
+                <a:latin typeface="-apple-system"/>
+              </a:rPr>
+              <a:t>dayofweek is least positively correlated &amp; says that if you join the app in day 0(sunday) then their is most likely to get enrolled to the premium features</a:t>
+            </a:r>
+          </a:p>
+          <a:p>
+            <a:pPr algn="l">
+              <a:buFont typeface="Arial" panose="020B0604020202020204" pitchFamily="34" charset="0"/>
+              <a:buChar char="•"/>
+            </a:pPr>
+            <a:r>
+              <a:rPr lang="en-US" sz="3300" b="0" i="0" dirty="0">
+                <a:effectLst/>
+                <a:latin typeface="-apple-system"/>
+              </a:rPr>
+              <a:t>Hour is negatively correlated with target variable shows the earlier the hour(in night) the most likely to get enrolled</a:t>
+            </a:r>
+          </a:p>
+          <a:p>
+            <a:pPr algn="l">
+              <a:buFont typeface="Arial" panose="020B0604020202020204" pitchFamily="34" charset="0"/>
+              <a:buChar char="•"/>
+            </a:pPr>
+            <a:r>
+              <a:rPr lang="en-US" sz="3300" b="0" i="0" dirty="0">
+                <a:effectLst/>
+                <a:latin typeface="-apple-system"/>
+              </a:rPr>
+              <a:t>age is also negatively correlated reflects that the younger users are most likely to get enrolled</a:t>
+            </a:r>
+          </a:p>
+          <a:p>
+            <a:pPr algn="l">
+              <a:buFont typeface="Arial" panose="020B0604020202020204" pitchFamily="34" charset="0"/>
+              <a:buChar char="•"/>
+            </a:pPr>
+            <a:r>
+              <a:rPr lang="en-US" sz="3300" b="0" i="0" dirty="0">
+                <a:effectLst/>
+                <a:latin typeface="-apple-system"/>
+              </a:rPr>
+              <a:t>Numscreen is positively correlated with target shows that more the no. of screen user visits more chances of getting enrolled</a:t>
+            </a:r>
+          </a:p>
+          <a:p>
+            <a:pPr algn="l">
+              <a:buFont typeface="Arial" panose="020B0604020202020204" pitchFamily="34" charset="0"/>
+              <a:buChar char="•"/>
+            </a:pPr>
+            <a:r>
+              <a:rPr lang="en-US" sz="3300" b="0" i="0" dirty="0">
+                <a:effectLst/>
+                <a:latin typeface="-apple-system"/>
+              </a:rPr>
+              <a:t>minigame also shows that more the minigame user play more chances of getting enrolled</a:t>
+            </a:r>
+          </a:p>
+          <a:p>
+            <a:pPr algn="l">
+              <a:buFont typeface="Arial" panose="020B0604020202020204" pitchFamily="34" charset="0"/>
+              <a:buChar char="•"/>
+            </a:pPr>
+            <a:r>
+              <a:rPr lang="en-US" sz="3300" b="0" i="0" dirty="0">
+                <a:effectLst/>
+                <a:latin typeface="-apple-system"/>
+              </a:rPr>
+              <a:t>liked is very least negative which does not have much impact in target</a:t>
+            </a:r>
+          </a:p>
+          <a:p>
+            <a:pPr algn="l">
+              <a:buFont typeface="Arial" panose="020B0604020202020204" pitchFamily="34" charset="0"/>
+              <a:buChar char="•"/>
+            </a:pPr>
+            <a:r>
+              <a:rPr lang="en-US" sz="3300" b="0" i="0" dirty="0">
+                <a:effectLst/>
+                <a:latin typeface="-apple-system"/>
+              </a:rPr>
+              <a:t>interestingly used_premium_feature is negatively correlated with response meaning that if user used the premium feature in 1st 24 hour that he/she might not enroll after the trial version of premium features</a:t>
+            </a:r>
+          </a:p>
+          <a:p>
+            <a:endParaRPr lang="en-IN" dirty="0"/>
+          </a:p>
+        </p:txBody>
+      </p:sp>
+    </p:spTree>
+    <p:extLst>
+      <p:ext uri="{BB962C8B-B14F-4D97-AF65-F5344CB8AC3E}">
+        <p14:creationId xmlns:p14="http://schemas.microsoft.com/office/powerpoint/2010/main" val="860530670"/>
+      </p:ext>
+    </p:extLst>
+  </p:cSld>
+  <p:clrMapOvr>
+    <a:masterClrMapping/>
+  </p:clrMapOvr>
+</p:sld>
+</file>
+
+<file path=ppt/slides/slide12.xml><?xml version="1.0" encoding="utf-8"?>
+<p:sld xmlns:a="http://schemas.openxmlformats.org/drawingml/2006/main" xmlns:r="http://schemas.openxmlformats.org/officeDocument/2006/relationships" xmlns:p="http://schemas.openxmlformats.org/presentationml/2006/main">
+  <p:cSld>
+    <p:spTree>
+      <p:nvGrpSpPr>
+        <p:cNvPr id="1" name=""/>
+        <p:cNvGrpSpPr/>
+        <p:nvPr/>
+      </p:nvGrpSpPr>
+      <p:grpSpPr>
+        <a:xfrm>
+          <a:off x="0" y="0"/>
+          <a:ext cx="0" cy="0"/>
+          <a:chOff x="0" y="0"/>
+          <a:chExt cx="0" cy="0"/>
+        </a:xfrm>
+      </p:grpSpPr>
+      <p:sp>
+        <p:nvSpPr>
+          <p:cNvPr id="2" name="Title 1">
+            <a:extLst>
+              <a:ext uri="{FF2B5EF4-FFF2-40B4-BE49-F238E27FC236}">
+                <a16:creationId xmlns:a16="http://schemas.microsoft.com/office/drawing/2014/main" id="{D3D6EFFB-09B0-C083-72C9-A4F1162B21B8}"/>
+              </a:ext>
+            </a:extLst>
+          </p:cNvPr>
+          <p:cNvSpPr>
+            <a:spLocks noGrp="1"/>
+          </p:cNvSpPr>
+          <p:nvPr>
+            <p:ph type="ctrTitle"/>
+          </p:nvPr>
+        </p:nvSpPr>
+        <p:spPr>
+          <a:xfrm>
+            <a:off x="615820" y="339365"/>
+            <a:ext cx="11224246" cy="789639"/>
+          </a:xfrm>
+        </p:spPr>
+        <p:txBody>
+          <a:bodyPr>
+            <a:normAutofit/>
+          </a:bodyPr>
+          <a:lstStyle/>
+          <a:p>
+            <a:pPr algn="l"/>
+            <a:r>
+              <a:rPr lang="en-IN" sz="4000" u="sng" dirty="0">
+                <a:latin typeface="Helvetica Neue"/>
+              </a:rPr>
+              <a:t>Machine learning algorithms  used :</a:t>
+            </a:r>
+          </a:p>
+        </p:txBody>
+      </p:sp>
+      <p:sp>
+        <p:nvSpPr>
+          <p:cNvPr id="3" name="Subtitle 2">
+            <a:extLst>
+              <a:ext uri="{FF2B5EF4-FFF2-40B4-BE49-F238E27FC236}">
+                <a16:creationId xmlns:a16="http://schemas.microsoft.com/office/drawing/2014/main" id="{BBD27D32-9F35-B9C8-5D2B-92684C74E527}"/>
+              </a:ext>
+            </a:extLst>
+          </p:cNvPr>
+          <p:cNvSpPr>
+            <a:spLocks noGrp="1"/>
+          </p:cNvSpPr>
+          <p:nvPr>
+            <p:ph type="subTitle" idx="1"/>
+          </p:nvPr>
+        </p:nvSpPr>
+        <p:spPr>
+          <a:xfrm>
+            <a:off x="662954" y="1306286"/>
+            <a:ext cx="11224246" cy="5281125"/>
+          </a:xfrm>
+        </p:spPr>
+        <p:txBody>
+          <a:bodyPr>
+            <a:normAutofit fontScale="85000" lnSpcReduction="20000"/>
+          </a:bodyPr>
+          <a:lstStyle/>
+          <a:p>
+            <a:pPr algn="just"/>
+            <a:r>
+              <a:rPr lang="en-US" sz="3300" b="0" i="0" u="none" strike="noStrike" dirty="0">
+                <a:solidFill>
+                  <a:srgbClr val="000000"/>
+                </a:solidFill>
+                <a:effectLst/>
+              </a:rPr>
+              <a:t>The target variable is categorical type 0 and 1, so we have to use supervised classification algorithms.</a:t>
+            </a:r>
+          </a:p>
+          <a:p>
+            <a:pPr algn="just"/>
+            <a:r>
+              <a:rPr lang="en-US" sz="3300" b="0" i="0" u="none" strike="noStrike" dirty="0">
+                <a:solidFill>
+                  <a:srgbClr val="000000"/>
+                </a:solidFill>
+                <a:effectLst/>
+              </a:rPr>
+              <a:t>To build the best model, we have to train and test the dataset with multiple Machine Learning algorithms then we can find the best ML model. </a:t>
+            </a:r>
+          </a:p>
+          <a:p>
+            <a:pPr algn="just"/>
+            <a:r>
+              <a:rPr lang="en-US" sz="3300" b="0" i="0" u="none" strike="noStrike" dirty="0">
+                <a:solidFill>
+                  <a:srgbClr val="000000"/>
+                </a:solidFill>
+                <a:effectLst/>
+              </a:rPr>
+              <a:t>We have data imbalancing in our data so we decide to use tree based classification algorithms </a:t>
+            </a:r>
+          </a:p>
+          <a:p>
+            <a:pPr algn="l"/>
+            <a:r>
+              <a:rPr lang="en-IN" sz="2800" dirty="0">
+                <a:solidFill>
+                  <a:schemeClr val="tx1"/>
+                </a:solidFill>
+              </a:rPr>
+              <a:t>                      </a:t>
+            </a:r>
+          </a:p>
+          <a:p>
+            <a:pPr marL="342900" indent="-342900" algn="l">
+              <a:buFont typeface="Arial" panose="020B0604020202020204" pitchFamily="34" charset="0"/>
+              <a:buChar char="•"/>
+            </a:pPr>
+            <a:r>
+              <a:rPr lang="en-IN" sz="2800" dirty="0">
+                <a:solidFill>
+                  <a:schemeClr val="tx1"/>
+                </a:solidFill>
+              </a:rPr>
+              <a:t>SVM(support vector machine)</a:t>
+            </a:r>
+          </a:p>
+          <a:p>
+            <a:pPr marL="342900" indent="-342900" algn="l">
+              <a:buFont typeface="Arial" panose="020B0604020202020204" pitchFamily="34" charset="0"/>
+              <a:buChar char="•"/>
+            </a:pPr>
+            <a:r>
+              <a:rPr lang="en-IN" sz="2800" dirty="0">
+                <a:solidFill>
+                  <a:schemeClr val="tx1"/>
+                </a:solidFill>
+              </a:rPr>
+              <a:t>Random forest</a:t>
+            </a:r>
+          </a:p>
+          <a:p>
+            <a:pPr marL="342900" indent="-342900" algn="l">
+              <a:buFont typeface="Arial" panose="020B0604020202020204" pitchFamily="34" charset="0"/>
+              <a:buChar char="•"/>
+            </a:pPr>
+            <a:r>
+              <a:rPr lang="en-IN" sz="2800" dirty="0">
+                <a:solidFill>
+                  <a:schemeClr val="tx1"/>
+                </a:solidFill>
+              </a:rPr>
+              <a:t>XG Boost</a:t>
+            </a:r>
+          </a:p>
+          <a:p>
+            <a:pPr marL="342900" indent="-342900" algn="l">
+              <a:buFont typeface="Arial" panose="020B0604020202020204" pitchFamily="34" charset="0"/>
+              <a:buChar char="•"/>
+            </a:pPr>
+            <a:r>
+              <a:rPr lang="en-IN" sz="2800" dirty="0">
+                <a:solidFill>
+                  <a:schemeClr val="tx1"/>
+                </a:solidFill>
+              </a:rPr>
+              <a:t>KN-Nearest </a:t>
+            </a:r>
+            <a:br>
+              <a:rPr lang="en-IN" dirty="0">
+                <a:solidFill>
+                  <a:schemeClr val="tx1"/>
+                </a:solidFill>
+              </a:rPr>
+            </a:br>
+            <a:endParaRPr lang="en-IN" dirty="0">
+              <a:solidFill>
+                <a:schemeClr val="tx1"/>
+              </a:solidFill>
+            </a:endParaRPr>
+          </a:p>
+          <a:p>
+            <a:pPr algn="l"/>
+            <a:endParaRPr lang="en-IN" dirty="0">
+              <a:solidFill>
+                <a:schemeClr val="tx1"/>
+              </a:solidFill>
+            </a:endParaRPr>
+          </a:p>
+          <a:p>
+            <a:pPr algn="l"/>
+            <a:r>
+              <a:rPr lang="en-IN" dirty="0"/>
+              <a:t> </a:t>
+            </a:r>
+            <a:endParaRPr lang="en-IN" dirty="0">
+              <a:solidFill>
+                <a:schemeClr val="tx1"/>
+              </a:solidFill>
+            </a:endParaRPr>
+          </a:p>
+          <a:p>
+            <a:pPr marL="342900" indent="-342900">
+              <a:buFont typeface="Arial" panose="020B0604020202020204" pitchFamily="34" charset="0"/>
+              <a:buChar char="•"/>
+            </a:pPr>
+            <a:endParaRPr lang="en-IN" dirty="0"/>
+          </a:p>
+        </p:txBody>
+      </p:sp>
+    </p:spTree>
+    <p:extLst>
+      <p:ext uri="{BB962C8B-B14F-4D97-AF65-F5344CB8AC3E}">
+        <p14:creationId xmlns:p14="http://schemas.microsoft.com/office/powerpoint/2010/main" val="3126523191"/>
+      </p:ext>
+    </p:extLst>
+  </p:cSld>
+  <p:clrMapOvr>
+    <a:masterClrMapping/>
+  </p:clrMapOvr>
+</p:sld>
+</file>
+
+<file path=ppt/slides/slide13.xml><?xml version="1.0" encoding="utf-8"?>
+<p:sld xmlns:a="http://schemas.openxmlformats.org/drawingml/2006/main" xmlns:r="http://schemas.openxmlformats.org/officeDocument/2006/relationships" xmlns:p="http://schemas.openxmlformats.org/presentationml/2006/main">
+  <p:cSld>
+    <p:spTree>
+      <p:nvGrpSpPr>
+        <p:cNvPr id="1" name=""/>
+        <p:cNvGrpSpPr/>
+        <p:nvPr/>
+      </p:nvGrpSpPr>
+      <p:grpSpPr>
+        <a:xfrm>
+          <a:off x="0" y="0"/>
+          <a:ext cx="0" cy="0"/>
+          <a:chOff x="0" y="0"/>
+          <a:chExt cx="0" cy="0"/>
+        </a:xfrm>
+      </p:grpSpPr>
+      <p:sp>
+        <p:nvSpPr>
+          <p:cNvPr id="2" name="Title 1">
+            <a:extLst>
+              <a:ext uri="{FF2B5EF4-FFF2-40B4-BE49-F238E27FC236}">
+                <a16:creationId xmlns:a16="http://schemas.microsoft.com/office/drawing/2014/main" id="{192454EF-E1F8-8778-5A81-F5C0540C0BF5}"/>
+              </a:ext>
+            </a:extLst>
+          </p:cNvPr>
+          <p:cNvSpPr>
+            <a:spLocks noGrp="1"/>
+          </p:cNvSpPr>
+          <p:nvPr>
+            <p:ph type="title"/>
+          </p:nvPr>
+        </p:nvSpPr>
+        <p:spPr>
+          <a:xfrm>
+            <a:off x="634482" y="-1913"/>
+            <a:ext cx="11521099" cy="831474"/>
+          </a:xfrm>
+        </p:spPr>
+        <p:txBody>
+          <a:bodyPr>
+            <a:normAutofit/>
+          </a:bodyPr>
+          <a:lstStyle/>
+          <a:p>
+            <a:r>
+              <a:rPr lang="en-IN" sz="4000" u="sng" dirty="0">
+                <a:latin typeface="Helvetica Neue"/>
+              </a:rPr>
+              <a:t>CONCLUSION:</a:t>
+            </a:r>
+          </a:p>
+        </p:txBody>
+      </p:sp>
+      <p:sp>
+        <p:nvSpPr>
+          <p:cNvPr id="3" name="Content Placeholder 2">
+            <a:extLst>
+              <a:ext uri="{FF2B5EF4-FFF2-40B4-BE49-F238E27FC236}">
+                <a16:creationId xmlns:a16="http://schemas.microsoft.com/office/drawing/2014/main" id="{76F57EA7-B3C9-0939-EC4E-E6C0CA1ADD52}"/>
+              </a:ext>
+            </a:extLst>
+          </p:cNvPr>
+          <p:cNvSpPr>
+            <a:spLocks noGrp="1"/>
+          </p:cNvSpPr>
+          <p:nvPr>
+            <p:ph idx="1"/>
+          </p:nvPr>
+        </p:nvSpPr>
+        <p:spPr>
+          <a:xfrm>
+            <a:off x="634482" y="942683"/>
+            <a:ext cx="10692881" cy="1696823"/>
+          </a:xfrm>
+        </p:spPr>
+        <p:txBody>
+          <a:bodyPr>
+            <a:normAutofit/>
+          </a:bodyPr>
+          <a:lstStyle/>
+          <a:p>
+            <a:pPr marL="0" indent="0" algn="just">
+              <a:buNone/>
+            </a:pPr>
+            <a:r>
+              <a:rPr lang="en-US" dirty="0"/>
+              <a:t>To get more accuracy, we train all supervised classification algorithms but you can try out a few of them which are always popular. After training all algorithms, we found that SVC and XGBoost classifiers have given high accuracy than remaining but we have chosen XGBoost.</a:t>
+            </a:r>
+          </a:p>
+          <a:p>
+            <a:pPr marL="0" indent="0">
+              <a:buNone/>
+            </a:pPr>
+            <a:endParaRPr lang="en-IN" dirty="0"/>
+          </a:p>
+        </p:txBody>
+      </p:sp>
+      <p:pic>
+        <p:nvPicPr>
+          <p:cNvPr id="7" name="Picture 6">
+            <a:extLst>
+              <a:ext uri="{FF2B5EF4-FFF2-40B4-BE49-F238E27FC236}">
+                <a16:creationId xmlns:a16="http://schemas.microsoft.com/office/drawing/2014/main" id="{0F46679A-9591-8ACF-151C-63AF188EF36B}"/>
+              </a:ext>
+            </a:extLst>
+          </p:cNvPr>
+          <p:cNvPicPr>
+            <a:picLocks noChangeAspect="1"/>
+          </p:cNvPicPr>
+          <p:nvPr/>
+        </p:nvPicPr>
+        <p:blipFill>
+          <a:blip r:embed="rId2"/>
+          <a:stretch>
+            <a:fillRect/>
+          </a:stretch>
+        </p:blipFill>
+        <p:spPr>
+          <a:xfrm>
+            <a:off x="6440360" y="2941162"/>
+            <a:ext cx="5676596" cy="3619893"/>
+          </a:xfrm>
+          <a:prstGeom prst="rect">
+            <a:avLst/>
+          </a:prstGeom>
+        </p:spPr>
+      </p:pic>
+      <p:pic>
+        <p:nvPicPr>
+          <p:cNvPr id="9" name="Picture 8">
+            <a:extLst>
+              <a:ext uri="{FF2B5EF4-FFF2-40B4-BE49-F238E27FC236}">
+                <a16:creationId xmlns:a16="http://schemas.microsoft.com/office/drawing/2014/main" id="{A02858AE-60AB-9310-4044-EBAEDD17D79C}"/>
+              </a:ext>
+            </a:extLst>
+          </p:cNvPr>
+          <p:cNvPicPr>
+            <a:picLocks noChangeAspect="1"/>
+          </p:cNvPicPr>
+          <p:nvPr/>
+        </p:nvPicPr>
+        <p:blipFill>
+          <a:blip r:embed="rId3"/>
+          <a:stretch>
+            <a:fillRect/>
+          </a:stretch>
+        </p:blipFill>
+        <p:spPr>
+          <a:xfrm>
+            <a:off x="498344" y="2957206"/>
+            <a:ext cx="5676597" cy="1823136"/>
+          </a:xfrm>
+          <a:prstGeom prst="rect">
+            <a:avLst/>
+          </a:prstGeom>
+        </p:spPr>
+      </p:pic>
+    </p:spTree>
+    <p:extLst>
+      <p:ext uri="{BB962C8B-B14F-4D97-AF65-F5344CB8AC3E}">
+        <p14:creationId xmlns:p14="http://schemas.microsoft.com/office/powerpoint/2010/main" val="2950185195"/>
+      </p:ext>
+    </p:extLst>
+  </p:cSld>
+  <p:clrMapOvr>
+    <a:masterClrMapping/>
+  </p:clrMapOvr>
+</p:sld>
+</file>
+
+<file path=ppt/slides/slide14.xml><?xml version="1.0" encoding="utf-8"?>
+<p:sld xmlns:a="http://schemas.openxmlformats.org/drawingml/2006/main" xmlns:r="http://schemas.openxmlformats.org/officeDocument/2006/relationships" xmlns:p="http://schemas.openxmlformats.org/presentationml/2006/main">
+  <p:cSld>
+    <p:spTree>
+      <p:nvGrpSpPr>
+        <p:cNvPr id="1" name=""/>
+        <p:cNvGrpSpPr/>
+        <p:nvPr/>
+      </p:nvGrpSpPr>
+      <p:grpSpPr>
+        <a:xfrm>
+          <a:off x="0" y="0"/>
+          <a:ext cx="0" cy="0"/>
+          <a:chOff x="0" y="0"/>
+          <a:chExt cx="0" cy="0"/>
+        </a:xfrm>
+      </p:grpSpPr>
+      <p:sp>
+        <p:nvSpPr>
+          <p:cNvPr id="2" name="Title 1">
+            <a:extLst>
+              <a:ext uri="{FF2B5EF4-FFF2-40B4-BE49-F238E27FC236}">
+                <a16:creationId xmlns:a16="http://schemas.microsoft.com/office/drawing/2014/main" id="{2F0CC3B8-A4D7-4834-BC97-16BC4BB28B71}"/>
+              </a:ext>
+            </a:extLst>
+          </p:cNvPr>
+          <p:cNvSpPr>
+            <a:spLocks noGrp="1"/>
+          </p:cNvSpPr>
+          <p:nvPr>
+            <p:ph type="title"/>
+          </p:nvPr>
+        </p:nvSpPr>
+        <p:spPr>
+          <a:xfrm>
+            <a:off x="1504060" y="2766218"/>
+            <a:ext cx="9391828" cy="1325563"/>
+          </a:xfrm>
+        </p:spPr>
+        <p:txBody>
+          <a:bodyPr>
+            <a:noAutofit/>
+          </a:bodyPr>
+          <a:lstStyle/>
+          <a:p>
+            <a:r>
+              <a:rPr lang="en-US" sz="9600" dirty="0">
+                <a:latin typeface="Arial Black" panose="020B0A04020102020204" pitchFamily="34" charset="0"/>
+              </a:rPr>
+              <a:t>THANK YOU</a:t>
+            </a:r>
+            <a:endParaRPr lang="en-IN" sz="9600" dirty="0">
+              <a:latin typeface="Arial Black" panose="020B0A04020102020204" pitchFamily="34" charset="0"/>
+            </a:endParaRPr>
+          </a:p>
+        </p:txBody>
+      </p:sp>
+    </p:spTree>
+    <p:extLst>
+      <p:ext uri="{BB962C8B-B14F-4D97-AF65-F5344CB8AC3E}">
+        <p14:creationId xmlns:p14="http://schemas.microsoft.com/office/powerpoint/2010/main" val="2750145213"/>
+      </p:ext>
+    </p:extLst>
+  </p:cSld>
+  <p:clrMapOvr>
+    <a:masterClrMapping/>
+  </p:clrMapOvr>
+</p:sld>
+</file>
+
+<file path=ppt/slides/slide2.xml><?xml version="1.0" encoding="utf-8"?>
+<p:sld xmlns:a="http://schemas.openxmlformats.org/drawingml/2006/main" xmlns:r="http://schemas.openxmlformats.org/officeDocument/2006/relationships" xmlns:p="http://schemas.openxmlformats.org/presentationml/2006/main">
+  <p:cSld>
+    <p:spTree>
+      <p:nvGrpSpPr>
+        <p:cNvPr id="1" name=""/>
+        <p:cNvGrpSpPr/>
+        <p:nvPr/>
+      </p:nvGrpSpPr>
+      <p:grpSpPr>
+        <a:xfrm>
+          <a:off x="0" y="0"/>
+          <a:ext cx="0" cy="0"/>
+          <a:chOff x="0" y="0"/>
+          <a:chExt cx="0" cy="0"/>
+        </a:xfrm>
+      </p:grpSpPr>
+      <p:sp>
+        <p:nvSpPr>
+          <p:cNvPr id="2" name="Title 1">
+            <a:extLst>
+              <a:ext uri="{FF2B5EF4-FFF2-40B4-BE49-F238E27FC236}">
+                <a16:creationId xmlns:a16="http://schemas.microsoft.com/office/drawing/2014/main" id="{342444EE-9E9A-6D66-2B6C-F47FB20EBAC6}"/>
+              </a:ext>
+            </a:extLst>
+          </p:cNvPr>
+          <p:cNvSpPr>
+            <a:spLocks noGrp="1"/>
+          </p:cNvSpPr>
+          <p:nvPr>
+            <p:ph type="title"/>
+          </p:nvPr>
+        </p:nvSpPr>
+        <p:spPr>
+          <a:xfrm>
+            <a:off x="838200" y="410547"/>
+            <a:ext cx="10515600" cy="1280141"/>
+          </a:xfrm>
+        </p:spPr>
+        <p:txBody>
+          <a:bodyPr anchor="b">
+            <a:normAutofit/>
+          </a:bodyPr>
+          <a:lstStyle/>
+          <a:p>
+            <a:r>
+              <a:rPr lang="en-US" sz="4000" b="0" i="0" u="sng" dirty="0">
+                <a:solidFill>
+                  <a:srgbClr val="000000"/>
+                </a:solidFill>
+                <a:effectLst/>
+                <a:latin typeface="Helvetica Neue"/>
+              </a:rPr>
+              <a:t>INTRODUCTION:</a:t>
+            </a:r>
+            <a:br>
+              <a:rPr lang="en-US" b="0" i="0" dirty="0">
+                <a:solidFill>
+                  <a:srgbClr val="000000"/>
+                </a:solidFill>
+                <a:effectLst/>
+                <a:latin typeface="Helvetica Neue"/>
+              </a:rPr>
+            </a:br>
+            <a:endParaRPr lang="en-IN" dirty="0"/>
+          </a:p>
+        </p:txBody>
+      </p:sp>
+      <p:sp>
+        <p:nvSpPr>
+          <p:cNvPr id="3" name="Content Placeholder 2">
+            <a:extLst>
+              <a:ext uri="{FF2B5EF4-FFF2-40B4-BE49-F238E27FC236}">
+                <a16:creationId xmlns:a16="http://schemas.microsoft.com/office/drawing/2014/main" id="{CF226EF2-B3D8-0203-7A67-14ADC088A260}"/>
+              </a:ext>
+            </a:extLst>
+          </p:cNvPr>
+          <p:cNvSpPr>
+            <a:spLocks noGrp="1"/>
+          </p:cNvSpPr>
+          <p:nvPr>
+            <p:ph idx="1"/>
+          </p:nvPr>
+        </p:nvSpPr>
+        <p:spPr>
+          <a:xfrm>
+            <a:off x="263235" y="1576874"/>
+            <a:ext cx="11748655" cy="4990182"/>
+          </a:xfrm>
+        </p:spPr>
+        <p:txBody>
+          <a:bodyPr>
+            <a:normAutofit/>
+          </a:bodyPr>
+          <a:lstStyle/>
+          <a:p>
+            <a:pPr marL="0" indent="0" algn="just">
+              <a:buNone/>
+            </a:pPr>
+            <a:r>
+              <a:rPr lang="en-US" dirty="0"/>
+              <a:t>• The company wants to sell the premium version app with low advertisement cost. They gave the premium feature in the free app for 24 hours to collect customer behavior. </a:t>
+            </a:r>
+          </a:p>
+          <a:p>
+            <a:pPr marL="0" indent="0" algn="just">
+              <a:buNone/>
+            </a:pPr>
+            <a:r>
+              <a:rPr lang="en-US" dirty="0"/>
+              <a:t>• They hired a Machine Learning Engineer to find customers interested in buying the product. Offers will only be given to those who are interested but cannot afford it. </a:t>
+            </a:r>
+          </a:p>
+          <a:p>
+            <a:pPr marL="0" indent="0" algn="just">
+              <a:buNone/>
+            </a:pPr>
+            <a:r>
+              <a:rPr lang="en-US" dirty="0"/>
+              <a:t>• Our main aim to target the customer who are not willing to enrolled for the premium version of the application.</a:t>
+            </a:r>
+          </a:p>
+          <a:p>
+            <a:pPr marL="0" indent="0" algn="just">
+              <a:buNone/>
+            </a:pPr>
+            <a:r>
+              <a:rPr lang="en-US" dirty="0"/>
+              <a:t>• This is classification-based problem.</a:t>
+            </a:r>
+          </a:p>
+          <a:p>
+            <a:pPr marL="0" indent="0" algn="just">
+              <a:buNone/>
+            </a:pPr>
+            <a:endParaRPr lang="en-US" dirty="0"/>
+          </a:p>
+          <a:p>
+            <a:pPr marL="0" indent="0" algn="just">
+              <a:buNone/>
+            </a:pPr>
+            <a:endParaRPr lang="en-US" dirty="0"/>
+          </a:p>
+          <a:p>
+            <a:pPr marL="0" indent="0" algn="just">
+              <a:buNone/>
+            </a:pPr>
+            <a:endParaRPr lang="en-IN" dirty="0"/>
+          </a:p>
+        </p:txBody>
+      </p:sp>
+    </p:spTree>
+    <p:extLst>
+      <p:ext uri="{BB962C8B-B14F-4D97-AF65-F5344CB8AC3E}">
+        <p14:creationId xmlns:p14="http://schemas.microsoft.com/office/powerpoint/2010/main" val="2888032814"/>
+      </p:ext>
+    </p:extLst>
+  </p:cSld>
+  <p:clrMapOvr>
+    <a:masterClrMapping/>
+  </p:clrMapOvr>
+</p:sld>
+</file>
+
+<file path=ppt/slides/slide3.xml><?xml version="1.0" encoding="utf-8"?>
+<p:sld xmlns:a="http://schemas.openxmlformats.org/drawingml/2006/main" xmlns:r="http://schemas.openxmlformats.org/officeDocument/2006/relationships" xmlns:p="http://schemas.openxmlformats.org/presentationml/2006/main">
+  <p:cSld>
+    <p:spTree>
+      <p:nvGrpSpPr>
+        <p:cNvPr id="1" name=""/>
+        <p:cNvGrpSpPr/>
+        <p:nvPr/>
+      </p:nvGrpSpPr>
+      <p:grpSpPr>
+        <a:xfrm>
+          <a:off x="0" y="0"/>
+          <a:ext cx="0" cy="0"/>
+          <a:chOff x="0" y="0"/>
+          <a:chExt cx="0" cy="0"/>
+        </a:xfrm>
+      </p:grpSpPr>
+      <p:sp>
+        <p:nvSpPr>
+          <p:cNvPr id="2" name="Title 1">
+            <a:extLst>
+              <a:ext uri="{FF2B5EF4-FFF2-40B4-BE49-F238E27FC236}">
+                <a16:creationId xmlns:a16="http://schemas.microsoft.com/office/drawing/2014/main" id="{3697D73F-09B1-CDFA-255F-46A81B38B919}"/>
+              </a:ext>
+            </a:extLst>
+          </p:cNvPr>
+          <p:cNvSpPr>
+            <a:spLocks noGrp="1"/>
+          </p:cNvSpPr>
+          <p:nvPr>
+            <p:ph type="title"/>
+          </p:nvPr>
+        </p:nvSpPr>
+        <p:spPr>
+          <a:xfrm>
+            <a:off x="838200" y="254288"/>
+            <a:ext cx="10515600" cy="577267"/>
+          </a:xfrm>
+        </p:spPr>
+        <p:txBody>
+          <a:bodyPr>
+            <a:normAutofit fontScale="90000"/>
+          </a:bodyPr>
+          <a:lstStyle/>
+          <a:p>
+            <a:r>
+              <a:rPr lang="en-IN" u="sng" dirty="0">
+                <a:latin typeface="Helvetica Neue"/>
+              </a:rPr>
+              <a:t>Dataset</a:t>
+            </a:r>
+            <a:r>
+              <a:rPr lang="en-IN" u="sng" dirty="0"/>
+              <a:t> </a:t>
+            </a:r>
+            <a:r>
+              <a:rPr lang="en-IN" u="sng" dirty="0">
+                <a:latin typeface="Helvetica Neue"/>
+              </a:rPr>
+              <a:t>Used</a:t>
+            </a:r>
+            <a:r>
+              <a:rPr lang="en-IN" u="sng" dirty="0"/>
+              <a:t>:</a:t>
+            </a:r>
+          </a:p>
+        </p:txBody>
+      </p:sp>
+      <p:pic>
+        <p:nvPicPr>
+          <p:cNvPr id="5" name="Content Placeholder 4">
+            <a:extLst>
+              <a:ext uri="{FF2B5EF4-FFF2-40B4-BE49-F238E27FC236}">
+                <a16:creationId xmlns:a16="http://schemas.microsoft.com/office/drawing/2014/main" id="{7759D3A9-0148-7F0F-2386-1FFBBEFBFCE1}"/>
+              </a:ext>
+            </a:extLst>
+          </p:cNvPr>
+          <p:cNvPicPr>
+            <a:picLocks noGrp="1" noChangeAspect="1"/>
+          </p:cNvPicPr>
+          <p:nvPr>
+            <p:ph idx="1"/>
+          </p:nvPr>
+        </p:nvPicPr>
+        <p:blipFill>
+          <a:blip r:embed="rId2"/>
+          <a:stretch>
+            <a:fillRect/>
+          </a:stretch>
+        </p:blipFill>
+        <p:spPr>
+          <a:xfrm>
+            <a:off x="1102073" y="1076015"/>
+            <a:ext cx="9987854" cy="1129309"/>
+          </a:xfrm>
+        </p:spPr>
+      </p:pic>
+      <p:pic>
+        <p:nvPicPr>
+          <p:cNvPr id="9" name="Picture 8">
+            <a:extLst>
+              <a:ext uri="{FF2B5EF4-FFF2-40B4-BE49-F238E27FC236}">
+                <a16:creationId xmlns:a16="http://schemas.microsoft.com/office/drawing/2014/main" id="{E3C63CA9-BEAD-45E8-5B0F-287D8FE20A07}"/>
+              </a:ext>
+            </a:extLst>
+          </p:cNvPr>
+          <p:cNvPicPr>
+            <a:picLocks noChangeAspect="1"/>
+          </p:cNvPicPr>
+          <p:nvPr/>
+        </p:nvPicPr>
+        <p:blipFill>
+          <a:blip r:embed="rId3"/>
+          <a:stretch>
+            <a:fillRect/>
+          </a:stretch>
+        </p:blipFill>
+        <p:spPr>
+          <a:xfrm>
+            <a:off x="1283523" y="2338948"/>
+            <a:ext cx="9827821" cy="4519052"/>
+          </a:xfrm>
+          <a:prstGeom prst="rect">
+            <a:avLst/>
+          </a:prstGeom>
+        </p:spPr>
+      </p:pic>
+    </p:spTree>
+    <p:extLst>
+      <p:ext uri="{BB962C8B-B14F-4D97-AF65-F5344CB8AC3E}">
+        <p14:creationId xmlns:p14="http://schemas.microsoft.com/office/powerpoint/2010/main" val="3343801021"/>
+      </p:ext>
+    </p:extLst>
+  </p:cSld>
+  <p:clrMapOvr>
+    <a:masterClrMapping/>
+  </p:clrMapOvr>
+</p:sld>
+</file>
+
+<file path=ppt/slides/slide4.xml><?xml version="1.0" encoding="utf-8"?>
+<p:sld xmlns:a="http://schemas.openxmlformats.org/drawingml/2006/main" xmlns:r="http://schemas.openxmlformats.org/officeDocument/2006/relationships" xmlns:p="http://schemas.openxmlformats.org/presentationml/2006/main">
+  <p:cSld>
+    <p:spTree>
+      <p:nvGrpSpPr>
+        <p:cNvPr id="1" name=""/>
+        <p:cNvGrpSpPr/>
+        <p:nvPr/>
+      </p:nvGrpSpPr>
+      <p:grpSpPr>
+        <a:xfrm>
+          <a:off x="0" y="0"/>
+          <a:ext cx="0" cy="0"/>
+          <a:chOff x="0" y="0"/>
+          <a:chExt cx="0" cy="0"/>
+        </a:xfrm>
+      </p:grpSpPr>
+      <p:sp>
+        <p:nvSpPr>
+          <p:cNvPr id="2" name="Title 1">
+            <a:extLst>
+              <a:ext uri="{FF2B5EF4-FFF2-40B4-BE49-F238E27FC236}">
+                <a16:creationId xmlns:a16="http://schemas.microsoft.com/office/drawing/2014/main" id="{BAB4B81F-1C78-34A7-97E5-8C76C9441617}"/>
+              </a:ext>
+            </a:extLst>
+          </p:cNvPr>
+          <p:cNvSpPr>
+            <a:spLocks noGrp="1"/>
+          </p:cNvSpPr>
+          <p:nvPr>
+            <p:ph type="title"/>
+          </p:nvPr>
+        </p:nvSpPr>
+        <p:spPr/>
+        <p:txBody>
+          <a:bodyPr/>
+          <a:lstStyle/>
+          <a:p>
+            <a:r>
+              <a:rPr lang="en-US" b="1" u="sng" dirty="0"/>
+              <a:t>CHECKING FOR NULL VALUES:</a:t>
+            </a:r>
+            <a:endParaRPr lang="en-IN" b="1" u="sng" dirty="0"/>
+          </a:p>
+        </p:txBody>
+      </p:sp>
+      <p:pic>
+        <p:nvPicPr>
+          <p:cNvPr id="5" name="Content Placeholder 4">
+            <a:extLst>
+              <a:ext uri="{FF2B5EF4-FFF2-40B4-BE49-F238E27FC236}">
+                <a16:creationId xmlns:a16="http://schemas.microsoft.com/office/drawing/2014/main" id="{CD7A9AF6-BF25-A0E5-F9E1-CB310432BA5A}"/>
+              </a:ext>
+            </a:extLst>
+          </p:cNvPr>
+          <p:cNvPicPr>
+            <a:picLocks noGrp="1" noChangeAspect="1"/>
+          </p:cNvPicPr>
+          <p:nvPr>
+            <p:ph idx="1"/>
+          </p:nvPr>
+        </p:nvPicPr>
+        <p:blipFill>
+          <a:blip r:embed="rId2"/>
+          <a:stretch>
+            <a:fillRect/>
+          </a:stretch>
+        </p:blipFill>
+        <p:spPr>
+          <a:xfrm>
+            <a:off x="498764" y="1690689"/>
+            <a:ext cx="11346872" cy="4917930"/>
+          </a:xfrm>
+        </p:spPr>
+      </p:pic>
+    </p:spTree>
+    <p:extLst>
+      <p:ext uri="{BB962C8B-B14F-4D97-AF65-F5344CB8AC3E}">
+        <p14:creationId xmlns:p14="http://schemas.microsoft.com/office/powerpoint/2010/main" val="3914117712"/>
+      </p:ext>
+    </p:extLst>
+  </p:cSld>
+  <p:clrMapOvr>
+    <a:masterClrMapping/>
+  </p:clrMapOvr>
+</p:sld>
+</file>
+
+<file path=ppt/slides/slide5.xml><?xml version="1.0" encoding="utf-8"?>
+<p:sld xmlns:a="http://schemas.openxmlformats.org/drawingml/2006/main" xmlns:r="http://schemas.openxmlformats.org/officeDocument/2006/relationships" xmlns:p="http://schemas.openxmlformats.org/presentationml/2006/main">
+  <p:cSld>
+    <p:spTree>
+      <p:nvGrpSpPr>
+        <p:cNvPr id="1" name=""/>
+        <p:cNvGrpSpPr/>
+        <p:nvPr/>
+      </p:nvGrpSpPr>
+      <p:grpSpPr>
+        <a:xfrm>
+          <a:off x="0" y="0"/>
+          <a:ext cx="0" cy="0"/>
+          <a:chOff x="0" y="0"/>
+          <a:chExt cx="0" cy="0"/>
+        </a:xfrm>
+      </p:grpSpPr>
+      <p:sp>
+        <p:nvSpPr>
+          <p:cNvPr id="2" name="Title 1">
+            <a:extLst>
+              <a:ext uri="{FF2B5EF4-FFF2-40B4-BE49-F238E27FC236}">
+                <a16:creationId xmlns:a16="http://schemas.microsoft.com/office/drawing/2014/main" id="{C1AA94F4-2A0B-359C-5557-FA35C7931284}"/>
+              </a:ext>
+            </a:extLst>
+          </p:cNvPr>
+          <p:cNvSpPr>
+            <a:spLocks noGrp="1"/>
+          </p:cNvSpPr>
+          <p:nvPr>
+            <p:ph type="title"/>
+          </p:nvPr>
+        </p:nvSpPr>
+        <p:spPr/>
+        <p:txBody>
+          <a:bodyPr/>
+          <a:lstStyle/>
+          <a:p>
+            <a:r>
+              <a:rPr lang="en-US" b="1" u="sng" dirty="0"/>
+              <a:t>REVAMPING DATA TYPE</a:t>
+            </a:r>
+            <a:endParaRPr lang="en-IN" b="1" u="sng" dirty="0"/>
+          </a:p>
+        </p:txBody>
+      </p:sp>
+      <p:pic>
+        <p:nvPicPr>
+          <p:cNvPr id="5" name="Content Placeholder 4">
+            <a:extLst>
+              <a:ext uri="{FF2B5EF4-FFF2-40B4-BE49-F238E27FC236}">
+                <a16:creationId xmlns:a16="http://schemas.microsoft.com/office/drawing/2014/main" id="{9A0D843D-0038-4BD3-7385-C6C871A1F97B}"/>
+              </a:ext>
+            </a:extLst>
+          </p:cNvPr>
+          <p:cNvPicPr>
+            <a:picLocks noGrp="1" noChangeAspect="1"/>
+          </p:cNvPicPr>
+          <p:nvPr>
+            <p:ph idx="1"/>
+          </p:nvPr>
+        </p:nvPicPr>
+        <p:blipFill>
+          <a:blip r:embed="rId2"/>
+          <a:stretch>
+            <a:fillRect/>
+          </a:stretch>
+        </p:blipFill>
+        <p:spPr>
+          <a:xfrm>
+            <a:off x="548640" y="1690688"/>
+            <a:ext cx="11227724" cy="4963329"/>
+          </a:xfrm>
+        </p:spPr>
+      </p:pic>
+    </p:spTree>
+    <p:extLst>
+      <p:ext uri="{BB962C8B-B14F-4D97-AF65-F5344CB8AC3E}">
+        <p14:creationId xmlns:p14="http://schemas.microsoft.com/office/powerpoint/2010/main" val="1520986145"/>
+      </p:ext>
+    </p:extLst>
+  </p:cSld>
+  <p:clrMapOvr>
+    <a:masterClrMapping/>
+  </p:clrMapOvr>
+</p:sld>
+</file>
+
+<file path=ppt/slides/slide6.xml><?xml version="1.0" encoding="utf-8"?>
+<p:sld xmlns:a="http://schemas.openxmlformats.org/drawingml/2006/main" xmlns:r="http://schemas.openxmlformats.org/officeDocument/2006/relationships" xmlns:p="http://schemas.openxmlformats.org/presentationml/2006/main">
+  <p:cSld>
+    <p:spTree>
+      <p:nvGrpSpPr>
+        <p:cNvPr id="1" name=""/>
+        <p:cNvGrpSpPr/>
+        <p:nvPr/>
+      </p:nvGrpSpPr>
+      <p:grpSpPr>
+        <a:xfrm>
+          <a:off x="0" y="0"/>
+          <a:ext cx="0" cy="0"/>
+          <a:chOff x="0" y="0"/>
+          <a:chExt cx="0" cy="0"/>
+        </a:xfrm>
+      </p:grpSpPr>
+      <p:sp>
+        <p:nvSpPr>
+          <p:cNvPr id="2" name="Title 1">
+            <a:extLst>
+              <a:ext uri="{FF2B5EF4-FFF2-40B4-BE49-F238E27FC236}">
+                <a16:creationId xmlns:a16="http://schemas.microsoft.com/office/drawing/2014/main" id="{4A6911DD-D546-4E3B-A357-711EF58133C5}"/>
+              </a:ext>
+            </a:extLst>
+          </p:cNvPr>
+          <p:cNvSpPr>
+            <a:spLocks noGrp="1"/>
+          </p:cNvSpPr>
+          <p:nvPr>
+            <p:ph type="title"/>
+          </p:nvPr>
+        </p:nvSpPr>
+        <p:spPr/>
+        <p:txBody>
+          <a:bodyPr/>
+          <a:lstStyle/>
+          <a:p>
+            <a:r>
+              <a:rPr lang="en-US" b="1" u="sng" dirty="0"/>
+              <a:t>WIPING OUT CATEGORICAL DATA</a:t>
+            </a:r>
+            <a:endParaRPr lang="en-IN" b="1" u="sng" dirty="0"/>
+          </a:p>
+        </p:txBody>
+      </p:sp>
+      <p:pic>
+        <p:nvPicPr>
+          <p:cNvPr id="5" name="Content Placeholder 4">
+            <a:extLst>
+              <a:ext uri="{FF2B5EF4-FFF2-40B4-BE49-F238E27FC236}">
+                <a16:creationId xmlns:a16="http://schemas.microsoft.com/office/drawing/2014/main" id="{73F7AA9C-2D2F-2543-12F4-0A5A855E13D9}"/>
+              </a:ext>
+            </a:extLst>
+          </p:cNvPr>
+          <p:cNvPicPr>
+            <a:picLocks noGrp="1" noChangeAspect="1"/>
+          </p:cNvPicPr>
+          <p:nvPr>
+            <p:ph idx="1"/>
+          </p:nvPr>
+        </p:nvPicPr>
+        <p:blipFill>
+          <a:blip r:embed="rId2"/>
+          <a:stretch>
+            <a:fillRect/>
+          </a:stretch>
+        </p:blipFill>
+        <p:spPr>
+          <a:xfrm>
+            <a:off x="415636" y="1690688"/>
+            <a:ext cx="11430000" cy="5014912"/>
+          </a:xfrm>
+        </p:spPr>
+      </p:pic>
+    </p:spTree>
+    <p:extLst>
+      <p:ext uri="{BB962C8B-B14F-4D97-AF65-F5344CB8AC3E}">
+        <p14:creationId xmlns:p14="http://schemas.microsoft.com/office/powerpoint/2010/main" val="2077681226"/>
+      </p:ext>
+    </p:extLst>
+  </p:cSld>
+  <p:clrMapOvr>
+    <a:masterClrMapping/>
+  </p:clrMapOvr>
+</p:sld>
+</file>
+
+<file path=ppt/slides/slide7.xml><?xml version="1.0" encoding="utf-8"?>
+<p:sld xmlns:a="http://schemas.openxmlformats.org/drawingml/2006/main" xmlns:r="http://schemas.openxmlformats.org/officeDocument/2006/relationships" xmlns:p="http://schemas.openxmlformats.org/presentationml/2006/main">
+  <p:cSld>
+    <p:spTree>
+      <p:nvGrpSpPr>
+        <p:cNvPr id="1" name=""/>
+        <p:cNvGrpSpPr/>
+        <p:nvPr/>
+      </p:nvGrpSpPr>
+      <p:grpSpPr>
+        <a:xfrm>
+          <a:off x="0" y="0"/>
+          <a:ext cx="0" cy="0"/>
+          <a:chOff x="0" y="0"/>
+          <a:chExt cx="0" cy="0"/>
+        </a:xfrm>
+      </p:grpSpPr>
+      <p:sp>
+        <p:nvSpPr>
+          <p:cNvPr id="2" name="Title 1">
+            <a:extLst>
+              <a:ext uri="{FF2B5EF4-FFF2-40B4-BE49-F238E27FC236}">
+                <a16:creationId xmlns:a16="http://schemas.microsoft.com/office/drawing/2014/main" id="{5A8180A6-5CDB-E53C-6471-0DF38C53498F}"/>
+              </a:ext>
+            </a:extLst>
+          </p:cNvPr>
+          <p:cNvSpPr>
+            <a:spLocks noGrp="1"/>
+          </p:cNvSpPr>
+          <p:nvPr>
+            <p:ph type="title"/>
+          </p:nvPr>
+        </p:nvSpPr>
+        <p:spPr>
+          <a:xfrm>
+            <a:off x="838200" y="365125"/>
+            <a:ext cx="10515600" cy="885177"/>
+          </a:xfrm>
+        </p:spPr>
+        <p:txBody>
+          <a:bodyPr>
+            <a:normAutofit fontScale="90000"/>
+          </a:bodyPr>
+          <a:lstStyle/>
+          <a:p>
+            <a:r>
+              <a:rPr lang="en-IN" i="0" u="sng" dirty="0">
+                <a:solidFill>
+                  <a:srgbClr val="000000"/>
+                </a:solidFill>
+                <a:effectLst/>
+                <a:latin typeface="Helvetica Neue"/>
+              </a:rPr>
+              <a:t>Data Visualization:</a:t>
+            </a:r>
+            <a:br>
+              <a:rPr lang="en-IN" b="1" i="0" dirty="0">
+                <a:solidFill>
+                  <a:srgbClr val="000000"/>
+                </a:solidFill>
+                <a:effectLst/>
+                <a:latin typeface="Helvetica Neue"/>
+              </a:rPr>
+            </a:br>
+            <a:endParaRPr lang="en-IN" dirty="0"/>
+          </a:p>
+        </p:txBody>
+      </p:sp>
+      <p:sp>
+        <p:nvSpPr>
+          <p:cNvPr id="3" name="Content Placeholder 2">
+            <a:extLst>
+              <a:ext uri="{FF2B5EF4-FFF2-40B4-BE49-F238E27FC236}">
+                <a16:creationId xmlns:a16="http://schemas.microsoft.com/office/drawing/2014/main" id="{662D8F55-10DC-9570-0366-4477B277136B}"/>
+              </a:ext>
+            </a:extLst>
+          </p:cNvPr>
+          <p:cNvSpPr>
+            <a:spLocks noGrp="1"/>
+          </p:cNvSpPr>
+          <p:nvPr>
+            <p:ph idx="1"/>
+          </p:nvPr>
+        </p:nvSpPr>
+        <p:spPr>
+          <a:xfrm>
+            <a:off x="838199" y="886408"/>
+            <a:ext cx="10515600" cy="5530489"/>
+          </a:xfrm>
+        </p:spPr>
+        <p:txBody>
+          <a:bodyPr/>
+          <a:lstStyle/>
+          <a:p>
+            <a:r>
+              <a:rPr lang="en-IN" b="1" i="0" dirty="0">
+                <a:solidFill>
+                  <a:srgbClr val="000000"/>
+                </a:solidFill>
+                <a:effectLst/>
+                <a:latin typeface="Helvetica Neue"/>
+              </a:rPr>
+              <a:t>Countplot of enrollment of Customers:</a:t>
+            </a:r>
+          </a:p>
+          <a:p>
+            <a:endParaRPr lang="en-IN" dirty="0"/>
+          </a:p>
+        </p:txBody>
+      </p:sp>
+      <p:pic>
+        <p:nvPicPr>
+          <p:cNvPr id="2050" name="Picture 2">
+            <a:extLst>
+              <a:ext uri="{FF2B5EF4-FFF2-40B4-BE49-F238E27FC236}">
+                <a16:creationId xmlns:a16="http://schemas.microsoft.com/office/drawing/2014/main" id="{D261C100-0CA5-44EB-3B94-E883EAEE9B55}"/>
+              </a:ext>
+            </a:extLst>
+          </p:cNvPr>
+          <p:cNvPicPr>
+            <a:picLocks noChangeAspect="1" noChangeArrowheads="1"/>
+          </p:cNvPicPr>
+          <p:nvPr/>
+        </p:nvPicPr>
+        <p:blipFill>
+          <a:blip r:embed="rId2">
+            <a:extLst>
+              <a:ext uri="{28A0092B-C50C-407E-A947-70E740481C1C}">
+                <a14:useLocalDpi xmlns:a14="http://schemas.microsoft.com/office/drawing/2010/main" val="0"/>
+              </a:ext>
+            </a:extLst>
+          </a:blip>
+          <a:srcRect/>
+          <a:stretch>
+            <a:fillRect/>
+          </a:stretch>
+        </p:blipFill>
+        <p:spPr bwMode="auto">
+          <a:xfrm>
+            <a:off x="632908" y="1394926"/>
+            <a:ext cx="10169236" cy="4576666"/>
+          </a:xfrm>
+          <a:prstGeom prst="rect">
+            <a:avLst/>
+          </a:prstGeom>
+          <a:noFill/>
+          <a:extLst>
+            <a:ext uri="{909E8E84-426E-40DD-AFC4-6F175D3DCCD1}">
+              <a14:hiddenFill xmlns:a14="http://schemas.microsoft.com/office/drawing/2010/main">
+                <a:solidFill>
+                  <a:srgbClr val="FFFFFF"/>
+                </a:solidFill>
+              </a14:hiddenFill>
+            </a:ext>
+          </a:extLst>
+        </p:spPr>
+      </p:pic>
+      <p:pic>
+        <p:nvPicPr>
+          <p:cNvPr id="5" name="Picture 4">
+            <a:extLst>
+              <a:ext uri="{FF2B5EF4-FFF2-40B4-BE49-F238E27FC236}">
+                <a16:creationId xmlns:a16="http://schemas.microsoft.com/office/drawing/2014/main" id="{54FD3F4A-C454-19B8-AAD1-DD2CC6600CAF}"/>
+              </a:ext>
+            </a:extLst>
+          </p:cNvPr>
+          <p:cNvPicPr>
+            <a:picLocks noChangeAspect="1"/>
+          </p:cNvPicPr>
+          <p:nvPr/>
+        </p:nvPicPr>
+        <p:blipFill>
+          <a:blip r:embed="rId3"/>
+          <a:stretch>
+            <a:fillRect/>
+          </a:stretch>
+        </p:blipFill>
+        <p:spPr>
+          <a:xfrm>
+            <a:off x="8026236" y="5971592"/>
+            <a:ext cx="3762375" cy="514350"/>
+          </a:xfrm>
+          <a:prstGeom prst="rect">
+            <a:avLst/>
+          </a:prstGeom>
+        </p:spPr>
+      </p:pic>
+    </p:spTree>
+    <p:extLst>
+      <p:ext uri="{BB962C8B-B14F-4D97-AF65-F5344CB8AC3E}">
+        <p14:creationId xmlns:p14="http://schemas.microsoft.com/office/powerpoint/2010/main" val="3806222973"/>
+      </p:ext>
+    </p:extLst>
+  </p:cSld>
+  <p:clrMapOvr>
+    <a:masterClrMapping/>
+  </p:clrMapOvr>
+</p:sld>
+</file>
+
+<file path=ppt/slides/slide8.xml><?xml version="1.0" encoding="utf-8"?>
+<p:sld xmlns:a="http://schemas.openxmlformats.org/drawingml/2006/main" xmlns:r="http://schemas.openxmlformats.org/officeDocument/2006/relationships" xmlns:p="http://schemas.openxmlformats.org/presentationml/2006/main">
+  <p:cSld>
+    <p:spTree>
+      <p:nvGrpSpPr>
+        <p:cNvPr id="1" name=""/>
+        <p:cNvGrpSpPr/>
+        <p:nvPr/>
+      </p:nvGrpSpPr>
+      <p:grpSpPr>
+        <a:xfrm>
+          <a:off x="0" y="0"/>
+          <a:ext cx="0" cy="0"/>
+          <a:chOff x="0" y="0"/>
+          <a:chExt cx="0" cy="0"/>
+        </a:xfrm>
+      </p:grpSpPr>
+      <p:pic>
+        <p:nvPicPr>
+          <p:cNvPr id="1026" name="Picture 2">
+            <a:extLst>
+              <a:ext uri="{FF2B5EF4-FFF2-40B4-BE49-F238E27FC236}">
+                <a16:creationId xmlns:a16="http://schemas.microsoft.com/office/drawing/2014/main" id="{2B44C31F-2BEB-627C-37F6-950E8965A884}"/>
+              </a:ext>
+            </a:extLst>
+          </p:cNvPr>
+          <p:cNvPicPr>
+            <a:picLocks noChangeAspect="1" noChangeArrowheads="1"/>
+          </p:cNvPicPr>
+          <p:nvPr/>
+        </p:nvPicPr>
+        <p:blipFill>
+          <a:blip r:embed="rId2">
+            <a:extLst>
+              <a:ext uri="{28A0092B-C50C-407E-A947-70E740481C1C}">
+                <a14:useLocalDpi xmlns:a14="http://schemas.microsoft.com/office/drawing/2010/main" val="0"/>
+              </a:ext>
+            </a:extLst>
+          </a:blip>
+          <a:srcRect/>
+          <a:stretch>
+            <a:fillRect/>
+          </a:stretch>
+        </p:blipFill>
+        <p:spPr bwMode="auto">
+          <a:xfrm>
+            <a:off x="373225" y="1415248"/>
+            <a:ext cx="9236301" cy="5442752"/>
+          </a:xfrm>
+          <a:prstGeom prst="rect">
+            <a:avLst/>
+          </a:prstGeom>
+          <a:noFill/>
+          <a:extLst>
+            <a:ext uri="{909E8E84-426E-40DD-AFC4-6F175D3DCCD1}">
+              <a14:hiddenFill xmlns:a14="http://schemas.microsoft.com/office/drawing/2010/main">
+                <a:solidFill>
+                  <a:srgbClr val="FFFFFF"/>
+                </a:solidFill>
+              </a14:hiddenFill>
+            </a:ext>
+          </a:extLst>
+        </p:spPr>
+      </p:pic>
+      <p:sp>
+        <p:nvSpPr>
+          <p:cNvPr id="5" name="TextBox 4">
+            <a:extLst>
+              <a:ext uri="{FF2B5EF4-FFF2-40B4-BE49-F238E27FC236}">
+                <a16:creationId xmlns:a16="http://schemas.microsoft.com/office/drawing/2014/main" id="{2A6DF5AC-E74B-0FC7-970B-F522B6A45180}"/>
+              </a:ext>
+            </a:extLst>
+          </p:cNvPr>
+          <p:cNvSpPr txBox="1"/>
+          <p:nvPr/>
+        </p:nvSpPr>
+        <p:spPr>
+          <a:xfrm>
+            <a:off x="1455575" y="382555"/>
+            <a:ext cx="8864081" cy="830997"/>
+          </a:xfrm>
+          <a:prstGeom prst="rect">
+            <a:avLst/>
+          </a:prstGeom>
+          <a:noFill/>
+        </p:spPr>
+        <p:txBody>
+          <a:bodyPr wrap="square" rtlCol="0">
+            <a:spAutoFit/>
+          </a:bodyPr>
+          <a:lstStyle/>
+          <a:p>
+            <a:r>
+              <a:rPr lang="en-US" sz="2400" b="1" i="0" u="sng" dirty="0">
+                <a:solidFill>
+                  <a:srgbClr val="000000"/>
+                </a:solidFill>
+                <a:effectLst/>
+                <a:latin typeface="Tahoma" panose="020B0604030504040204" pitchFamily="34" charset="0"/>
+              </a:rPr>
+              <a:t>Heatmap uses to find the correlation between each and every features using the correlation matrix.</a:t>
+            </a:r>
+            <a:endParaRPr lang="en-IN" sz="2400" b="1" u="sng" dirty="0"/>
+          </a:p>
+        </p:txBody>
+      </p:sp>
+    </p:spTree>
+    <p:extLst>
+      <p:ext uri="{BB962C8B-B14F-4D97-AF65-F5344CB8AC3E}">
+        <p14:creationId xmlns:p14="http://schemas.microsoft.com/office/powerpoint/2010/main" val="1700615543"/>
+      </p:ext>
+    </p:extLst>
+  </p:cSld>
+  <p:clrMapOvr>
+    <a:masterClrMapping/>
+  </p:clrMapOvr>
+</p:sld>
+</file>
+
+<file path=ppt/slides/slide9.xml><?xml version="1.0" encoding="utf-8"?>
+<p:sld xmlns:a="http://schemas.openxmlformats.org/drawingml/2006/main" xmlns:r="http://schemas.openxmlformats.org/officeDocument/2006/relationships" xmlns:p="http://schemas.openxmlformats.org/presentationml/2006/main">
+  <p:cSld>
+    <p:spTree>
+      <p:nvGrpSpPr>
+        <p:cNvPr id="1" name=""/>
+        <p:cNvGrpSpPr/>
+        <p:nvPr/>
+      </p:nvGrpSpPr>
+      <p:grpSpPr>
+        <a:xfrm>
+          <a:off x="0" y="0"/>
+          <a:ext cx="0" cy="0"/>
+          <a:chOff x="0" y="0"/>
+          <a:chExt cx="0" cy="0"/>
+        </a:xfrm>
+      </p:grpSpPr>
+      <p:sp>
+        <p:nvSpPr>
+          <p:cNvPr id="2" name="Title 1">
+            <a:extLst>
+              <a:ext uri="{FF2B5EF4-FFF2-40B4-BE49-F238E27FC236}">
+                <a16:creationId xmlns:a16="http://schemas.microsoft.com/office/drawing/2014/main" id="{56D7716A-0967-B1DD-DE8F-C1815B490ABD}"/>
+              </a:ext>
+            </a:extLst>
+          </p:cNvPr>
+          <p:cNvSpPr>
+            <a:spLocks noGrp="1"/>
+          </p:cNvSpPr>
+          <p:nvPr>
+            <p:ph type="title"/>
+          </p:nvPr>
+        </p:nvSpPr>
+        <p:spPr/>
+        <p:txBody>
+          <a:bodyPr>
+            <a:normAutofit/>
+          </a:bodyPr>
+          <a:lstStyle/>
+          <a:p>
+            <a:r>
+              <a:rPr lang="en-IN" sz="4000" u="sng" dirty="0">
+                <a:latin typeface="Helvetica Neue"/>
+              </a:rPr>
+              <a:t>Interpretation of Above Correlation Matrix:</a:t>
+            </a:r>
+          </a:p>
+        </p:txBody>
+      </p:sp>
+      <p:sp>
+        <p:nvSpPr>
+          <p:cNvPr id="3" name="Content Placeholder 2">
+            <a:extLst>
+              <a:ext uri="{FF2B5EF4-FFF2-40B4-BE49-F238E27FC236}">
+                <a16:creationId xmlns:a16="http://schemas.microsoft.com/office/drawing/2014/main" id="{F2B4C904-261A-8423-A345-0B4BD48359A6}"/>
+              </a:ext>
+            </a:extLst>
+          </p:cNvPr>
+          <p:cNvSpPr>
+            <a:spLocks noGrp="1"/>
+          </p:cNvSpPr>
+          <p:nvPr>
+            <p:ph idx="1"/>
+          </p:nvPr>
+        </p:nvSpPr>
+        <p:spPr>
+          <a:xfrm>
+            <a:off x="838200" y="1530220"/>
+            <a:ext cx="10515600" cy="4646743"/>
+          </a:xfrm>
+        </p:spPr>
+        <p:txBody>
+          <a:bodyPr>
+            <a:normAutofit lnSpcReduction="10000"/>
+          </a:bodyPr>
+          <a:lstStyle/>
+          <a:p>
+            <a:pPr algn="l">
+              <a:buFont typeface="Arial" panose="020B0604020202020204" pitchFamily="34" charset="0"/>
+              <a:buChar char="•"/>
+            </a:pPr>
+            <a:r>
+              <a:rPr lang="en-US" b="0" i="0" dirty="0">
+                <a:effectLst/>
+                <a:latin typeface="Söhne"/>
+              </a:rPr>
+              <a:t>The fineTech_appData2 dataset does not exhibit strong correlations between its features.</a:t>
+            </a:r>
+          </a:p>
+          <a:p>
+            <a:pPr algn="l">
+              <a:buFont typeface="Arial" panose="020B0604020202020204" pitchFamily="34" charset="0"/>
+              <a:buChar char="•"/>
+            </a:pPr>
+            <a:r>
+              <a:rPr lang="en-US" b="0" i="0" dirty="0">
+                <a:effectLst/>
+                <a:latin typeface="Söhne"/>
+              </a:rPr>
+              <a:t>A weak correlation exists between the number of screens viewed by customers and their enrollment in the premium app.</a:t>
+            </a:r>
+          </a:p>
+          <a:p>
+            <a:pPr algn="l">
+              <a:buFont typeface="Arial" panose="020B0604020202020204" pitchFamily="34" charset="0"/>
+              <a:buChar char="•"/>
+            </a:pPr>
+            <a:r>
+              <a:rPr lang="en-US" b="0" i="0" dirty="0">
+                <a:effectLst/>
+                <a:latin typeface="Söhne"/>
+              </a:rPr>
+              <a:t>There is a slight correlation between a customer's engagement in the mini-game and their enrollment or use of premium features.</a:t>
+            </a:r>
+          </a:p>
+          <a:p>
+            <a:pPr algn="l">
+              <a:buFont typeface="Arial" panose="020B0604020202020204" pitchFamily="34" charset="0"/>
+              <a:buChar char="•"/>
+            </a:pPr>
+            <a:r>
+              <a:rPr lang="en-US" b="0" i="0" dirty="0">
+                <a:effectLst/>
+                <a:latin typeface="Söhne"/>
+              </a:rPr>
+              <a:t>Conversely, there is a slightly negative correlation between a customer's age and their enrollment in the premium app or the number of screens they viewed.</a:t>
+            </a:r>
+          </a:p>
+          <a:p>
+            <a:pPr algn="l">
+              <a:buFont typeface="Arial" panose="020B0604020202020204" pitchFamily="34" charset="0"/>
+              <a:buChar char="•"/>
+            </a:pPr>
+            <a:r>
+              <a:rPr lang="en-US" b="0" i="0" dirty="0">
+                <a:effectLst/>
+                <a:latin typeface="Söhne"/>
+              </a:rPr>
+              <a:t>This suggests that older customers are less likely to use the premium app and view multiple screens.</a:t>
+            </a:r>
+          </a:p>
+          <a:p>
+            <a:endParaRPr lang="en-IN" dirty="0"/>
+          </a:p>
+        </p:txBody>
+      </p:sp>
+    </p:spTree>
+    <p:extLst>
+      <p:ext uri="{BB962C8B-B14F-4D97-AF65-F5344CB8AC3E}">
+        <p14:creationId xmlns:p14="http://schemas.microsoft.com/office/powerpoint/2010/main" val="1267175030"/>
+      </p:ext>
+    </p:extLst>
+  </p:cSld>
+  <p:clrMapOvr>
+    <a:masterClrMapping/>
+  </p:clrMapOvr>
+</p:sld>
+</file>
+
 <file path=ppt/theme/theme1.xml><?xml version="1.0" encoding="utf-8"?>
-<a:theme xmlns:a="http://schemas.openxmlformats.org/drawingml/2006/main" name="ConfettiVTI">
+<a:theme xmlns:a="http://schemas.openxmlformats.org/drawingml/2006/main" name="Office Theme">
   <a:themeElements>
-    <a:clrScheme name="Custom 30">
+    <a:clrScheme name="Office">
       <a:dk1>
         <a:sysClr val="windowText" lastClr="000000"/>
       </a:dk1>
@@ -5343,46 +5432,140 @@
         <a:sysClr val="window" lastClr="FFFFFF"/>
       </a:lt1>
       <a:dk2>
-        <a:srgbClr val="420023"/>
+        <a:srgbClr val="44546A"/>
       </a:dk2>
       <a:lt2>
-        <a:srgbClr val="FDFBF9"/>
+        <a:srgbClr val="E7E6E6"/>
       </a:lt2>
       <a:accent1>
-        <a:srgbClr val="97446E"/>
+        <a:srgbClr val="4472C4"/>
       </a:accent1>
       <a:accent2>
-        <a:srgbClr val="A40056"/>
+        <a:srgbClr val="ED7D31"/>
       </a:accent2>
       <a:accent3>
-        <a:srgbClr val="24BEEE"/>
+        <a:srgbClr val="A5A5A5"/>
       </a:accent3>
       <a:accent4>
-        <a:srgbClr val="91274F"/>
+        <a:srgbClr val="FFC000"/>
       </a:accent4>
       <a:accent5>
-        <a:srgbClr val="F39E29"/>
+        <a:srgbClr val="5B9BD5"/>
       </a:accent5>
       <a:accent6>
-        <a:srgbClr val="E87450"/>
+        <a:srgbClr val="70AD47"/>
       </a:accent6>
       <a:hlink>
-        <a:srgbClr val="F55D5D"/>
+        <a:srgbClr val="0563C1"/>
       </a:hlink>
       <a:folHlink>
-        <a:srgbClr val="EA3A60"/>
+        <a:srgbClr val="954F72"/>
       </a:folHlink>
     </a:clrScheme>
-    <a:fontScheme name="Custom 10">
+    <a:fontScheme name="Office">
       <a:majorFont>
-        <a:latin typeface="Gill Sans Nova"/>
+        <a:latin typeface="Calibri Light" panose="020F0302020204030204"/>
         <a:ea typeface=""/>
         <a:cs typeface=""/>
+        <a:font script="Jpan" typeface="游ゴシック Light"/>
+        <a:font script="Hang" typeface="맑은 고딕"/>
+        <a:font script="Hans" typeface="等线 Light"/>
+        <a:font script="Hant" typeface="新細明體"/>
+        <a:font script="Arab" typeface="Times New Roman"/>
+        <a:font script="Hebr" typeface="Times New Roman"/>
+        <a:font script="Thai" typeface="Angsana New"/>
+        <a:font script="Ethi" typeface="Nyala"/>
+        <a:font script="Beng" typeface="Vrinda"/>
+        <a:font script="Gujr" typeface="Shruti"/>
+        <a:font script="Khmr" typeface="MoolBoran"/>
+        <a:font script="Knda" typeface="Tunga"/>
+        <a:font script="Guru" typeface="Raavi"/>
+        <a:font script="Cans" typeface="Euphemia"/>
+        <a:font script="Cher" typeface="Plantagenet Cherokee"/>
+        <a:font script="Yiii" typeface="Microsoft Yi Baiti"/>
+        <a:font script="Tibt" typeface="Microsoft Himalaya"/>
+        <a:font script="Thaa" typeface="MV Boli"/>
+        <a:font script="Deva" typeface="Mangal"/>
+        <a:font script="Telu" typeface="Gautami"/>
+        <a:font script="Taml" typeface="Latha"/>
+        <a:font script="Syrc" typeface="Estrangelo Edessa"/>
+        <a:font script="Orya" typeface="Kalinga"/>
+        <a:font script="Mlym" typeface="Kartika"/>
+        <a:font script="Laoo" typeface="DokChampa"/>
+        <a:font script="Sinh" typeface="Iskoola Pota"/>
+        <a:font script="Mong" typeface="Mongolian Baiti"/>
+        <a:font script="Viet" typeface="Times New Roman"/>
+        <a:font script="Uigh" typeface="Microsoft Uighur"/>
+        <a:font script="Geor" typeface="Sylfaen"/>
+        <a:font script="Armn" typeface="Arial"/>
+        <a:font script="Bugi" typeface="Leelawadee UI"/>
+        <a:font script="Bopo" typeface="Microsoft JhengHei"/>
+        <a:font script="Java" typeface="Javanese Text"/>
+        <a:font script="Lisu" typeface="Segoe UI"/>
+        <a:font script="Mymr" typeface="Myanmar Text"/>
+        <a:font script="Nkoo" typeface="Ebrima"/>
+        <a:font script="Olck" typeface="Nirmala UI"/>
+        <a:font script="Osma" typeface="Ebrima"/>
+        <a:font script="Phag" typeface="Phagspa"/>
+        <a:font script="Syrn" typeface="Estrangelo Edessa"/>
+        <a:font script="Syrj" typeface="Estrangelo Edessa"/>
+        <a:font script="Syre" typeface="Estrangelo Edessa"/>
+        <a:font script="Sora" typeface="Nirmala UI"/>
+        <a:font script="Tale" typeface="Microsoft Tai Le"/>
+        <a:font script="Talu" typeface="Microsoft New Tai Lue"/>
+        <a:font script="Tfng" typeface="Ebrima"/>
       </a:majorFont>
       <a:minorFont>
-        <a:latin typeface="Calibri"/>
+        <a:latin typeface="Calibri" panose="020F0502020204030204"/>
         <a:ea typeface=""/>
         <a:cs typeface=""/>
+        <a:font script="Jpan" typeface="游ゴシック"/>
+        <a:font script="Hang" typeface="맑은 고딕"/>
+        <a:font script="Hans" typeface="等线"/>
+        <a:font script="Hant" typeface="新細明體"/>
+        <a:font script="Arab" typeface="Arial"/>
+        <a:font script="Hebr" typeface="Arial"/>
+        <a:font script="Thai" typeface="Cordia New"/>
+        <a:font script="Ethi" typeface="Nyala"/>
+        <a:font script="Beng" typeface="Vrinda"/>
+        <a:font script="Gujr" typeface="Shruti"/>
+        <a:font script="Khmr" typeface="DaunPenh"/>
+        <a:font script="Knda" typeface="Tunga"/>
+        <a:font script="Guru" typeface="Raavi"/>
+        <a:font script="Cans" typeface="Euphemia"/>
+        <a:font script="Cher" typeface="Plantagenet Cherokee"/>
+        <a:font script="Yiii" typeface="Microsoft Yi Baiti"/>
+        <a:font script="Tibt" typeface="Microsoft Himalaya"/>
+        <a:font script="Thaa" typeface="MV Boli"/>
+        <a:font script="Deva" typeface="Mangal"/>
+        <a:font script="Telu" typeface="Gautami"/>
+        <a:font script="Taml" typeface="Latha"/>
+        <a:font script="Syrc" typeface="Estrangelo Edessa"/>
+        <a:font script="Orya" typeface="Kalinga"/>
+        <a:font script="Mlym" typeface="Kartika"/>
+        <a:font script="Laoo" typeface="DokChampa"/>
+        <a:font script="Sinh" typeface="Iskoola Pota"/>
+        <a:font script="Mong" typeface="Mongolian Baiti"/>
+        <a:font script="Viet" typeface="Arial"/>
+        <a:font script="Uigh" typeface="Microsoft Uighur"/>
+        <a:font script="Geor" typeface="Sylfaen"/>
+        <a:font script="Armn" typeface="Arial"/>
+        <a:font script="Bugi" typeface="Leelawadee UI"/>
+        <a:font script="Bopo" typeface="Microsoft JhengHei"/>
+        <a:font script="Java" typeface="Javanese Text"/>
+        <a:font script="Lisu" typeface="Segoe UI"/>
+        <a:font script="Mymr" typeface="Myanmar Text"/>
+        <a:font script="Nkoo" typeface="Ebrima"/>
+        <a:font script="Olck" typeface="Nirmala UI"/>
+        <a:font script="Osma" typeface="Ebrima"/>
+        <a:font script="Phag" typeface="Phagspa"/>
+        <a:font script="Syrn" typeface="Estrangelo Edessa"/>
+        <a:font script="Syrj" typeface="Estrangelo Edessa"/>
+        <a:font script="Syre" typeface="Estrangelo Edessa"/>
+        <a:font script="Sora" typeface="Nirmala UI"/>
+        <a:font script="Tale" typeface="Microsoft Tai Le"/>
+        <a:font script="Talu" typeface="Microsoft New Tai Lue"/>
+        <a:font script="Tfng" typeface="Ebrima"/>
       </a:minorFont>
     </a:fontScheme>
     <a:fmtScheme name="Office">
@@ -5527,7 +5710,7 @@
   <a:extraClrSchemeLst/>
   <a:extLst>
     <a:ext uri="{05A4C25C-085E-4340-85A3-A5531E510DB2}">
-      <thm15:themeFamily xmlns:thm15="http://schemas.microsoft.com/office/thememl/2012/main" name="ConfettiVTI" id="{B5618F7C-B4F0-4D28-83B4-440D0519681F}" vid="{5F84EFDF-E14E-48C6-955C-990A32085A7F}"/>
+      <thm15:themeFamily xmlns:thm15="http://schemas.microsoft.com/office/thememl/2012/main" name="Office Theme" id="{62F939B6-93AF-4DB8-9C6B-D6C7DFDC589F}" vid="{4A3C46E8-61CC-4603-A589-7422A47A8E4A}"/>
     </a:ext>
   </a:extLst>
 </a:theme>
